--- a/RateGain.pptx
+++ b/RateGain.pptx
@@ -1,36 +1,43 @@
 
 <file path=ppt/presentation.xml><?xml version="1.0" encoding="utf-8"?>
-<p:presentation xmlns:a="http://schemas.openxmlformats.org/drawingml/2006/main" xmlns:r="http://schemas.openxmlformats.org/officeDocument/2006/relationships" xmlns:mc="http://schemas.openxmlformats.org/markup-compatibility/2006" xmlns:mv="urn:schemas-microsoft-com:mac:vml" xmlns:p="http://schemas.openxmlformats.org/presentationml/2006/main" xmlns:c="http://schemas.openxmlformats.org/drawingml/2006/chart" xmlns:dgm="http://schemas.openxmlformats.org/drawingml/2006/diagram" xmlns:o="urn:schemas-microsoft-com:office:office" xmlns:v="urn:schemas-microsoft-com:vml" xmlns:pvml="urn:schemas-microsoft-com:office:powerpoint" xmlns:com="http://schemas.openxmlformats.org/drawingml/2006/compatibility" xmlns:p14="http://schemas.microsoft.com/office/powerpoint/2010/main" xmlns:p15="http://schemas.microsoft.com/office/powerpoint/2012/main" xmlns:ahyp="http://schemas.microsoft.com/office/drawing/2018/hyperlinkcolor" autoCompressPictures="0" embedTrueTypeFonts="1" strictFirstAndLastChars="0" saveSubsetFonts="1">
+<p:presentation xmlns:a="http://schemas.openxmlformats.org/drawingml/2006/main" xmlns:r="http://schemas.openxmlformats.org/officeDocument/2006/relationships" xmlns:p="http://schemas.openxmlformats.org/presentationml/2006/main" strictFirstAndLastChars="0" embedTrueTypeFonts="1" saveSubsetFonts="1" autoCompressPictures="0">
   <p:sldMasterIdLst>
-    <p:sldMasterId id="2147483659" r:id="rId4"/>
+    <p:sldMasterId id="2147483659" r:id="rId1"/>
   </p:sldMasterIdLst>
   <p:notesMasterIdLst>
-    <p:notesMasterId r:id="rId5"/>
+    <p:notesMasterId r:id="rId11"/>
   </p:notesMasterIdLst>
   <p:sldIdLst>
-    <p:sldId id="256" r:id="rId6"/>
-    <p:sldId id="257" r:id="rId7"/>
-    <p:sldId id="258" r:id="rId8"/>
-    <p:sldId id="259" r:id="rId9"/>
-    <p:sldId id="260" r:id="rId10"/>
-    <p:sldId id="261" r:id="rId11"/>
-    <p:sldId id="262" r:id="rId12"/>
-    <p:sldId id="263" r:id="rId13"/>
-    <p:sldId id="264" r:id="rId14"/>
+    <p:sldId id="256" r:id="rId2"/>
+    <p:sldId id="257" r:id="rId3"/>
+    <p:sldId id="258" r:id="rId4"/>
+    <p:sldId id="259" r:id="rId5"/>
+    <p:sldId id="260" r:id="rId6"/>
+    <p:sldId id="261" r:id="rId7"/>
+    <p:sldId id="262" r:id="rId8"/>
+    <p:sldId id="263" r:id="rId9"/>
+    <p:sldId id="264" r:id="rId10"/>
   </p:sldIdLst>
-  <p:sldSz cy="5143500" cx="9144000"/>
+  <p:sldSz cx="9144000" cy="5143500" type="screen16x9"/>
   <p:notesSz cx="6858000" cy="9144000"/>
   <p:embeddedFontLst>
     <p:embeddedFont>
-      <p:font typeface="Roboto"/>
-      <p:regular r:id="rId15"/>
-      <p:bold r:id="rId16"/>
-      <p:italic r:id="rId17"/>
-      <p:boldItalic r:id="rId18"/>
+      <p:font typeface="Consolas" panose="020B0609020204030204" pitchFamily="49" charset="0"/>
+      <p:regular r:id="rId12"/>
+      <p:bold r:id="rId13"/>
+      <p:italic r:id="rId14"/>
+      <p:boldItalic r:id="rId15"/>
+    </p:embeddedFont>
+    <p:embeddedFont>
+      <p:font typeface="Roboto" panose="02000000000000000000" pitchFamily="2" charset="0"/>
+      <p:regular r:id="rId16"/>
+      <p:bold r:id="rId17"/>
+      <p:italic r:id="rId18"/>
+      <p:boldItalic r:id="rId19"/>
     </p:embeddedFont>
   </p:embeddedFontLst>
   <p:defaultTextStyle>
-    <a:defPPr lvl="0" marR="0" rtl="0" algn="l">
+    <a:defPPr marR="0" lvl="0" algn="l" rtl="0">
       <a:lnSpc>
         <a:spcPct val="100000"/>
       </a:lnSpc>
@@ -41,7 +48,7 @@
         <a:spcPts val="0"/>
       </a:spcAft>
     </a:defPPr>
-    <a:lvl1pPr lvl="0" marR="0" rtl="0" algn="l">
+    <a:lvl1pPr marR="0" lvl="0" algn="l" rtl="0">
       <a:lnSpc>
         <a:spcPct val="100000"/>
       </a:lnSpc>
@@ -55,7 +62,7 @@
         <a:srgbClr val="000000"/>
       </a:buClr>
       <a:buFont typeface="Arial"/>
-      <a:defRPr b="0" i="0" sz="1400" u="none" cap="none" strike="noStrike">
+      <a:defRPr sz="1400" b="0" i="0" u="none" strike="noStrike" cap="none">
         <a:solidFill>
           <a:srgbClr val="000000"/>
         </a:solidFill>
@@ -65,7 +72,7 @@
         <a:sym typeface="Arial"/>
       </a:defRPr>
     </a:lvl1pPr>
-    <a:lvl2pPr lvl="1" marR="0" rtl="0" algn="l">
+    <a:lvl2pPr marR="0" lvl="1" algn="l" rtl="0">
       <a:lnSpc>
         <a:spcPct val="100000"/>
       </a:lnSpc>
@@ -79,7 +86,7 @@
         <a:srgbClr val="000000"/>
       </a:buClr>
       <a:buFont typeface="Arial"/>
-      <a:defRPr b="0" i="0" sz="1400" u="none" cap="none" strike="noStrike">
+      <a:defRPr sz="1400" b="0" i="0" u="none" strike="noStrike" cap="none">
         <a:solidFill>
           <a:srgbClr val="000000"/>
         </a:solidFill>
@@ -89,7 +96,7 @@
         <a:sym typeface="Arial"/>
       </a:defRPr>
     </a:lvl2pPr>
-    <a:lvl3pPr lvl="2" marR="0" rtl="0" algn="l">
+    <a:lvl3pPr marR="0" lvl="2" algn="l" rtl="0">
       <a:lnSpc>
         <a:spcPct val="100000"/>
       </a:lnSpc>
@@ -103,7 +110,7 @@
         <a:srgbClr val="000000"/>
       </a:buClr>
       <a:buFont typeface="Arial"/>
-      <a:defRPr b="0" i="0" sz="1400" u="none" cap="none" strike="noStrike">
+      <a:defRPr sz="1400" b="0" i="0" u="none" strike="noStrike" cap="none">
         <a:solidFill>
           <a:srgbClr val="000000"/>
         </a:solidFill>
@@ -113,7 +120,7 @@
         <a:sym typeface="Arial"/>
       </a:defRPr>
     </a:lvl3pPr>
-    <a:lvl4pPr lvl="3" marR="0" rtl="0" algn="l">
+    <a:lvl4pPr marR="0" lvl="3" algn="l" rtl="0">
       <a:lnSpc>
         <a:spcPct val="100000"/>
       </a:lnSpc>
@@ -127,7 +134,7 @@
         <a:srgbClr val="000000"/>
       </a:buClr>
       <a:buFont typeface="Arial"/>
-      <a:defRPr b="0" i="0" sz="1400" u="none" cap="none" strike="noStrike">
+      <a:defRPr sz="1400" b="0" i="0" u="none" strike="noStrike" cap="none">
         <a:solidFill>
           <a:srgbClr val="000000"/>
         </a:solidFill>
@@ -137,7 +144,7 @@
         <a:sym typeface="Arial"/>
       </a:defRPr>
     </a:lvl4pPr>
-    <a:lvl5pPr lvl="4" marR="0" rtl="0" algn="l">
+    <a:lvl5pPr marR="0" lvl="4" algn="l" rtl="0">
       <a:lnSpc>
         <a:spcPct val="100000"/>
       </a:lnSpc>
@@ -151,7 +158,7 @@
         <a:srgbClr val="000000"/>
       </a:buClr>
       <a:buFont typeface="Arial"/>
-      <a:defRPr b="0" i="0" sz="1400" u="none" cap="none" strike="noStrike">
+      <a:defRPr sz="1400" b="0" i="0" u="none" strike="noStrike" cap="none">
         <a:solidFill>
           <a:srgbClr val="000000"/>
         </a:solidFill>
@@ -161,7 +168,7 @@
         <a:sym typeface="Arial"/>
       </a:defRPr>
     </a:lvl5pPr>
-    <a:lvl6pPr lvl="5" marR="0" rtl="0" algn="l">
+    <a:lvl6pPr marR="0" lvl="5" algn="l" rtl="0">
       <a:lnSpc>
         <a:spcPct val="100000"/>
       </a:lnSpc>
@@ -175,7 +182,7 @@
         <a:srgbClr val="000000"/>
       </a:buClr>
       <a:buFont typeface="Arial"/>
-      <a:defRPr b="0" i="0" sz="1400" u="none" cap="none" strike="noStrike">
+      <a:defRPr sz="1400" b="0" i="0" u="none" strike="noStrike" cap="none">
         <a:solidFill>
           <a:srgbClr val="000000"/>
         </a:solidFill>
@@ -185,7 +192,7 @@
         <a:sym typeface="Arial"/>
       </a:defRPr>
     </a:lvl6pPr>
-    <a:lvl7pPr lvl="6" marR="0" rtl="0" algn="l">
+    <a:lvl7pPr marR="0" lvl="6" algn="l" rtl="0">
       <a:lnSpc>
         <a:spcPct val="100000"/>
       </a:lnSpc>
@@ -199,7 +206,7 @@
         <a:srgbClr val="000000"/>
       </a:buClr>
       <a:buFont typeface="Arial"/>
-      <a:defRPr b="0" i="0" sz="1400" u="none" cap="none" strike="noStrike">
+      <a:defRPr sz="1400" b="0" i="0" u="none" strike="noStrike" cap="none">
         <a:solidFill>
           <a:srgbClr val="000000"/>
         </a:solidFill>
@@ -209,7 +216,7 @@
         <a:sym typeface="Arial"/>
       </a:defRPr>
     </a:lvl7pPr>
-    <a:lvl8pPr lvl="7" marR="0" rtl="0" algn="l">
+    <a:lvl8pPr marR="0" lvl="7" algn="l" rtl="0">
       <a:lnSpc>
         <a:spcPct val="100000"/>
       </a:lnSpc>
@@ -223,7 +230,7 @@
         <a:srgbClr val="000000"/>
       </a:buClr>
       <a:buFont typeface="Arial"/>
-      <a:defRPr b="0" i="0" sz="1400" u="none" cap="none" strike="noStrike">
+      <a:defRPr sz="1400" b="0" i="0" u="none" strike="noStrike" cap="none">
         <a:solidFill>
           <a:srgbClr val="000000"/>
         </a:solidFill>
@@ -233,7 +240,7 @@
         <a:sym typeface="Arial"/>
       </a:defRPr>
     </a:lvl8pPr>
-    <a:lvl9pPr lvl="8" marR="0" rtl="0" algn="l">
+    <a:lvl9pPr marR="0" lvl="8" algn="l" rtl="0">
       <a:lnSpc>
         <a:spcPct val="100000"/>
       </a:lnSpc>
@@ -247,7 +254,7 @@
         <a:srgbClr val="000000"/>
       </a:buClr>
       <a:buFont typeface="Arial"/>
-      <a:defRPr b="0" i="0" sz="1400" u="none" cap="none" strike="noStrike">
+      <a:defRPr sz="1400" b="0" i="0" u="none" strike="noStrike" cap="none">
         <a:solidFill>
           <a:srgbClr val="000000"/>
         </a:solidFill>
@@ -260,7 +267,7 @@
   </p:defaultTextStyle>
   <p:extLst>
     <p:ext uri="{EFAFB233-063F-42B5-8137-9DF3F51BA10A}">
-      <p15:sldGuideLst>
+      <p15:sldGuideLst xmlns:p15="http://schemas.microsoft.com/office/powerpoint/2012/main">
         <p15:guide id="1" orient="horz" pos="1620">
           <p15:clr>
             <a:srgbClr val="747775"/>
@@ -278,11 +285,16 @@
 </file>
 
 <file path=ppt/notesMasters/notesMaster1.xml><?xml version="1.0" encoding="utf-8"?>
-<p:notesMaster xmlns:a="http://schemas.openxmlformats.org/drawingml/2006/main" xmlns:r="http://schemas.openxmlformats.org/officeDocument/2006/relationships" xmlns:mc="http://schemas.openxmlformats.org/markup-compatibility/2006" xmlns:mv="urn:schemas-microsoft-com:mac:vml" xmlns:p="http://schemas.openxmlformats.org/presentationml/2006/main" xmlns:c="http://schemas.openxmlformats.org/drawingml/2006/chart" xmlns:dgm="http://schemas.openxmlformats.org/drawingml/2006/diagram" xmlns:o="urn:schemas-microsoft-com:office:office" xmlns:v="urn:schemas-microsoft-com:vml" xmlns:pvml="urn:schemas-microsoft-com:office:powerpoint" xmlns:com="http://schemas.openxmlformats.org/drawingml/2006/compatibility" xmlns:p14="http://schemas.microsoft.com/office/powerpoint/2010/main" xmlns:p15="http://schemas.microsoft.com/office/powerpoint/2012/main" xmlns:ahyp="http://schemas.microsoft.com/office/drawing/2018/hyperlinkcolor">
+<p:notesMaster xmlns:a="http://schemas.openxmlformats.org/drawingml/2006/main" xmlns:r="http://schemas.openxmlformats.org/officeDocument/2006/relationships" xmlns:p="http://schemas.openxmlformats.org/presentationml/2006/main">
   <p:cSld>
+    <p:bg>
+      <p:bgRef idx="1001">
+        <a:schemeClr val="bg1"/>
+      </p:bgRef>
+    </p:bg>
     <p:spTree>
       <p:nvGrpSpPr>
-        <p:cNvPr id="2" name="Shape 2"/>
+        <p:cNvPr id="1" name="Shape 2"/>
         <p:cNvGrpSpPr/>
         <p:nvPr/>
       </p:nvGrpSpPr>
@@ -297,9 +309,11 @@
       <p:sp>
         <p:nvSpPr>
           <p:cNvPr id="3" name="Google Shape;3;n"/>
-          <p:cNvSpPr/>
+          <p:cNvSpPr>
+            <a:spLocks noGrp="1" noRot="1" noChangeAspect="1"/>
+          </p:cNvSpPr>
           <p:nvPr>
-            <p:ph idx="2" type="sldImg"/>
+            <p:ph type="sldImg" idx="2"/>
           </p:nvPr>
         </p:nvSpPr>
         <p:spPr>
@@ -308,9 +322,13 @@
             <a:ext cx="6096075" cy="3429000"/>
           </a:xfrm>
           <a:custGeom>
-            <a:rect b="b" l="l" r="r" t="t"/>
+            <a:avLst/>
+            <a:gdLst/>
+            <a:ahLst/>
+            <a:cxnLst/>
+            <a:rect l="l" t="t" r="r" b="b"/>
             <a:pathLst>
-              <a:path extrusionOk="0" h="120000" w="120000">
+              <a:path w="120000" h="120000" extrusionOk="0">
                 <a:moveTo>
                   <a:pt x="0" y="0"/>
                 </a:moveTo>
@@ -328,23 +346,25 @@
             </a:pathLst>
           </a:custGeom>
           <a:noFill/>
-          <a:ln cap="flat" cmpd="sng" w="9525">
+          <a:ln w="9525" cap="flat" cmpd="sng">
             <a:solidFill>
               <a:srgbClr val="000000"/>
             </a:solidFill>
             <a:prstDash val="solid"/>
             <a:round/>
-            <a:headEnd len="sm" w="sm" type="none"/>
-            <a:tailEnd len="sm" w="sm" type="none"/>
+            <a:headEnd type="none" w="sm" len="sm"/>
+            <a:tailEnd type="none" w="sm" len="sm"/>
           </a:ln>
         </p:spPr>
       </p:sp>
       <p:sp>
         <p:nvSpPr>
           <p:cNvPr id="4" name="Google Shape;4;n"/>
-          <p:cNvSpPr txBox="1"/>
+          <p:cNvSpPr txBox="1">
+            <a:spLocks noGrp="1"/>
+          </p:cNvSpPr>
           <p:nvPr>
-            <p:ph idx="1" type="body"/>
+            <p:ph type="body" idx="1"/>
           </p:nvPr>
         </p:nvSpPr>
         <p:spPr>
@@ -361,11 +381,11 @@
           </a:ln>
         </p:spPr>
         <p:txBody>
-          <a:bodyPr anchorCtr="0" anchor="t" bIns="91425" lIns="91425" spcFirstLastPara="1" rIns="91425" wrap="square" tIns="91425">
+          <a:bodyPr spcFirstLastPara="1" wrap="square" lIns="91425" tIns="91425" rIns="91425" bIns="91425" anchor="t" anchorCtr="0">
             <a:noAutofit/>
           </a:bodyPr>
           <a:lstStyle>
-            <a:lvl1pPr indent="-298450" lvl="0" marL="457200">
+            <a:lvl1pPr marL="457200" lvl="0" indent="-298450">
               <a:spcBef>
                 <a:spcPts val="0"/>
               </a:spcBef>
@@ -376,7 +396,7 @@
               <a:buChar char="●"/>
               <a:defRPr sz="1100"/>
             </a:lvl1pPr>
-            <a:lvl2pPr indent="-298450" lvl="1" marL="914400">
+            <a:lvl2pPr marL="914400" lvl="1" indent="-298450">
               <a:spcBef>
                 <a:spcPts val="0"/>
               </a:spcBef>
@@ -387,7 +407,7 @@
               <a:buChar char="○"/>
               <a:defRPr sz="1100"/>
             </a:lvl2pPr>
-            <a:lvl3pPr indent="-298450" lvl="2" marL="1371600">
+            <a:lvl3pPr marL="1371600" lvl="2" indent="-298450">
               <a:spcBef>
                 <a:spcPts val="0"/>
               </a:spcBef>
@@ -398,7 +418,7 @@
               <a:buChar char="■"/>
               <a:defRPr sz="1100"/>
             </a:lvl3pPr>
-            <a:lvl4pPr indent="-298450" lvl="3" marL="1828800">
+            <a:lvl4pPr marL="1828800" lvl="3" indent="-298450">
               <a:spcBef>
                 <a:spcPts val="0"/>
               </a:spcBef>
@@ -409,7 +429,7 @@
               <a:buChar char="●"/>
               <a:defRPr sz="1100"/>
             </a:lvl4pPr>
-            <a:lvl5pPr indent="-298450" lvl="4" marL="2286000">
+            <a:lvl5pPr marL="2286000" lvl="4" indent="-298450">
               <a:spcBef>
                 <a:spcPts val="0"/>
               </a:spcBef>
@@ -420,7 +440,7 @@
               <a:buChar char="○"/>
               <a:defRPr sz="1100"/>
             </a:lvl5pPr>
-            <a:lvl6pPr indent="-298450" lvl="5" marL="2743200">
+            <a:lvl6pPr marL="2743200" lvl="5" indent="-298450">
               <a:spcBef>
                 <a:spcPts val="0"/>
               </a:spcBef>
@@ -431,7 +451,7 @@
               <a:buChar char="■"/>
               <a:defRPr sz="1100"/>
             </a:lvl6pPr>
-            <a:lvl7pPr indent="-298450" lvl="6" marL="3200400">
+            <a:lvl7pPr marL="3200400" lvl="6" indent="-298450">
               <a:spcBef>
                 <a:spcPts val="0"/>
               </a:spcBef>
@@ -442,7 +462,7 @@
               <a:buChar char="●"/>
               <a:defRPr sz="1100"/>
             </a:lvl7pPr>
-            <a:lvl8pPr indent="-298450" lvl="7" marL="3657600">
+            <a:lvl8pPr marL="3657600" lvl="7" indent="-298450">
               <a:spcBef>
                 <a:spcPts val="0"/>
               </a:spcBef>
@@ -453,7 +473,7 @@
               <a:buChar char="○"/>
               <a:defRPr sz="1100"/>
             </a:lvl8pPr>
-            <a:lvl9pPr indent="-298450" lvl="8" marL="4114800">
+            <a:lvl9pPr marL="4114800" lvl="8" indent="-298450">
               <a:spcBef>
                 <a:spcPts val="0"/>
               </a:spcBef>
@@ -465,14 +485,16 @@
               <a:defRPr sz="1100"/>
             </a:lvl9pPr>
           </a:lstStyle>
-          <a:p/>
+          <a:p>
+            <a:endParaRPr/>
+          </a:p>
         </p:txBody>
       </p:sp>
     </p:spTree>
   </p:cSld>
-  <p:clrMap accent1="accent1" accent2="accent2" accent3="accent3" accent4="accent4" accent5="accent5" accent6="accent6" bg1="lt1" bg2="dk2" tx1="dk1" tx2="lt2" folHlink="folHlink" hlink="hlink"/>
+  <p:clrMap bg1="lt1" tx1="dk1" bg2="dk2" tx2="lt2" accent1="accent1" accent2="accent2" accent3="accent3" accent4="accent4" accent5="accent5" accent6="accent6" hlink="hlink" folHlink="folHlink"/>
   <p:notesStyle>
-    <a:defPPr lvl="0" marR="0" rtl="0" algn="l">
+    <a:defPPr marR="0" lvl="0" algn="l" rtl="0">
       <a:lnSpc>
         <a:spcPct val="100000"/>
       </a:lnSpc>
@@ -483,7 +505,7 @@
         <a:spcPts val="0"/>
       </a:spcAft>
     </a:defPPr>
-    <a:lvl1pPr lvl="0" marR="0" rtl="0" algn="l">
+    <a:lvl1pPr marR="0" lvl="0" algn="l" rtl="0">
       <a:lnSpc>
         <a:spcPct val="100000"/>
       </a:lnSpc>
@@ -497,7 +519,7 @@
         <a:srgbClr val="000000"/>
       </a:buClr>
       <a:buFont typeface="Arial"/>
-      <a:defRPr b="0" i="0" sz="1400" u="none" cap="none" strike="noStrike">
+      <a:defRPr sz="1400" b="0" i="0" u="none" strike="noStrike" cap="none">
         <a:solidFill>
           <a:srgbClr val="000000"/>
         </a:solidFill>
@@ -507,7 +529,7 @@
         <a:sym typeface="Arial"/>
       </a:defRPr>
     </a:lvl1pPr>
-    <a:lvl2pPr lvl="1" marR="0" rtl="0" algn="l">
+    <a:lvl2pPr marR="0" lvl="1" algn="l" rtl="0">
       <a:lnSpc>
         <a:spcPct val="100000"/>
       </a:lnSpc>
@@ -521,7 +543,7 @@
         <a:srgbClr val="000000"/>
       </a:buClr>
       <a:buFont typeface="Arial"/>
-      <a:defRPr b="0" i="0" sz="1400" u="none" cap="none" strike="noStrike">
+      <a:defRPr sz="1400" b="0" i="0" u="none" strike="noStrike" cap="none">
         <a:solidFill>
           <a:srgbClr val="000000"/>
         </a:solidFill>
@@ -531,7 +553,7 @@
         <a:sym typeface="Arial"/>
       </a:defRPr>
     </a:lvl2pPr>
-    <a:lvl3pPr lvl="2" marR="0" rtl="0" algn="l">
+    <a:lvl3pPr marR="0" lvl="2" algn="l" rtl="0">
       <a:lnSpc>
         <a:spcPct val="100000"/>
       </a:lnSpc>
@@ -545,7 +567,7 @@
         <a:srgbClr val="000000"/>
       </a:buClr>
       <a:buFont typeface="Arial"/>
-      <a:defRPr b="0" i="0" sz="1400" u="none" cap="none" strike="noStrike">
+      <a:defRPr sz="1400" b="0" i="0" u="none" strike="noStrike" cap="none">
         <a:solidFill>
           <a:srgbClr val="000000"/>
         </a:solidFill>
@@ -555,7 +577,7 @@
         <a:sym typeface="Arial"/>
       </a:defRPr>
     </a:lvl3pPr>
-    <a:lvl4pPr lvl="3" marR="0" rtl="0" algn="l">
+    <a:lvl4pPr marR="0" lvl="3" algn="l" rtl="0">
       <a:lnSpc>
         <a:spcPct val="100000"/>
       </a:lnSpc>
@@ -569,7 +591,7 @@
         <a:srgbClr val="000000"/>
       </a:buClr>
       <a:buFont typeface="Arial"/>
-      <a:defRPr b="0" i="0" sz="1400" u="none" cap="none" strike="noStrike">
+      <a:defRPr sz="1400" b="0" i="0" u="none" strike="noStrike" cap="none">
         <a:solidFill>
           <a:srgbClr val="000000"/>
         </a:solidFill>
@@ -579,7 +601,7 @@
         <a:sym typeface="Arial"/>
       </a:defRPr>
     </a:lvl4pPr>
-    <a:lvl5pPr lvl="4" marR="0" rtl="0" algn="l">
+    <a:lvl5pPr marR="0" lvl="4" algn="l" rtl="0">
       <a:lnSpc>
         <a:spcPct val="100000"/>
       </a:lnSpc>
@@ -593,7 +615,7 @@
         <a:srgbClr val="000000"/>
       </a:buClr>
       <a:buFont typeface="Arial"/>
-      <a:defRPr b="0" i="0" sz="1400" u="none" cap="none" strike="noStrike">
+      <a:defRPr sz="1400" b="0" i="0" u="none" strike="noStrike" cap="none">
         <a:solidFill>
           <a:srgbClr val="000000"/>
         </a:solidFill>
@@ -603,7 +625,7 @@
         <a:sym typeface="Arial"/>
       </a:defRPr>
     </a:lvl5pPr>
-    <a:lvl6pPr lvl="5" marR="0" rtl="0" algn="l">
+    <a:lvl6pPr marR="0" lvl="5" algn="l" rtl="0">
       <a:lnSpc>
         <a:spcPct val="100000"/>
       </a:lnSpc>
@@ -617,7 +639,7 @@
         <a:srgbClr val="000000"/>
       </a:buClr>
       <a:buFont typeface="Arial"/>
-      <a:defRPr b="0" i="0" sz="1400" u="none" cap="none" strike="noStrike">
+      <a:defRPr sz="1400" b="0" i="0" u="none" strike="noStrike" cap="none">
         <a:solidFill>
           <a:srgbClr val="000000"/>
         </a:solidFill>
@@ -627,7 +649,7 @@
         <a:sym typeface="Arial"/>
       </a:defRPr>
     </a:lvl6pPr>
-    <a:lvl7pPr lvl="6" marR="0" rtl="0" algn="l">
+    <a:lvl7pPr marR="0" lvl="6" algn="l" rtl="0">
       <a:lnSpc>
         <a:spcPct val="100000"/>
       </a:lnSpc>
@@ -641,7 +663,7 @@
         <a:srgbClr val="000000"/>
       </a:buClr>
       <a:buFont typeface="Arial"/>
-      <a:defRPr b="0" i="0" sz="1400" u="none" cap="none" strike="noStrike">
+      <a:defRPr sz="1400" b="0" i="0" u="none" strike="noStrike" cap="none">
         <a:solidFill>
           <a:srgbClr val="000000"/>
         </a:solidFill>
@@ -651,7 +673,7 @@
         <a:sym typeface="Arial"/>
       </a:defRPr>
     </a:lvl7pPr>
-    <a:lvl8pPr lvl="7" marR="0" rtl="0" algn="l">
+    <a:lvl8pPr marR="0" lvl="7" algn="l" rtl="0">
       <a:lnSpc>
         <a:spcPct val="100000"/>
       </a:lnSpc>
@@ -665,7 +687,7 @@
         <a:srgbClr val="000000"/>
       </a:buClr>
       <a:buFont typeface="Arial"/>
-      <a:defRPr b="0" i="0" sz="1400" u="none" cap="none" strike="noStrike">
+      <a:defRPr sz="1400" b="0" i="0" u="none" strike="noStrike" cap="none">
         <a:solidFill>
           <a:srgbClr val="000000"/>
         </a:solidFill>
@@ -675,7 +697,7 @@
         <a:sym typeface="Arial"/>
       </a:defRPr>
     </a:lvl8pPr>
-    <a:lvl9pPr lvl="8" marR="0" rtl="0" algn="l">
+    <a:lvl9pPr marR="0" lvl="8" algn="l" rtl="0">
       <a:lnSpc>
         <a:spcPct val="100000"/>
       </a:lnSpc>
@@ -689,7 +711,7 @@
         <a:srgbClr val="000000"/>
       </a:buClr>
       <a:buFont typeface="Arial"/>
-      <a:defRPr b="0" i="0" sz="1400" u="none" cap="none" strike="noStrike">
+      <a:defRPr sz="1400" b="0" i="0" u="none" strike="noStrike" cap="none">
         <a:solidFill>
           <a:srgbClr val="000000"/>
         </a:solidFill>
@@ -704,11 +726,11 @@
 </file>
 
 <file path=ppt/notesSlides/notesSlide1.xml><?xml version="1.0" encoding="utf-8"?>
-<p:notes xmlns:a="http://schemas.openxmlformats.org/drawingml/2006/main" xmlns:r="http://schemas.openxmlformats.org/officeDocument/2006/relationships" xmlns:mc="http://schemas.openxmlformats.org/markup-compatibility/2006" xmlns:mv="urn:schemas-microsoft-com:mac:vml" xmlns:p="http://schemas.openxmlformats.org/presentationml/2006/main" xmlns:c="http://schemas.openxmlformats.org/drawingml/2006/chart" xmlns:dgm="http://schemas.openxmlformats.org/drawingml/2006/diagram" xmlns:o="urn:schemas-microsoft-com:office:office" xmlns:v="urn:schemas-microsoft-com:vml" xmlns:pvml="urn:schemas-microsoft-com:office:powerpoint" xmlns:com="http://schemas.openxmlformats.org/drawingml/2006/compatibility" xmlns:p14="http://schemas.microsoft.com/office/powerpoint/2010/main" xmlns:p15="http://schemas.microsoft.com/office/powerpoint/2012/main" xmlns:ahyp="http://schemas.microsoft.com/office/drawing/2018/hyperlinkcolor" showMasterPhAnim="0" showMasterSp="0">
+<p:notes xmlns:a="http://schemas.openxmlformats.org/drawingml/2006/main" xmlns:r="http://schemas.openxmlformats.org/officeDocument/2006/relationships" xmlns:p="http://schemas.openxmlformats.org/presentationml/2006/main" showMasterSp="0" showMasterPhAnim="0">
   <p:cSld>
     <p:spTree>
       <p:nvGrpSpPr>
-        <p:cNvPr id="63" name="Shape 63"/>
+        <p:cNvPr id="1" name="Shape 63"/>
         <p:cNvGrpSpPr/>
         <p:nvPr/>
       </p:nvGrpSpPr>
@@ -723,20 +745,26 @@
       <p:sp>
         <p:nvSpPr>
           <p:cNvPr id="64" name="Google Shape;64;p:notes"/>
-          <p:cNvSpPr/>
+          <p:cNvSpPr>
+            <a:spLocks noGrp="1" noRot="1" noChangeAspect="1"/>
+          </p:cNvSpPr>
           <p:nvPr>
-            <p:ph idx="2" type="sldImg"/>
+            <p:ph type="sldImg" idx="2"/>
           </p:nvPr>
         </p:nvSpPr>
         <p:spPr>
           <a:xfrm>
-            <a:off x="381300" y="685800"/>
-            <a:ext cx="6096075" cy="3429000"/>
+            <a:off x="381000" y="685800"/>
+            <a:ext cx="6096000" cy="3429000"/>
           </a:xfrm>
           <a:custGeom>
-            <a:rect b="b" l="l" r="r" t="t"/>
+            <a:avLst/>
+            <a:gdLst/>
+            <a:ahLst/>
+            <a:cxnLst/>
+            <a:rect l="l" t="t" r="r" b="b"/>
             <a:pathLst>
-              <a:path extrusionOk="0" h="120000" w="120000">
+              <a:path w="120000" h="120000" extrusionOk="0">
                 <a:moveTo>
                   <a:pt x="0" y="0"/>
                 </a:moveTo>
@@ -758,9 +786,11 @@
       <p:sp>
         <p:nvSpPr>
           <p:cNvPr id="65" name="Google Shape;65;p:notes"/>
-          <p:cNvSpPr txBox="1"/>
+          <p:cNvSpPr txBox="1">
+            <a:spLocks noGrp="1"/>
+          </p:cNvSpPr>
           <p:nvPr>
-            <p:ph idx="1" type="body"/>
+            <p:ph type="body" idx="1"/>
           </p:nvPr>
         </p:nvSpPr>
         <p:spPr>
@@ -773,23 +803,20 @@
           </a:prstGeom>
         </p:spPr>
         <p:txBody>
-          <a:bodyPr anchorCtr="0" anchor="t" bIns="91425" lIns="91425" spcFirstLastPara="1" rIns="91425" wrap="square" tIns="91425">
+          <a:bodyPr spcFirstLastPara="1" wrap="square" lIns="91425" tIns="91425" rIns="91425" bIns="91425" anchor="t" anchorCtr="0">
             <a:noAutofit/>
           </a:bodyPr>
           <a:lstStyle/>
           <a:p>
-            <a:pPr indent="0" lvl="0" marL="0" rtl="0" algn="l">
-              <a:spcBef>
-                <a:spcPts val="0"/>
-              </a:spcBef>
-              <a:spcAft>
-                <a:spcPts val="0"/>
-              </a:spcAft>
-              <a:buNone/>
-            </a:pPr>
-            <a:r>
-              <a:t/>
-            </a:r>
+            <a:pPr marL="0" lvl="0" indent="0" algn="l" rtl="0">
+              <a:spcBef>
+                <a:spcPts val="0"/>
+              </a:spcBef>
+              <a:spcAft>
+                <a:spcPts val="0"/>
+              </a:spcAft>
+              <a:buNone/>
+            </a:pPr>
             <a:endParaRPr/>
           </a:p>
         </p:txBody>
@@ -803,11 +830,11 @@
 </file>
 
 <file path=ppt/notesSlides/notesSlide2.xml><?xml version="1.0" encoding="utf-8"?>
-<p:notes xmlns:a="http://schemas.openxmlformats.org/drawingml/2006/main" xmlns:r="http://schemas.openxmlformats.org/officeDocument/2006/relationships" xmlns:mc="http://schemas.openxmlformats.org/markup-compatibility/2006" xmlns:mv="urn:schemas-microsoft-com:mac:vml" xmlns:p="http://schemas.openxmlformats.org/presentationml/2006/main" xmlns:c="http://schemas.openxmlformats.org/drawingml/2006/chart" xmlns:dgm="http://schemas.openxmlformats.org/drawingml/2006/diagram" xmlns:o="urn:schemas-microsoft-com:office:office" xmlns:v="urn:schemas-microsoft-com:vml" xmlns:pvml="urn:schemas-microsoft-com:office:powerpoint" xmlns:com="http://schemas.openxmlformats.org/drawingml/2006/compatibility" xmlns:p14="http://schemas.microsoft.com/office/powerpoint/2010/main" xmlns:p15="http://schemas.microsoft.com/office/powerpoint/2012/main" xmlns:ahyp="http://schemas.microsoft.com/office/drawing/2018/hyperlinkcolor" showMasterPhAnim="0" showMasterSp="0">
+<p:notes xmlns:a="http://schemas.openxmlformats.org/drawingml/2006/main" xmlns:r="http://schemas.openxmlformats.org/officeDocument/2006/relationships" xmlns:p="http://schemas.openxmlformats.org/presentationml/2006/main" showMasterSp="0" showMasterPhAnim="0">
   <p:cSld>
     <p:spTree>
       <p:nvGrpSpPr>
-        <p:cNvPr id="69" name="Shape 69"/>
+        <p:cNvPr id="1" name="Shape 69"/>
         <p:cNvGrpSpPr/>
         <p:nvPr/>
       </p:nvGrpSpPr>
@@ -822,9 +849,11 @@
       <p:sp>
         <p:nvSpPr>
           <p:cNvPr id="70" name="Google Shape;70;g29de2195ba9_0_0:notes"/>
-          <p:cNvSpPr/>
+          <p:cNvSpPr>
+            <a:spLocks noGrp="1" noRot="1" noChangeAspect="1"/>
+          </p:cNvSpPr>
           <p:nvPr>
-            <p:ph idx="2" type="sldImg"/>
+            <p:ph type="sldImg" idx="2"/>
           </p:nvPr>
         </p:nvSpPr>
         <p:spPr>
@@ -833,9 +862,13 @@
             <a:ext cx="6096000" cy="3429000"/>
           </a:xfrm>
           <a:custGeom>
-            <a:rect b="b" l="l" r="r" t="t"/>
+            <a:avLst/>
+            <a:gdLst/>
+            <a:ahLst/>
+            <a:cxnLst/>
+            <a:rect l="l" t="t" r="r" b="b"/>
             <a:pathLst>
-              <a:path extrusionOk="0" h="120000" w="120000">
+              <a:path w="120000" h="120000" extrusionOk="0">
                 <a:moveTo>
                   <a:pt x="0" y="0"/>
                 </a:moveTo>
@@ -857,9 +890,11 @@
       <p:sp>
         <p:nvSpPr>
           <p:cNvPr id="71" name="Google Shape;71;g29de2195ba9_0_0:notes"/>
-          <p:cNvSpPr txBox="1"/>
+          <p:cNvSpPr txBox="1">
+            <a:spLocks noGrp="1"/>
+          </p:cNvSpPr>
           <p:nvPr>
-            <p:ph idx="1" type="body"/>
+            <p:ph type="body" idx="1"/>
           </p:nvPr>
         </p:nvSpPr>
         <p:spPr>
@@ -872,23 +907,20 @@
           </a:prstGeom>
         </p:spPr>
         <p:txBody>
-          <a:bodyPr anchorCtr="0" anchor="t" bIns="91425" lIns="91425" spcFirstLastPara="1" rIns="91425" wrap="square" tIns="91425">
+          <a:bodyPr spcFirstLastPara="1" wrap="square" lIns="91425" tIns="91425" rIns="91425" bIns="91425" anchor="t" anchorCtr="0">
             <a:noAutofit/>
           </a:bodyPr>
           <a:lstStyle/>
           <a:p>
-            <a:pPr indent="0" lvl="0" marL="0" rtl="0" algn="l">
-              <a:spcBef>
-                <a:spcPts val="0"/>
-              </a:spcBef>
-              <a:spcAft>
-                <a:spcPts val="0"/>
-              </a:spcAft>
-              <a:buNone/>
-            </a:pPr>
-            <a:r>
-              <a:t/>
-            </a:r>
+            <a:pPr marL="0" lvl="0" indent="0" algn="l" rtl="0">
+              <a:spcBef>
+                <a:spcPts val="0"/>
+              </a:spcBef>
+              <a:spcAft>
+                <a:spcPts val="0"/>
+              </a:spcAft>
+              <a:buNone/>
+            </a:pPr>
             <a:endParaRPr/>
           </a:p>
         </p:txBody>
@@ -902,11 +934,11 @@
 </file>
 
 <file path=ppt/notesSlides/notesSlide3.xml><?xml version="1.0" encoding="utf-8"?>
-<p:notes xmlns:a="http://schemas.openxmlformats.org/drawingml/2006/main" xmlns:r="http://schemas.openxmlformats.org/officeDocument/2006/relationships" xmlns:mc="http://schemas.openxmlformats.org/markup-compatibility/2006" xmlns:mv="urn:schemas-microsoft-com:mac:vml" xmlns:p="http://schemas.openxmlformats.org/presentationml/2006/main" xmlns:c="http://schemas.openxmlformats.org/drawingml/2006/chart" xmlns:dgm="http://schemas.openxmlformats.org/drawingml/2006/diagram" xmlns:o="urn:schemas-microsoft-com:office:office" xmlns:v="urn:schemas-microsoft-com:vml" xmlns:pvml="urn:schemas-microsoft-com:office:powerpoint" xmlns:com="http://schemas.openxmlformats.org/drawingml/2006/compatibility" xmlns:p14="http://schemas.microsoft.com/office/powerpoint/2010/main" xmlns:p15="http://schemas.microsoft.com/office/powerpoint/2012/main" xmlns:ahyp="http://schemas.microsoft.com/office/drawing/2018/hyperlinkcolor" showMasterPhAnim="0" showMasterSp="0">
+<p:notes xmlns:a="http://schemas.openxmlformats.org/drawingml/2006/main" xmlns:r="http://schemas.openxmlformats.org/officeDocument/2006/relationships" xmlns:p="http://schemas.openxmlformats.org/presentationml/2006/main" showMasterSp="0" showMasterPhAnim="0">
   <p:cSld>
     <p:spTree>
       <p:nvGrpSpPr>
-        <p:cNvPr id="75" name="Shape 75"/>
+        <p:cNvPr id="1" name="Shape 75"/>
         <p:cNvGrpSpPr/>
         <p:nvPr/>
       </p:nvGrpSpPr>
@@ -921,20 +953,26 @@
       <p:sp>
         <p:nvSpPr>
           <p:cNvPr id="76" name="Google Shape;76;g261c6bcd6f3_0_116:notes"/>
-          <p:cNvSpPr/>
+          <p:cNvSpPr>
+            <a:spLocks noGrp="1" noRot="1" noChangeAspect="1"/>
+          </p:cNvSpPr>
           <p:nvPr>
-            <p:ph idx="2" type="sldImg"/>
+            <p:ph type="sldImg" idx="2"/>
           </p:nvPr>
         </p:nvSpPr>
         <p:spPr>
           <a:xfrm>
-            <a:off x="381300" y="685800"/>
+            <a:off x="381000" y="685800"/>
             <a:ext cx="6096000" cy="3429000"/>
           </a:xfrm>
           <a:custGeom>
-            <a:rect b="b" l="l" r="r" t="t"/>
+            <a:avLst/>
+            <a:gdLst/>
+            <a:ahLst/>
+            <a:cxnLst/>
+            <a:rect l="l" t="t" r="r" b="b"/>
             <a:pathLst>
-              <a:path extrusionOk="0" h="120000" w="120000">
+              <a:path w="120000" h="120000" extrusionOk="0">
                 <a:moveTo>
                   <a:pt x="0" y="0"/>
                 </a:moveTo>
@@ -956,9 +994,11 @@
       <p:sp>
         <p:nvSpPr>
           <p:cNvPr id="77" name="Google Shape;77;g261c6bcd6f3_0_116:notes"/>
-          <p:cNvSpPr txBox="1"/>
+          <p:cNvSpPr txBox="1">
+            <a:spLocks noGrp="1"/>
+          </p:cNvSpPr>
           <p:nvPr>
-            <p:ph idx="1" type="body"/>
+            <p:ph type="body" idx="1"/>
           </p:nvPr>
         </p:nvSpPr>
         <p:spPr>
@@ -971,23 +1011,20 @@
           </a:prstGeom>
         </p:spPr>
         <p:txBody>
-          <a:bodyPr anchorCtr="0" anchor="t" bIns="91425" lIns="91425" spcFirstLastPara="1" rIns="91425" wrap="square" tIns="91425">
+          <a:bodyPr spcFirstLastPara="1" wrap="square" lIns="91425" tIns="91425" rIns="91425" bIns="91425" anchor="t" anchorCtr="0">
             <a:noAutofit/>
           </a:bodyPr>
           <a:lstStyle/>
           <a:p>
-            <a:pPr indent="0" lvl="0" marL="0" rtl="0" algn="l">
-              <a:spcBef>
-                <a:spcPts val="0"/>
-              </a:spcBef>
-              <a:spcAft>
-                <a:spcPts val="0"/>
-              </a:spcAft>
-              <a:buNone/>
-            </a:pPr>
-            <a:r>
-              <a:t/>
-            </a:r>
+            <a:pPr marL="0" lvl="0" indent="0" algn="l" rtl="0">
+              <a:spcBef>
+                <a:spcPts val="0"/>
+              </a:spcBef>
+              <a:spcAft>
+                <a:spcPts val="0"/>
+              </a:spcAft>
+              <a:buNone/>
+            </a:pPr>
             <a:endParaRPr/>
           </a:p>
         </p:txBody>
@@ -1001,11 +1038,11 @@
 </file>
 
 <file path=ppt/notesSlides/notesSlide4.xml><?xml version="1.0" encoding="utf-8"?>
-<p:notes xmlns:a="http://schemas.openxmlformats.org/drawingml/2006/main" xmlns:r="http://schemas.openxmlformats.org/officeDocument/2006/relationships" xmlns:mc="http://schemas.openxmlformats.org/markup-compatibility/2006" xmlns:mv="urn:schemas-microsoft-com:mac:vml" xmlns:p="http://schemas.openxmlformats.org/presentationml/2006/main" xmlns:c="http://schemas.openxmlformats.org/drawingml/2006/chart" xmlns:dgm="http://schemas.openxmlformats.org/drawingml/2006/diagram" xmlns:o="urn:schemas-microsoft-com:office:office" xmlns:v="urn:schemas-microsoft-com:vml" xmlns:pvml="urn:schemas-microsoft-com:office:powerpoint" xmlns:com="http://schemas.openxmlformats.org/drawingml/2006/compatibility" xmlns:p14="http://schemas.microsoft.com/office/powerpoint/2010/main" xmlns:p15="http://schemas.microsoft.com/office/powerpoint/2012/main" xmlns:ahyp="http://schemas.microsoft.com/office/drawing/2018/hyperlinkcolor" showMasterPhAnim="0" showMasterSp="0">
+<p:notes xmlns:a="http://schemas.openxmlformats.org/drawingml/2006/main" xmlns:r="http://schemas.openxmlformats.org/officeDocument/2006/relationships" xmlns:p="http://schemas.openxmlformats.org/presentationml/2006/main" showMasterSp="0" showMasterPhAnim="0">
   <p:cSld>
     <p:spTree>
       <p:nvGrpSpPr>
-        <p:cNvPr id="81" name="Shape 81"/>
+        <p:cNvPr id="1" name="Shape 81"/>
         <p:cNvGrpSpPr/>
         <p:nvPr/>
       </p:nvGrpSpPr>
@@ -1020,20 +1057,26 @@
       <p:sp>
         <p:nvSpPr>
           <p:cNvPr id="82" name="Google Shape;82;g261c6bcd6f3_0_255:notes"/>
-          <p:cNvSpPr/>
+          <p:cNvSpPr>
+            <a:spLocks noGrp="1" noRot="1" noChangeAspect="1"/>
+          </p:cNvSpPr>
           <p:nvPr>
-            <p:ph idx="2" type="sldImg"/>
+            <p:ph type="sldImg" idx="2"/>
           </p:nvPr>
         </p:nvSpPr>
         <p:spPr>
           <a:xfrm>
-            <a:off x="381300" y="685800"/>
+            <a:off x="381000" y="685800"/>
             <a:ext cx="6096000" cy="3429000"/>
           </a:xfrm>
           <a:custGeom>
-            <a:rect b="b" l="l" r="r" t="t"/>
+            <a:avLst/>
+            <a:gdLst/>
+            <a:ahLst/>
+            <a:cxnLst/>
+            <a:rect l="l" t="t" r="r" b="b"/>
             <a:pathLst>
-              <a:path extrusionOk="0" h="120000" w="120000">
+              <a:path w="120000" h="120000" extrusionOk="0">
                 <a:moveTo>
                   <a:pt x="0" y="0"/>
                 </a:moveTo>
@@ -1055,9 +1098,11 @@
       <p:sp>
         <p:nvSpPr>
           <p:cNvPr id="83" name="Google Shape;83;g261c6bcd6f3_0_255:notes"/>
-          <p:cNvSpPr txBox="1"/>
+          <p:cNvSpPr txBox="1">
+            <a:spLocks noGrp="1"/>
+          </p:cNvSpPr>
           <p:nvPr>
-            <p:ph idx="1" type="body"/>
+            <p:ph type="body" idx="1"/>
           </p:nvPr>
         </p:nvSpPr>
         <p:spPr>
@@ -1070,23 +1115,20 @@
           </a:prstGeom>
         </p:spPr>
         <p:txBody>
-          <a:bodyPr anchorCtr="0" anchor="t" bIns="91425" lIns="91425" spcFirstLastPara="1" rIns="91425" wrap="square" tIns="91425">
+          <a:bodyPr spcFirstLastPara="1" wrap="square" lIns="91425" tIns="91425" rIns="91425" bIns="91425" anchor="t" anchorCtr="0">
             <a:noAutofit/>
           </a:bodyPr>
           <a:lstStyle/>
           <a:p>
-            <a:pPr indent="0" lvl="0" marL="0" rtl="0" algn="l">
-              <a:spcBef>
-                <a:spcPts val="0"/>
-              </a:spcBef>
-              <a:spcAft>
-                <a:spcPts val="0"/>
-              </a:spcAft>
-              <a:buNone/>
-            </a:pPr>
-            <a:r>
-              <a:t/>
-            </a:r>
+            <a:pPr marL="0" lvl="0" indent="0" algn="l" rtl="0">
+              <a:spcBef>
+                <a:spcPts val="0"/>
+              </a:spcBef>
+              <a:spcAft>
+                <a:spcPts val="0"/>
+              </a:spcAft>
+              <a:buNone/>
+            </a:pPr>
             <a:endParaRPr/>
           </a:p>
         </p:txBody>
@@ -1100,11 +1142,11 @@
 </file>
 
 <file path=ppt/notesSlides/notesSlide5.xml><?xml version="1.0" encoding="utf-8"?>
-<p:notes xmlns:a="http://schemas.openxmlformats.org/drawingml/2006/main" xmlns:r="http://schemas.openxmlformats.org/officeDocument/2006/relationships" xmlns:mc="http://schemas.openxmlformats.org/markup-compatibility/2006" xmlns:mv="urn:schemas-microsoft-com:mac:vml" xmlns:p="http://schemas.openxmlformats.org/presentationml/2006/main" xmlns:c="http://schemas.openxmlformats.org/drawingml/2006/chart" xmlns:dgm="http://schemas.openxmlformats.org/drawingml/2006/diagram" xmlns:o="urn:schemas-microsoft-com:office:office" xmlns:v="urn:schemas-microsoft-com:vml" xmlns:pvml="urn:schemas-microsoft-com:office:powerpoint" xmlns:com="http://schemas.openxmlformats.org/drawingml/2006/compatibility" xmlns:p14="http://schemas.microsoft.com/office/powerpoint/2010/main" xmlns:p15="http://schemas.microsoft.com/office/powerpoint/2012/main" xmlns:ahyp="http://schemas.microsoft.com/office/drawing/2018/hyperlinkcolor" showMasterPhAnim="0" showMasterSp="0">
+<p:notes xmlns:a="http://schemas.openxmlformats.org/drawingml/2006/main" xmlns:r="http://schemas.openxmlformats.org/officeDocument/2006/relationships" xmlns:p="http://schemas.openxmlformats.org/presentationml/2006/main" showMasterSp="0" showMasterPhAnim="0">
   <p:cSld>
     <p:spTree>
       <p:nvGrpSpPr>
-        <p:cNvPr id="87" name="Shape 87"/>
+        <p:cNvPr id="1" name="Shape 87"/>
         <p:cNvGrpSpPr/>
         <p:nvPr/>
       </p:nvGrpSpPr>
@@ -1119,20 +1161,26 @@
       <p:sp>
         <p:nvSpPr>
           <p:cNvPr id="88" name="Google Shape;88;g261c6bcd6f3_0_249:notes"/>
-          <p:cNvSpPr/>
+          <p:cNvSpPr>
+            <a:spLocks noGrp="1" noRot="1" noChangeAspect="1"/>
+          </p:cNvSpPr>
           <p:nvPr>
-            <p:ph idx="2" type="sldImg"/>
+            <p:ph type="sldImg" idx="2"/>
           </p:nvPr>
         </p:nvSpPr>
         <p:spPr>
           <a:xfrm>
-            <a:off x="381300" y="685800"/>
+            <a:off x="381000" y="685800"/>
             <a:ext cx="6096000" cy="3429000"/>
           </a:xfrm>
           <a:custGeom>
-            <a:rect b="b" l="l" r="r" t="t"/>
+            <a:avLst/>
+            <a:gdLst/>
+            <a:ahLst/>
+            <a:cxnLst/>
+            <a:rect l="l" t="t" r="r" b="b"/>
             <a:pathLst>
-              <a:path extrusionOk="0" h="120000" w="120000">
+              <a:path w="120000" h="120000" extrusionOk="0">
                 <a:moveTo>
                   <a:pt x="0" y="0"/>
                 </a:moveTo>
@@ -1154,9 +1202,11 @@
       <p:sp>
         <p:nvSpPr>
           <p:cNvPr id="89" name="Google Shape;89;g261c6bcd6f3_0_249:notes"/>
-          <p:cNvSpPr txBox="1"/>
+          <p:cNvSpPr txBox="1">
+            <a:spLocks noGrp="1"/>
+          </p:cNvSpPr>
           <p:nvPr>
-            <p:ph idx="1" type="body"/>
+            <p:ph type="body" idx="1"/>
           </p:nvPr>
         </p:nvSpPr>
         <p:spPr>
@@ -1169,23 +1219,20 @@
           </a:prstGeom>
         </p:spPr>
         <p:txBody>
-          <a:bodyPr anchorCtr="0" anchor="t" bIns="91425" lIns="91425" spcFirstLastPara="1" rIns="91425" wrap="square" tIns="91425">
+          <a:bodyPr spcFirstLastPara="1" wrap="square" lIns="91425" tIns="91425" rIns="91425" bIns="91425" anchor="t" anchorCtr="0">
             <a:noAutofit/>
           </a:bodyPr>
           <a:lstStyle/>
           <a:p>
-            <a:pPr indent="0" lvl="0" marL="0" rtl="0" algn="l">
-              <a:spcBef>
-                <a:spcPts val="0"/>
-              </a:spcBef>
-              <a:spcAft>
-                <a:spcPts val="0"/>
-              </a:spcAft>
-              <a:buNone/>
-            </a:pPr>
-            <a:r>
-              <a:t/>
-            </a:r>
+            <a:pPr marL="0" lvl="0" indent="0" algn="l" rtl="0">
+              <a:spcBef>
+                <a:spcPts val="0"/>
+              </a:spcBef>
+              <a:spcAft>
+                <a:spcPts val="0"/>
+              </a:spcAft>
+              <a:buNone/>
+            </a:pPr>
             <a:endParaRPr/>
           </a:p>
         </p:txBody>
@@ -1199,11 +1246,11 @@
 </file>
 
 <file path=ppt/notesSlides/notesSlide6.xml><?xml version="1.0" encoding="utf-8"?>
-<p:notes xmlns:a="http://schemas.openxmlformats.org/drawingml/2006/main" xmlns:r="http://schemas.openxmlformats.org/officeDocument/2006/relationships" xmlns:mc="http://schemas.openxmlformats.org/markup-compatibility/2006" xmlns:mv="urn:schemas-microsoft-com:mac:vml" xmlns:p="http://schemas.openxmlformats.org/presentationml/2006/main" xmlns:c="http://schemas.openxmlformats.org/drawingml/2006/chart" xmlns:dgm="http://schemas.openxmlformats.org/drawingml/2006/diagram" xmlns:o="urn:schemas-microsoft-com:office:office" xmlns:v="urn:schemas-microsoft-com:vml" xmlns:pvml="urn:schemas-microsoft-com:office:powerpoint" xmlns:com="http://schemas.openxmlformats.org/drawingml/2006/compatibility" xmlns:p14="http://schemas.microsoft.com/office/powerpoint/2010/main" xmlns:p15="http://schemas.microsoft.com/office/powerpoint/2012/main" xmlns:ahyp="http://schemas.microsoft.com/office/drawing/2018/hyperlinkcolor" showMasterPhAnim="0" showMasterSp="0">
+<p:notes xmlns:a="http://schemas.openxmlformats.org/drawingml/2006/main" xmlns:r="http://schemas.openxmlformats.org/officeDocument/2006/relationships" xmlns:p="http://schemas.openxmlformats.org/presentationml/2006/main" showMasterSp="0" showMasterPhAnim="0">
   <p:cSld>
     <p:spTree>
       <p:nvGrpSpPr>
-        <p:cNvPr id="93" name="Shape 93"/>
+        <p:cNvPr id="1" name="Shape 93"/>
         <p:cNvGrpSpPr/>
         <p:nvPr/>
       </p:nvGrpSpPr>
@@ -1218,20 +1265,26 @@
       <p:sp>
         <p:nvSpPr>
           <p:cNvPr id="94" name="Google Shape;94;g261c6bcd6f3_0_261:notes"/>
-          <p:cNvSpPr/>
+          <p:cNvSpPr>
+            <a:spLocks noGrp="1" noRot="1" noChangeAspect="1"/>
+          </p:cNvSpPr>
           <p:nvPr>
-            <p:ph idx="2" type="sldImg"/>
+            <p:ph type="sldImg" idx="2"/>
           </p:nvPr>
         </p:nvSpPr>
         <p:spPr>
           <a:xfrm>
-            <a:off x="381300" y="685800"/>
+            <a:off x="381000" y="685800"/>
             <a:ext cx="6096000" cy="3429000"/>
           </a:xfrm>
           <a:custGeom>
-            <a:rect b="b" l="l" r="r" t="t"/>
+            <a:avLst/>
+            <a:gdLst/>
+            <a:ahLst/>
+            <a:cxnLst/>
+            <a:rect l="l" t="t" r="r" b="b"/>
             <a:pathLst>
-              <a:path extrusionOk="0" h="120000" w="120000">
+              <a:path w="120000" h="120000" extrusionOk="0">
                 <a:moveTo>
                   <a:pt x="0" y="0"/>
                 </a:moveTo>
@@ -1253,9 +1306,11 @@
       <p:sp>
         <p:nvSpPr>
           <p:cNvPr id="95" name="Google Shape;95;g261c6bcd6f3_0_261:notes"/>
-          <p:cNvSpPr txBox="1"/>
+          <p:cNvSpPr txBox="1">
+            <a:spLocks noGrp="1"/>
+          </p:cNvSpPr>
           <p:nvPr>
-            <p:ph idx="1" type="body"/>
+            <p:ph type="body" idx="1"/>
           </p:nvPr>
         </p:nvSpPr>
         <p:spPr>
@@ -1268,23 +1323,20 @@
           </a:prstGeom>
         </p:spPr>
         <p:txBody>
-          <a:bodyPr anchorCtr="0" anchor="t" bIns="91425" lIns="91425" spcFirstLastPara="1" rIns="91425" wrap="square" tIns="91425">
+          <a:bodyPr spcFirstLastPara="1" wrap="square" lIns="91425" tIns="91425" rIns="91425" bIns="91425" anchor="t" anchorCtr="0">
             <a:noAutofit/>
           </a:bodyPr>
           <a:lstStyle/>
           <a:p>
-            <a:pPr indent="0" lvl="0" marL="0" rtl="0" algn="l">
-              <a:spcBef>
-                <a:spcPts val="0"/>
-              </a:spcBef>
-              <a:spcAft>
-                <a:spcPts val="0"/>
-              </a:spcAft>
-              <a:buNone/>
-            </a:pPr>
-            <a:r>
-              <a:t/>
-            </a:r>
+            <a:pPr marL="0" lvl="0" indent="0" algn="l" rtl="0">
+              <a:spcBef>
+                <a:spcPts val="0"/>
+              </a:spcBef>
+              <a:spcAft>
+                <a:spcPts val="0"/>
+              </a:spcAft>
+              <a:buNone/>
+            </a:pPr>
             <a:endParaRPr/>
           </a:p>
         </p:txBody>
@@ -1298,11 +1350,11 @@
 </file>
 
 <file path=ppt/notesSlides/notesSlide7.xml><?xml version="1.0" encoding="utf-8"?>
-<p:notes xmlns:a="http://schemas.openxmlformats.org/drawingml/2006/main" xmlns:r="http://schemas.openxmlformats.org/officeDocument/2006/relationships" xmlns:mc="http://schemas.openxmlformats.org/markup-compatibility/2006" xmlns:mv="urn:schemas-microsoft-com:mac:vml" xmlns:p="http://schemas.openxmlformats.org/presentationml/2006/main" xmlns:c="http://schemas.openxmlformats.org/drawingml/2006/chart" xmlns:dgm="http://schemas.openxmlformats.org/drawingml/2006/diagram" xmlns:o="urn:schemas-microsoft-com:office:office" xmlns:v="urn:schemas-microsoft-com:vml" xmlns:pvml="urn:schemas-microsoft-com:office:powerpoint" xmlns:com="http://schemas.openxmlformats.org/drawingml/2006/compatibility" xmlns:p14="http://schemas.microsoft.com/office/powerpoint/2010/main" xmlns:p15="http://schemas.microsoft.com/office/powerpoint/2012/main" xmlns:ahyp="http://schemas.microsoft.com/office/drawing/2018/hyperlinkcolor" showMasterPhAnim="0" showMasterSp="0">
+<p:notes xmlns:a="http://schemas.openxmlformats.org/drawingml/2006/main" xmlns:r="http://schemas.openxmlformats.org/officeDocument/2006/relationships" xmlns:p="http://schemas.openxmlformats.org/presentationml/2006/main" showMasterSp="0" showMasterPhAnim="0">
   <p:cSld>
     <p:spTree>
       <p:nvGrpSpPr>
-        <p:cNvPr id="99" name="Shape 99"/>
+        <p:cNvPr id="1" name="Shape 99"/>
         <p:cNvGrpSpPr/>
         <p:nvPr/>
       </p:nvGrpSpPr>
@@ -1317,9 +1369,11 @@
       <p:sp>
         <p:nvSpPr>
           <p:cNvPr id="100" name="Google Shape;100;g261c6bcd6f3_0_266:notes"/>
-          <p:cNvSpPr/>
+          <p:cNvSpPr>
+            <a:spLocks noGrp="1" noRot="1" noChangeAspect="1"/>
+          </p:cNvSpPr>
           <p:nvPr>
-            <p:ph idx="2" type="sldImg"/>
+            <p:ph type="sldImg" idx="2"/>
           </p:nvPr>
         </p:nvSpPr>
         <p:spPr>
@@ -1328,9 +1382,13 @@
             <a:ext cx="6096000" cy="3429000"/>
           </a:xfrm>
           <a:custGeom>
-            <a:rect b="b" l="l" r="r" t="t"/>
+            <a:avLst/>
+            <a:gdLst/>
+            <a:ahLst/>
+            <a:cxnLst/>
+            <a:rect l="l" t="t" r="r" b="b"/>
             <a:pathLst>
-              <a:path extrusionOk="0" h="120000" w="120000">
+              <a:path w="120000" h="120000" extrusionOk="0">
                 <a:moveTo>
                   <a:pt x="0" y="0"/>
                 </a:moveTo>
@@ -1352,9 +1410,11 @@
       <p:sp>
         <p:nvSpPr>
           <p:cNvPr id="101" name="Google Shape;101;g261c6bcd6f3_0_266:notes"/>
-          <p:cNvSpPr txBox="1"/>
+          <p:cNvSpPr txBox="1">
+            <a:spLocks noGrp="1"/>
+          </p:cNvSpPr>
           <p:nvPr>
-            <p:ph idx="1" type="body"/>
+            <p:ph type="body" idx="1"/>
           </p:nvPr>
         </p:nvSpPr>
         <p:spPr>
@@ -1367,23 +1427,20 @@
           </a:prstGeom>
         </p:spPr>
         <p:txBody>
-          <a:bodyPr anchorCtr="0" anchor="t" bIns="91425" lIns="91425" spcFirstLastPara="1" rIns="91425" wrap="square" tIns="91425">
+          <a:bodyPr spcFirstLastPara="1" wrap="square" lIns="91425" tIns="91425" rIns="91425" bIns="91425" anchor="t" anchorCtr="0">
             <a:noAutofit/>
           </a:bodyPr>
           <a:lstStyle/>
           <a:p>
-            <a:pPr indent="0" lvl="0" marL="0" rtl="0" algn="l">
-              <a:spcBef>
-                <a:spcPts val="0"/>
-              </a:spcBef>
-              <a:spcAft>
-                <a:spcPts val="0"/>
-              </a:spcAft>
-              <a:buNone/>
-            </a:pPr>
-            <a:r>
-              <a:t/>
-            </a:r>
+            <a:pPr marL="0" lvl="0" indent="0" algn="l" rtl="0">
+              <a:spcBef>
+                <a:spcPts val="0"/>
+              </a:spcBef>
+              <a:spcAft>
+                <a:spcPts val="0"/>
+              </a:spcAft>
+              <a:buNone/>
+            </a:pPr>
             <a:endParaRPr/>
           </a:p>
         </p:txBody>
@@ -1397,11 +1454,11 @@
 </file>
 
 <file path=ppt/notesSlides/notesSlide8.xml><?xml version="1.0" encoding="utf-8"?>
-<p:notes xmlns:a="http://schemas.openxmlformats.org/drawingml/2006/main" xmlns:r="http://schemas.openxmlformats.org/officeDocument/2006/relationships" xmlns:mc="http://schemas.openxmlformats.org/markup-compatibility/2006" xmlns:mv="urn:schemas-microsoft-com:mac:vml" xmlns:p="http://schemas.openxmlformats.org/presentationml/2006/main" xmlns:c="http://schemas.openxmlformats.org/drawingml/2006/chart" xmlns:dgm="http://schemas.openxmlformats.org/drawingml/2006/diagram" xmlns:o="urn:schemas-microsoft-com:office:office" xmlns:v="urn:schemas-microsoft-com:vml" xmlns:pvml="urn:schemas-microsoft-com:office:powerpoint" xmlns:com="http://schemas.openxmlformats.org/drawingml/2006/compatibility" xmlns:p14="http://schemas.microsoft.com/office/powerpoint/2010/main" xmlns:p15="http://schemas.microsoft.com/office/powerpoint/2012/main" xmlns:ahyp="http://schemas.microsoft.com/office/drawing/2018/hyperlinkcolor" showMasterPhAnim="0" showMasterSp="0">
+<p:notes xmlns:a="http://schemas.openxmlformats.org/drawingml/2006/main" xmlns:r="http://schemas.openxmlformats.org/officeDocument/2006/relationships" xmlns:p="http://schemas.openxmlformats.org/presentationml/2006/main" showMasterSp="0" showMasterPhAnim="0">
   <p:cSld>
     <p:spTree>
       <p:nvGrpSpPr>
-        <p:cNvPr id="105" name="Shape 105"/>
+        <p:cNvPr id="1" name="Shape 105"/>
         <p:cNvGrpSpPr/>
         <p:nvPr/>
       </p:nvGrpSpPr>
@@ -1416,9 +1473,11 @@
       <p:sp>
         <p:nvSpPr>
           <p:cNvPr id="106" name="Google Shape;106;g261c6bcd6f3_0_272:notes"/>
-          <p:cNvSpPr/>
+          <p:cNvSpPr>
+            <a:spLocks noGrp="1" noRot="1" noChangeAspect="1"/>
+          </p:cNvSpPr>
           <p:nvPr>
-            <p:ph idx="2" type="sldImg"/>
+            <p:ph type="sldImg" idx="2"/>
           </p:nvPr>
         </p:nvSpPr>
         <p:spPr>
@@ -1427,9 +1486,13 @@
             <a:ext cx="6096000" cy="3429000"/>
           </a:xfrm>
           <a:custGeom>
-            <a:rect b="b" l="l" r="r" t="t"/>
+            <a:avLst/>
+            <a:gdLst/>
+            <a:ahLst/>
+            <a:cxnLst/>
+            <a:rect l="l" t="t" r="r" b="b"/>
             <a:pathLst>
-              <a:path extrusionOk="0" h="120000" w="120000">
+              <a:path w="120000" h="120000" extrusionOk="0">
                 <a:moveTo>
                   <a:pt x="0" y="0"/>
                 </a:moveTo>
@@ -1451,9 +1514,11 @@
       <p:sp>
         <p:nvSpPr>
           <p:cNvPr id="107" name="Google Shape;107;g261c6bcd6f3_0_272:notes"/>
-          <p:cNvSpPr txBox="1"/>
+          <p:cNvSpPr txBox="1">
+            <a:spLocks noGrp="1"/>
+          </p:cNvSpPr>
           <p:nvPr>
-            <p:ph idx="1" type="body"/>
+            <p:ph type="body" idx="1"/>
           </p:nvPr>
         </p:nvSpPr>
         <p:spPr>
@@ -1466,23 +1531,20 @@
           </a:prstGeom>
         </p:spPr>
         <p:txBody>
-          <a:bodyPr anchorCtr="0" anchor="t" bIns="91425" lIns="91425" spcFirstLastPara="1" rIns="91425" wrap="square" tIns="91425">
+          <a:bodyPr spcFirstLastPara="1" wrap="square" lIns="91425" tIns="91425" rIns="91425" bIns="91425" anchor="t" anchorCtr="0">
             <a:noAutofit/>
           </a:bodyPr>
           <a:lstStyle/>
           <a:p>
-            <a:pPr indent="0" lvl="0" marL="0" rtl="0" algn="l">
-              <a:spcBef>
-                <a:spcPts val="0"/>
-              </a:spcBef>
-              <a:spcAft>
-                <a:spcPts val="0"/>
-              </a:spcAft>
-              <a:buNone/>
-            </a:pPr>
-            <a:r>
-              <a:t/>
-            </a:r>
+            <a:pPr marL="0" lvl="0" indent="0" algn="l" rtl="0">
+              <a:spcBef>
+                <a:spcPts val="0"/>
+              </a:spcBef>
+              <a:spcAft>
+                <a:spcPts val="0"/>
+              </a:spcAft>
+              <a:buNone/>
+            </a:pPr>
             <a:endParaRPr/>
           </a:p>
         </p:txBody>
@@ -1496,11 +1558,11 @@
 </file>
 
 <file path=ppt/notesSlides/notesSlide9.xml><?xml version="1.0" encoding="utf-8"?>
-<p:notes xmlns:a="http://schemas.openxmlformats.org/drawingml/2006/main" xmlns:r="http://schemas.openxmlformats.org/officeDocument/2006/relationships" xmlns:mc="http://schemas.openxmlformats.org/markup-compatibility/2006" xmlns:mv="urn:schemas-microsoft-com:mac:vml" xmlns:p="http://schemas.openxmlformats.org/presentationml/2006/main" xmlns:c="http://schemas.openxmlformats.org/drawingml/2006/chart" xmlns:dgm="http://schemas.openxmlformats.org/drawingml/2006/diagram" xmlns:o="urn:schemas-microsoft-com:office:office" xmlns:v="urn:schemas-microsoft-com:vml" xmlns:pvml="urn:schemas-microsoft-com:office:powerpoint" xmlns:com="http://schemas.openxmlformats.org/drawingml/2006/compatibility" xmlns:p14="http://schemas.microsoft.com/office/powerpoint/2010/main" xmlns:p15="http://schemas.microsoft.com/office/powerpoint/2012/main" xmlns:ahyp="http://schemas.microsoft.com/office/drawing/2018/hyperlinkcolor" showMasterPhAnim="0" showMasterSp="0">
+<p:notes xmlns:a="http://schemas.openxmlformats.org/drawingml/2006/main" xmlns:r="http://schemas.openxmlformats.org/officeDocument/2006/relationships" xmlns:p="http://schemas.openxmlformats.org/presentationml/2006/main" showMasterSp="0" showMasterPhAnim="0">
   <p:cSld>
     <p:spTree>
       <p:nvGrpSpPr>
-        <p:cNvPr id="111" name="Shape 111"/>
+        <p:cNvPr id="1" name="Shape 111"/>
         <p:cNvGrpSpPr/>
         <p:nvPr/>
       </p:nvGrpSpPr>
@@ -1515,9 +1577,11 @@
       <p:sp>
         <p:nvSpPr>
           <p:cNvPr id="112" name="Google Shape;112;g261c6bcd6f3_0_283:notes"/>
-          <p:cNvSpPr/>
+          <p:cNvSpPr>
+            <a:spLocks noGrp="1" noRot="1" noChangeAspect="1"/>
+          </p:cNvSpPr>
           <p:nvPr>
-            <p:ph idx="2" type="sldImg"/>
+            <p:ph type="sldImg" idx="2"/>
           </p:nvPr>
         </p:nvSpPr>
         <p:spPr>
@@ -1526,9 +1590,13 @@
             <a:ext cx="6096000" cy="3429000"/>
           </a:xfrm>
           <a:custGeom>
-            <a:rect b="b" l="l" r="r" t="t"/>
+            <a:avLst/>
+            <a:gdLst/>
+            <a:ahLst/>
+            <a:cxnLst/>
+            <a:rect l="l" t="t" r="r" b="b"/>
             <a:pathLst>
-              <a:path extrusionOk="0" h="120000" w="120000">
+              <a:path w="120000" h="120000" extrusionOk="0">
                 <a:moveTo>
                   <a:pt x="0" y="0"/>
                 </a:moveTo>
@@ -1550,9 +1618,11 @@
       <p:sp>
         <p:nvSpPr>
           <p:cNvPr id="113" name="Google Shape;113;g261c6bcd6f3_0_283:notes"/>
-          <p:cNvSpPr txBox="1"/>
+          <p:cNvSpPr txBox="1">
+            <a:spLocks noGrp="1"/>
+          </p:cNvSpPr>
           <p:nvPr>
-            <p:ph idx="1" type="body"/>
+            <p:ph type="body" idx="1"/>
           </p:nvPr>
         </p:nvSpPr>
         <p:spPr>
@@ -1565,23 +1635,20 @@
           </a:prstGeom>
         </p:spPr>
         <p:txBody>
-          <a:bodyPr anchorCtr="0" anchor="t" bIns="91425" lIns="91425" spcFirstLastPara="1" rIns="91425" wrap="square" tIns="91425">
+          <a:bodyPr spcFirstLastPara="1" wrap="square" lIns="91425" tIns="91425" rIns="91425" bIns="91425" anchor="t" anchorCtr="0">
             <a:noAutofit/>
           </a:bodyPr>
           <a:lstStyle/>
           <a:p>
-            <a:pPr indent="0" lvl="0" marL="0" rtl="0" algn="l">
-              <a:spcBef>
-                <a:spcPts val="0"/>
-              </a:spcBef>
-              <a:spcAft>
-                <a:spcPts val="0"/>
-              </a:spcAft>
-              <a:buNone/>
-            </a:pPr>
-            <a:r>
-              <a:t/>
-            </a:r>
+            <a:pPr marL="0" lvl="0" indent="0" algn="l" rtl="0">
+              <a:spcBef>
+                <a:spcPts val="0"/>
+              </a:spcBef>
+              <a:spcAft>
+                <a:spcPts val="0"/>
+              </a:spcAft>
+              <a:buNone/>
+            </a:pPr>
             <a:endParaRPr/>
           </a:p>
         </p:txBody>
@@ -1595,11 +1662,11 @@
 </file>
 
 <file path=ppt/slideLayouts/slideLayout1.xml><?xml version="1.0" encoding="utf-8"?>
-<p:sldLayout xmlns:a="http://schemas.openxmlformats.org/drawingml/2006/main" xmlns:r="http://schemas.openxmlformats.org/officeDocument/2006/relationships" xmlns:mc="http://schemas.openxmlformats.org/markup-compatibility/2006" xmlns:mv="urn:schemas-microsoft-com:mac:vml" xmlns:p="http://schemas.openxmlformats.org/presentationml/2006/main" xmlns:c="http://schemas.openxmlformats.org/drawingml/2006/chart" xmlns:dgm="http://schemas.openxmlformats.org/drawingml/2006/diagram" xmlns:o="urn:schemas-microsoft-com:office:office" xmlns:v="urn:schemas-microsoft-com:vml" xmlns:pvml="urn:schemas-microsoft-com:office:powerpoint" xmlns:com="http://schemas.openxmlformats.org/drawingml/2006/compatibility" xmlns:p14="http://schemas.microsoft.com/office/powerpoint/2010/main" xmlns:p15="http://schemas.microsoft.com/office/powerpoint/2012/main" xmlns:ahyp="http://schemas.microsoft.com/office/drawing/2018/hyperlinkcolor" matchingName="Title slide" type="title">
+<p:sldLayout xmlns:a="http://schemas.openxmlformats.org/drawingml/2006/main" xmlns:r="http://schemas.openxmlformats.org/officeDocument/2006/relationships" xmlns:p="http://schemas.openxmlformats.org/presentationml/2006/main" matchingName="Title slide" type="title">
   <p:cSld name="TITLE">
     <p:spTree>
       <p:nvGrpSpPr>
-        <p:cNvPr id="9" name="Shape 9"/>
+        <p:cNvPr id="1" name="Shape 9"/>
         <p:cNvGrpSpPr/>
         <p:nvPr/>
       </p:nvGrpSpPr>
@@ -1633,23 +1700,20 @@
           </a:ln>
         </p:spPr>
         <p:txBody>
-          <a:bodyPr anchorCtr="0" anchor="ctr" bIns="91425" lIns="91425" spcFirstLastPara="1" rIns="91425" wrap="square" tIns="91425">
+          <a:bodyPr spcFirstLastPara="1" wrap="square" lIns="91425" tIns="91425" rIns="91425" bIns="91425" anchor="ctr" anchorCtr="0">
             <a:noAutofit/>
           </a:bodyPr>
           <a:lstStyle/>
           <a:p>
-            <a:pPr indent="0" lvl="0" marL="0" rtl="0" algn="l">
-              <a:spcBef>
-                <a:spcPts val="0"/>
-              </a:spcBef>
-              <a:spcAft>
-                <a:spcPts val="0"/>
-              </a:spcAft>
-              <a:buNone/>
-            </a:pPr>
-            <a:r>
-              <a:t/>
-            </a:r>
+            <a:pPr marL="0" lvl="0" indent="0" algn="l" rtl="0">
+              <a:spcBef>
+                <a:spcPts val="0"/>
+              </a:spcBef>
+              <a:spcAft>
+                <a:spcPts val="0"/>
+              </a:spcAft>
+              <a:buNone/>
+            </a:pPr>
             <a:endParaRPr/>
           </a:p>
         </p:txBody>
@@ -1667,7 +1731,7 @@
           </a:xfrm>
           <a:prstGeom prst="round1Rect">
             <a:avLst>
-              <a:gd fmla="val 16667" name="adj"/>
+              <a:gd name="adj" fmla="val 16667"/>
             </a:avLst>
           </a:prstGeom>
           <a:solidFill>
@@ -1680,23 +1744,20 @@
           </a:ln>
         </p:spPr>
         <p:txBody>
-          <a:bodyPr anchorCtr="0" anchor="ctr" bIns="91425" lIns="91425" spcFirstLastPara="1" rIns="91425" wrap="square" tIns="91425">
+          <a:bodyPr spcFirstLastPara="1" wrap="square" lIns="91425" tIns="91425" rIns="91425" bIns="91425" anchor="ctr" anchorCtr="0">
             <a:noAutofit/>
           </a:bodyPr>
           <a:lstStyle/>
           <a:p>
-            <a:pPr indent="0" lvl="0" marL="0" rtl="0" algn="l">
-              <a:spcBef>
-                <a:spcPts val="0"/>
-              </a:spcBef>
-              <a:spcAft>
-                <a:spcPts val="0"/>
-              </a:spcAft>
-              <a:buNone/>
-            </a:pPr>
-            <a:r>
-              <a:t/>
-            </a:r>
+            <a:pPr marL="0" lvl="0" indent="0" algn="l" rtl="0">
+              <a:spcBef>
+                <a:spcPts val="0"/>
+              </a:spcBef>
+              <a:spcAft>
+                <a:spcPts val="0"/>
+              </a:spcAft>
+              <a:buNone/>
+            </a:pPr>
             <a:endParaRPr/>
           </a:p>
         </p:txBody>
@@ -1704,7 +1765,9 @@
       <p:sp>
         <p:nvSpPr>
           <p:cNvPr id="12" name="Google Shape;12;p2"/>
-          <p:cNvSpPr txBox="1"/>
+          <p:cNvSpPr txBox="1">
+            <a:spLocks noGrp="1"/>
+          </p:cNvSpPr>
           <p:nvPr>
             <p:ph type="ctrTitle"/>
           </p:nvPr>
@@ -1719,7 +1782,7 @@
           </a:prstGeom>
         </p:spPr>
         <p:txBody>
-          <a:bodyPr anchorCtr="0" anchor="b" bIns="91425" lIns="91425" spcFirstLastPara="1" rIns="91425" wrap="square" tIns="91425">
+          <a:bodyPr spcFirstLastPara="1" wrap="square" lIns="91425" tIns="91425" rIns="91425" bIns="91425" anchor="b" anchorCtr="0">
             <a:normAutofit/>
           </a:bodyPr>
           <a:lstStyle>
@@ -1823,15 +1886,19 @@
               <a:defRPr sz="4800"/>
             </a:lvl9pPr>
           </a:lstStyle>
-          <a:p/>
+          <a:p>
+            <a:endParaRPr/>
+          </a:p>
         </p:txBody>
       </p:sp>
       <p:sp>
         <p:nvSpPr>
           <p:cNvPr id="13" name="Google Shape;13;p2"/>
-          <p:cNvSpPr txBox="1"/>
+          <p:cNvSpPr txBox="1">
+            <a:spLocks noGrp="1"/>
+          </p:cNvSpPr>
           <p:nvPr>
-            <p:ph idx="1" type="subTitle"/>
+            <p:ph type="subTitle" idx="1"/>
           </p:nvPr>
         </p:nvSpPr>
         <p:spPr>
@@ -1844,7 +1911,7 @@
           </a:prstGeom>
         </p:spPr>
         <p:txBody>
-          <a:bodyPr anchorCtr="0" anchor="t" bIns="91425" lIns="91425" spcFirstLastPara="1" rIns="91425" wrap="square" tIns="91425">
+          <a:bodyPr spcFirstLastPara="1" wrap="square" lIns="91425" tIns="91425" rIns="91425" bIns="91425" anchor="t" anchorCtr="0">
             <a:normAutofit/>
           </a:bodyPr>
           <a:lstStyle>
@@ -2038,15 +2105,19 @@
               </a:defRPr>
             </a:lvl9pPr>
           </a:lstStyle>
-          <a:p/>
+          <a:p>
+            <a:endParaRPr/>
+          </a:p>
         </p:txBody>
       </p:sp>
       <p:sp>
         <p:nvSpPr>
           <p:cNvPr id="14" name="Google Shape;14;p2"/>
-          <p:cNvSpPr txBox="1"/>
+          <p:cNvSpPr txBox="1">
+            <a:spLocks noGrp="1"/>
+          </p:cNvSpPr>
           <p:nvPr>
-            <p:ph idx="12" type="sldNum"/>
+            <p:ph type="sldNum" idx="12"/>
           </p:nvPr>
         </p:nvSpPr>
         <p:spPr>
@@ -2059,7 +2130,7 @@
           </a:prstGeom>
         </p:spPr>
         <p:txBody>
-          <a:bodyPr anchorCtr="0" anchor="ctr" bIns="91425" lIns="91425" spcFirstLastPara="1" rIns="91425" wrap="square" tIns="91425">
+          <a:bodyPr spcFirstLastPara="1" wrap="square" lIns="91425" tIns="91425" rIns="91425" bIns="91425" anchor="ctr" anchorCtr="0">
             <a:normAutofit/>
           </a:bodyPr>
           <a:lstStyle>
@@ -2101,7 +2172,7 @@
             </a:lvl9pPr>
           </a:lstStyle>
           <a:p>
-            <a:pPr indent="0" lvl="0" marL="0" rtl="0" algn="r">
+            <a:pPr marL="0" lvl="0" indent="0" algn="r" rtl="0">
               <a:spcBef>
                 <a:spcPts val="0"/>
               </a:spcBef>
@@ -2127,18 +2198,19 @@
 </file>
 
 <file path=ppt/slideLayouts/slideLayout10.xml><?xml version="1.0" encoding="utf-8"?>
-<p:sldLayout xmlns:a="http://schemas.openxmlformats.org/drawingml/2006/main" xmlns:r="http://schemas.openxmlformats.org/officeDocument/2006/relationships" xmlns:mc="http://schemas.openxmlformats.org/markup-compatibility/2006" xmlns:mv="urn:schemas-microsoft-com:mac:vml" xmlns:p="http://schemas.openxmlformats.org/presentationml/2006/main" xmlns:c="http://schemas.openxmlformats.org/drawingml/2006/chart" xmlns:dgm="http://schemas.openxmlformats.org/drawingml/2006/diagram" xmlns:o="urn:schemas-microsoft-com:office:office" xmlns:v="urn:schemas-microsoft-com:vml" xmlns:pvml="urn:schemas-microsoft-com:office:powerpoint" xmlns:com="http://schemas.openxmlformats.org/drawingml/2006/compatibility" xmlns:p14="http://schemas.microsoft.com/office/powerpoint/2010/main" xmlns:p15="http://schemas.microsoft.com/office/powerpoint/2012/main" xmlns:ahyp="http://schemas.microsoft.com/office/drawing/2018/hyperlinkcolor" matchingName="Big number">
+<p:sldLayout xmlns:a="http://schemas.openxmlformats.org/drawingml/2006/main" xmlns:r="http://schemas.openxmlformats.org/officeDocument/2006/relationships" xmlns:p="http://schemas.openxmlformats.org/presentationml/2006/main" matchingName="Big number">
   <p:cSld name="BIG_NUMBER">
     <p:bg>
       <p:bgPr>
         <a:solidFill>
           <a:schemeClr val="accent4"/>
         </a:solidFill>
+        <a:effectLst/>
       </p:bgPr>
     </p:bg>
     <p:spTree>
       <p:nvGrpSpPr>
-        <p:cNvPr id="57" name="Shape 57"/>
+        <p:cNvPr id="1" name="Shape 57"/>
         <p:cNvGrpSpPr/>
         <p:nvPr/>
       </p:nvGrpSpPr>
@@ -2153,9 +2225,11 @@
       <p:sp>
         <p:nvSpPr>
           <p:cNvPr id="58" name="Google Shape;58;p11"/>
-          <p:cNvSpPr txBox="1"/>
+          <p:cNvSpPr txBox="1">
+            <a:spLocks noGrp="1"/>
+          </p:cNvSpPr>
           <p:nvPr>
-            <p:ph hasCustomPrompt="1" type="title"/>
+            <p:ph type="title" hasCustomPrompt="1"/>
           </p:nvPr>
         </p:nvSpPr>
         <p:spPr>
@@ -2168,11 +2242,11 @@
           </a:prstGeom>
         </p:spPr>
         <p:txBody>
-          <a:bodyPr anchorCtr="0" anchor="b" bIns="91425" lIns="91425" spcFirstLastPara="1" rIns="91425" wrap="square" tIns="91425">
+          <a:bodyPr spcFirstLastPara="1" wrap="square" lIns="91425" tIns="91425" rIns="91425" bIns="91425" anchor="b" anchorCtr="0">
             <a:normAutofit/>
           </a:bodyPr>
           <a:lstStyle>
-            <a:lvl1pPr lvl="0" rtl="0" algn="ctr">
+            <a:lvl1pPr lvl="0" algn="ctr" rtl="0">
               <a:spcBef>
                 <a:spcPts val="0"/>
               </a:spcBef>
@@ -2190,7 +2264,7 @@
                 </a:solidFill>
               </a:defRPr>
             </a:lvl1pPr>
-            <a:lvl2pPr lvl="1" rtl="0" algn="ctr">
+            <a:lvl2pPr lvl="1" algn="ctr" rtl="0">
               <a:spcBef>
                 <a:spcPts val="0"/>
               </a:spcBef>
@@ -2208,7 +2282,7 @@
                 </a:solidFill>
               </a:defRPr>
             </a:lvl2pPr>
-            <a:lvl3pPr lvl="2" rtl="0" algn="ctr">
+            <a:lvl3pPr lvl="2" algn="ctr" rtl="0">
               <a:spcBef>
                 <a:spcPts val="0"/>
               </a:spcBef>
@@ -2226,7 +2300,7 @@
                 </a:solidFill>
               </a:defRPr>
             </a:lvl3pPr>
-            <a:lvl4pPr lvl="3" rtl="0" algn="ctr">
+            <a:lvl4pPr lvl="3" algn="ctr" rtl="0">
               <a:spcBef>
                 <a:spcPts val="0"/>
               </a:spcBef>
@@ -2244,7 +2318,7 @@
                 </a:solidFill>
               </a:defRPr>
             </a:lvl4pPr>
-            <a:lvl5pPr lvl="4" rtl="0" algn="ctr">
+            <a:lvl5pPr lvl="4" algn="ctr" rtl="0">
               <a:spcBef>
                 <a:spcPts val="0"/>
               </a:spcBef>
@@ -2262,7 +2336,7 @@
                 </a:solidFill>
               </a:defRPr>
             </a:lvl5pPr>
-            <a:lvl6pPr lvl="5" rtl="0" algn="ctr">
+            <a:lvl6pPr lvl="5" algn="ctr" rtl="0">
               <a:spcBef>
                 <a:spcPts val="0"/>
               </a:spcBef>
@@ -2280,7 +2354,7 @@
                 </a:solidFill>
               </a:defRPr>
             </a:lvl6pPr>
-            <a:lvl7pPr lvl="6" rtl="0" algn="ctr">
+            <a:lvl7pPr lvl="6" algn="ctr" rtl="0">
               <a:spcBef>
                 <a:spcPts val="0"/>
               </a:spcBef>
@@ -2298,7 +2372,7 @@
                 </a:solidFill>
               </a:defRPr>
             </a:lvl7pPr>
-            <a:lvl8pPr lvl="7" rtl="0" algn="ctr">
+            <a:lvl8pPr lvl="7" algn="ctr" rtl="0">
               <a:spcBef>
                 <a:spcPts val="0"/>
               </a:spcBef>
@@ -2316,7 +2390,7 @@
                 </a:solidFill>
               </a:defRPr>
             </a:lvl8pPr>
-            <a:lvl9pPr lvl="8" rtl="0" algn="ctr">
+            <a:lvl9pPr lvl="8" algn="ctr" rtl="0">
               <a:spcBef>
                 <a:spcPts val="0"/>
               </a:spcBef>
@@ -2345,9 +2419,11 @@
       <p:sp>
         <p:nvSpPr>
           <p:cNvPr id="59" name="Google Shape;59;p11"/>
-          <p:cNvSpPr txBox="1"/>
+          <p:cNvSpPr txBox="1">
+            <a:spLocks noGrp="1"/>
+          </p:cNvSpPr>
           <p:nvPr>
-            <p:ph idx="1" type="body"/>
+            <p:ph type="body" idx="1"/>
           </p:nvPr>
         </p:nvSpPr>
         <p:spPr>
@@ -2360,11 +2436,11 @@
           </a:prstGeom>
         </p:spPr>
         <p:txBody>
-          <a:bodyPr anchorCtr="0" anchor="t" bIns="91425" lIns="91425" spcFirstLastPara="1" rIns="91425" wrap="square" tIns="91425">
+          <a:bodyPr spcFirstLastPara="1" wrap="square" lIns="91425" tIns="91425" rIns="91425" bIns="91425" anchor="t" anchorCtr="0">
             <a:normAutofit/>
           </a:bodyPr>
           <a:lstStyle>
-            <a:lvl1pPr indent="-342900" lvl="0" marL="457200" rtl="0" algn="ctr">
+            <a:lvl1pPr marL="457200" lvl="0" indent="-342900" algn="ctr" rtl="0">
               <a:spcBef>
                 <a:spcPts val="0"/>
               </a:spcBef>
@@ -2375,7 +2451,7 @@
               <a:buChar char="●"/>
               <a:defRPr/>
             </a:lvl1pPr>
-            <a:lvl2pPr indent="-317500" lvl="1" marL="914400" rtl="0" algn="ctr">
+            <a:lvl2pPr marL="914400" lvl="1" indent="-317500" algn="ctr" rtl="0">
               <a:spcBef>
                 <a:spcPts val="0"/>
               </a:spcBef>
@@ -2386,7 +2462,7 @@
               <a:buChar char="○"/>
               <a:defRPr/>
             </a:lvl2pPr>
-            <a:lvl3pPr indent="-317500" lvl="2" marL="1371600" rtl="0" algn="ctr">
+            <a:lvl3pPr marL="1371600" lvl="2" indent="-317500" algn="ctr" rtl="0">
               <a:spcBef>
                 <a:spcPts val="0"/>
               </a:spcBef>
@@ -2397,7 +2473,7 @@
               <a:buChar char="■"/>
               <a:defRPr/>
             </a:lvl3pPr>
-            <a:lvl4pPr indent="-317500" lvl="3" marL="1828800" rtl="0" algn="ctr">
+            <a:lvl4pPr marL="1828800" lvl="3" indent="-317500" algn="ctr" rtl="0">
               <a:spcBef>
                 <a:spcPts val="0"/>
               </a:spcBef>
@@ -2408,7 +2484,7 @@
               <a:buChar char="●"/>
               <a:defRPr/>
             </a:lvl4pPr>
-            <a:lvl5pPr indent="-317500" lvl="4" marL="2286000" rtl="0" algn="ctr">
+            <a:lvl5pPr marL="2286000" lvl="4" indent="-317500" algn="ctr" rtl="0">
               <a:spcBef>
                 <a:spcPts val="0"/>
               </a:spcBef>
@@ -2419,7 +2495,7 @@
               <a:buChar char="○"/>
               <a:defRPr/>
             </a:lvl5pPr>
-            <a:lvl6pPr indent="-317500" lvl="5" marL="2743200" rtl="0" algn="ctr">
+            <a:lvl6pPr marL="2743200" lvl="5" indent="-317500" algn="ctr" rtl="0">
               <a:spcBef>
                 <a:spcPts val="0"/>
               </a:spcBef>
@@ -2430,7 +2506,7 @@
               <a:buChar char="■"/>
               <a:defRPr/>
             </a:lvl6pPr>
-            <a:lvl7pPr indent="-317500" lvl="6" marL="3200400" rtl="0" algn="ctr">
+            <a:lvl7pPr marL="3200400" lvl="6" indent="-317500" algn="ctr" rtl="0">
               <a:spcBef>
                 <a:spcPts val="0"/>
               </a:spcBef>
@@ -2441,7 +2517,7 @@
               <a:buChar char="●"/>
               <a:defRPr/>
             </a:lvl7pPr>
-            <a:lvl8pPr indent="-317500" lvl="7" marL="3657600" rtl="0" algn="ctr">
+            <a:lvl8pPr marL="3657600" lvl="7" indent="-317500" algn="ctr" rtl="0">
               <a:spcBef>
                 <a:spcPts val="0"/>
               </a:spcBef>
@@ -2452,7 +2528,7 @@
               <a:buChar char="○"/>
               <a:defRPr/>
             </a:lvl8pPr>
-            <a:lvl9pPr indent="-317500" lvl="8" marL="4114800" rtl="0" algn="ctr">
+            <a:lvl9pPr marL="4114800" lvl="8" indent="-317500" algn="ctr" rtl="0">
               <a:spcBef>
                 <a:spcPts val="0"/>
               </a:spcBef>
@@ -2464,15 +2540,19 @@
               <a:defRPr/>
             </a:lvl9pPr>
           </a:lstStyle>
-          <a:p/>
+          <a:p>
+            <a:endParaRPr/>
+          </a:p>
         </p:txBody>
       </p:sp>
       <p:sp>
         <p:nvSpPr>
           <p:cNvPr id="60" name="Google Shape;60;p11"/>
-          <p:cNvSpPr txBox="1"/>
+          <p:cNvSpPr txBox="1">
+            <a:spLocks noGrp="1"/>
+          </p:cNvSpPr>
           <p:nvPr>
-            <p:ph idx="12" type="sldNum"/>
+            <p:ph type="sldNum" idx="12"/>
           </p:nvPr>
         </p:nvSpPr>
         <p:spPr>
@@ -2485,7 +2565,7 @@
           </a:prstGeom>
         </p:spPr>
         <p:txBody>
-          <a:bodyPr anchorCtr="0" anchor="ctr" bIns="91425" lIns="91425" spcFirstLastPara="1" rIns="91425" wrap="square" tIns="91425">
+          <a:bodyPr spcFirstLastPara="1" wrap="square" lIns="91425" tIns="91425" rIns="91425" bIns="91425" anchor="ctr" anchorCtr="0">
             <a:normAutofit/>
           </a:bodyPr>
           <a:lstStyle>
@@ -2527,7 +2607,7 @@
             </a:lvl9pPr>
           </a:lstStyle>
           <a:p>
-            <a:pPr indent="0" lvl="0" marL="0" rtl="0" algn="r">
+            <a:pPr marL="0" lvl="0" indent="0" algn="r" rtl="0">
               <a:spcBef>
                 <a:spcPts val="0"/>
               </a:spcBef>
@@ -2553,18 +2633,19 @@
 </file>
 
 <file path=ppt/slideLayouts/slideLayout11.xml><?xml version="1.0" encoding="utf-8"?>
-<p:sldLayout xmlns:a="http://schemas.openxmlformats.org/drawingml/2006/main" xmlns:r="http://schemas.openxmlformats.org/officeDocument/2006/relationships" xmlns:mc="http://schemas.openxmlformats.org/markup-compatibility/2006" xmlns:mv="urn:schemas-microsoft-com:mac:vml" xmlns:p="http://schemas.openxmlformats.org/presentationml/2006/main" xmlns:c="http://schemas.openxmlformats.org/drawingml/2006/chart" xmlns:dgm="http://schemas.openxmlformats.org/drawingml/2006/diagram" xmlns:o="urn:schemas-microsoft-com:office:office" xmlns:v="urn:schemas-microsoft-com:vml" xmlns:pvml="urn:schemas-microsoft-com:office:powerpoint" xmlns:com="http://schemas.openxmlformats.org/drawingml/2006/compatibility" xmlns:p14="http://schemas.microsoft.com/office/powerpoint/2010/main" xmlns:p15="http://schemas.microsoft.com/office/powerpoint/2012/main" xmlns:ahyp="http://schemas.microsoft.com/office/drawing/2018/hyperlinkcolor" matchingName="Blank" type="blank">
+<p:sldLayout xmlns:a="http://schemas.openxmlformats.org/drawingml/2006/main" xmlns:r="http://schemas.openxmlformats.org/officeDocument/2006/relationships" xmlns:p="http://schemas.openxmlformats.org/presentationml/2006/main" matchingName="Blank" type="blank">
   <p:cSld name="BLANK">
     <p:bg>
       <p:bgPr>
         <a:solidFill>
           <a:schemeClr val="accent4"/>
         </a:solidFill>
+        <a:effectLst/>
       </p:bgPr>
     </p:bg>
     <p:spTree>
       <p:nvGrpSpPr>
-        <p:cNvPr id="61" name="Shape 61"/>
+        <p:cNvPr id="1" name="Shape 61"/>
         <p:cNvGrpSpPr/>
         <p:nvPr/>
       </p:nvGrpSpPr>
@@ -2579,9 +2660,11 @@
       <p:sp>
         <p:nvSpPr>
           <p:cNvPr id="62" name="Google Shape;62;p12"/>
-          <p:cNvSpPr txBox="1"/>
+          <p:cNvSpPr txBox="1">
+            <a:spLocks noGrp="1"/>
+          </p:cNvSpPr>
           <p:nvPr>
-            <p:ph idx="12" type="sldNum"/>
+            <p:ph type="sldNum" idx="12"/>
           </p:nvPr>
         </p:nvSpPr>
         <p:spPr>
@@ -2594,7 +2677,7 @@
           </a:prstGeom>
         </p:spPr>
         <p:txBody>
-          <a:bodyPr anchorCtr="0" anchor="ctr" bIns="91425" lIns="91425" spcFirstLastPara="1" rIns="91425" wrap="square" tIns="91425">
+          <a:bodyPr spcFirstLastPara="1" wrap="square" lIns="91425" tIns="91425" rIns="91425" bIns="91425" anchor="ctr" anchorCtr="0">
             <a:normAutofit/>
           </a:bodyPr>
           <a:lstStyle>
@@ -2636,7 +2719,7 @@
             </a:lvl9pPr>
           </a:lstStyle>
           <a:p>
-            <a:pPr indent="0" lvl="0" marL="0" rtl="0" algn="r">
+            <a:pPr marL="0" lvl="0" indent="0" algn="r" rtl="0">
               <a:spcBef>
                 <a:spcPts val="0"/>
               </a:spcBef>
@@ -2662,11 +2745,11 @@
 </file>
 
 <file path=ppt/slideLayouts/slideLayout2.xml><?xml version="1.0" encoding="utf-8"?>
-<p:sldLayout xmlns:a="http://schemas.openxmlformats.org/drawingml/2006/main" xmlns:r="http://schemas.openxmlformats.org/officeDocument/2006/relationships" xmlns:mc="http://schemas.openxmlformats.org/markup-compatibility/2006" xmlns:mv="urn:schemas-microsoft-com:mac:vml" xmlns:p="http://schemas.openxmlformats.org/presentationml/2006/main" xmlns:c="http://schemas.openxmlformats.org/drawingml/2006/chart" xmlns:dgm="http://schemas.openxmlformats.org/drawingml/2006/diagram" xmlns:o="urn:schemas-microsoft-com:office:office" xmlns:v="urn:schemas-microsoft-com:vml" xmlns:pvml="urn:schemas-microsoft-com:office:powerpoint" xmlns:com="http://schemas.openxmlformats.org/drawingml/2006/compatibility" xmlns:p14="http://schemas.microsoft.com/office/powerpoint/2010/main" xmlns:p15="http://schemas.microsoft.com/office/powerpoint/2012/main" xmlns:ahyp="http://schemas.microsoft.com/office/drawing/2018/hyperlinkcolor" matchingName="Section header" type="secHead">
+<p:sldLayout xmlns:a="http://schemas.openxmlformats.org/drawingml/2006/main" xmlns:r="http://schemas.openxmlformats.org/officeDocument/2006/relationships" xmlns:p="http://schemas.openxmlformats.org/presentationml/2006/main" matchingName="Section header" type="secHead">
   <p:cSld name="SECTION_HEADER">
     <p:spTree>
       <p:nvGrpSpPr>
-        <p:cNvPr id="15" name="Shape 15"/>
+        <p:cNvPr id="1" name="Shape 15"/>
         <p:cNvGrpSpPr/>
         <p:nvPr/>
       </p:nvGrpSpPr>
@@ -2681,7 +2764,9 @@
       <p:sp>
         <p:nvSpPr>
           <p:cNvPr id="16" name="Google Shape;16;p3"/>
-          <p:cNvSpPr txBox="1"/>
+          <p:cNvSpPr txBox="1">
+            <a:spLocks noGrp="1"/>
+          </p:cNvSpPr>
           <p:nvPr>
             <p:ph type="title"/>
           </p:nvPr>
@@ -2696,7 +2781,7 @@
           </a:prstGeom>
         </p:spPr>
         <p:txBody>
-          <a:bodyPr anchorCtr="0" anchor="ctr" bIns="91425" lIns="91425" spcFirstLastPara="1" rIns="91425" wrap="square" tIns="91425">
+          <a:bodyPr spcFirstLastPara="1" wrap="square" lIns="91425" tIns="91425" rIns="91425" bIns="91425" anchor="ctr" anchorCtr="0">
             <a:normAutofit/>
           </a:bodyPr>
           <a:lstStyle>
@@ -2800,15 +2885,19 @@
               <a:defRPr sz="4200"/>
             </a:lvl9pPr>
           </a:lstStyle>
-          <a:p/>
+          <a:p>
+            <a:endParaRPr/>
+          </a:p>
         </p:txBody>
       </p:sp>
       <p:sp>
         <p:nvSpPr>
           <p:cNvPr id="17" name="Google Shape;17;p3"/>
-          <p:cNvSpPr txBox="1"/>
+          <p:cNvSpPr txBox="1">
+            <a:spLocks noGrp="1"/>
+          </p:cNvSpPr>
           <p:nvPr>
-            <p:ph idx="12" type="sldNum"/>
+            <p:ph type="sldNum" idx="12"/>
           </p:nvPr>
         </p:nvSpPr>
         <p:spPr>
@@ -2821,7 +2910,7 @@
           </a:prstGeom>
         </p:spPr>
         <p:txBody>
-          <a:bodyPr anchorCtr="0" anchor="ctr" bIns="91425" lIns="91425" spcFirstLastPara="1" rIns="91425" wrap="square" tIns="91425">
+          <a:bodyPr spcFirstLastPara="1" wrap="square" lIns="91425" tIns="91425" rIns="91425" bIns="91425" anchor="ctr" anchorCtr="0">
             <a:normAutofit/>
           </a:bodyPr>
           <a:lstStyle>
@@ -2899,7 +2988,7 @@
             </a:lvl9pPr>
           </a:lstStyle>
           <a:p>
-            <a:pPr indent="0" lvl="0" marL="0" rtl="0" algn="r">
+            <a:pPr marL="0" lvl="0" indent="0" algn="r" rtl="0">
               <a:spcBef>
                 <a:spcPts val="0"/>
               </a:spcBef>
@@ -2925,11 +3014,11 @@
 </file>
 
 <file path=ppt/slideLayouts/slideLayout3.xml><?xml version="1.0" encoding="utf-8"?>
-<p:sldLayout xmlns:a="http://schemas.openxmlformats.org/drawingml/2006/main" xmlns:r="http://schemas.openxmlformats.org/officeDocument/2006/relationships" xmlns:mc="http://schemas.openxmlformats.org/markup-compatibility/2006" xmlns:mv="urn:schemas-microsoft-com:mac:vml" xmlns:p="http://schemas.openxmlformats.org/presentationml/2006/main" xmlns:c="http://schemas.openxmlformats.org/drawingml/2006/chart" xmlns:dgm="http://schemas.openxmlformats.org/drawingml/2006/diagram" xmlns:o="urn:schemas-microsoft-com:office:office" xmlns:v="urn:schemas-microsoft-com:vml" xmlns:pvml="urn:schemas-microsoft-com:office:powerpoint" xmlns:com="http://schemas.openxmlformats.org/drawingml/2006/compatibility" xmlns:p14="http://schemas.microsoft.com/office/powerpoint/2010/main" xmlns:p15="http://schemas.microsoft.com/office/powerpoint/2012/main" xmlns:ahyp="http://schemas.microsoft.com/office/drawing/2018/hyperlinkcolor" matchingName="Title and body" type="tx">
+<p:sldLayout xmlns:a="http://schemas.openxmlformats.org/drawingml/2006/main" xmlns:r="http://schemas.openxmlformats.org/officeDocument/2006/relationships" xmlns:p="http://schemas.openxmlformats.org/presentationml/2006/main" matchingName="Title and body" type="tx">
   <p:cSld name="TITLE_AND_BODY">
     <p:spTree>
       <p:nvGrpSpPr>
-        <p:cNvPr id="18" name="Shape 18"/>
+        <p:cNvPr id="1" name="Shape 18"/>
         <p:cNvGrpSpPr/>
         <p:nvPr/>
       </p:nvGrpSpPr>
@@ -2948,7 +3037,7 @@
           <p:nvPr/>
         </p:nvSpPr>
         <p:spPr>
-          <a:xfrm flipH="1" rot="10800000">
+          <a:xfrm rot="10800000" flipH="1">
             <a:off x="0" y="1686000"/>
             <a:ext cx="9144000" cy="3457500"/>
           </a:xfrm>
@@ -2963,23 +3052,20 @@
           </a:ln>
         </p:spPr>
         <p:txBody>
-          <a:bodyPr anchorCtr="0" anchor="ctr" bIns="91425" lIns="91425" spcFirstLastPara="1" rIns="91425" wrap="square" tIns="91425">
+          <a:bodyPr spcFirstLastPara="1" wrap="square" lIns="91425" tIns="91425" rIns="91425" bIns="91425" anchor="ctr" anchorCtr="0">
             <a:noAutofit/>
           </a:bodyPr>
           <a:lstStyle/>
           <a:p>
-            <a:pPr indent="0" lvl="0" marL="0" rtl="0" algn="l">
-              <a:spcBef>
-                <a:spcPts val="0"/>
-              </a:spcBef>
-              <a:spcAft>
-                <a:spcPts val="0"/>
-              </a:spcAft>
-              <a:buNone/>
-            </a:pPr>
-            <a:r>
-              <a:t/>
-            </a:r>
+            <a:pPr marL="0" lvl="0" indent="0" algn="l" rtl="0">
+              <a:spcBef>
+                <a:spcPts val="0"/>
+              </a:spcBef>
+              <a:spcAft>
+                <a:spcPts val="0"/>
+              </a:spcAft>
+              <a:buNone/>
+            </a:pPr>
             <a:endParaRPr/>
           </a:p>
         </p:txBody>
@@ -3020,23 +3106,20 @@
           </a:ln>
         </p:spPr>
         <p:txBody>
-          <a:bodyPr anchorCtr="0" anchor="ctr" bIns="91425" lIns="91425" spcFirstLastPara="1" rIns="91425" wrap="square" tIns="91425">
+          <a:bodyPr spcFirstLastPara="1" wrap="square" lIns="91425" tIns="91425" rIns="91425" bIns="91425" anchor="ctr" anchorCtr="0">
             <a:noAutofit/>
           </a:bodyPr>
           <a:lstStyle/>
           <a:p>
-            <a:pPr indent="0" lvl="0" marL="0" rtl="0" algn="l">
-              <a:spcBef>
-                <a:spcPts val="0"/>
-              </a:spcBef>
-              <a:spcAft>
-                <a:spcPts val="0"/>
-              </a:spcAft>
-              <a:buNone/>
-            </a:pPr>
-            <a:r>
-              <a:t/>
-            </a:r>
+            <a:pPr marL="0" lvl="0" indent="0" algn="l" rtl="0">
+              <a:spcBef>
+                <a:spcPts val="0"/>
+              </a:spcBef>
+              <a:spcAft>
+                <a:spcPts val="0"/>
+              </a:spcAft>
+              <a:buNone/>
+            </a:pPr>
             <a:endParaRPr/>
           </a:p>
         </p:txBody>
@@ -3044,7 +3127,9 @@
       <p:sp>
         <p:nvSpPr>
           <p:cNvPr id="21" name="Google Shape;21;p4"/>
-          <p:cNvSpPr txBox="1"/>
+          <p:cNvSpPr txBox="1">
+            <a:spLocks noGrp="1"/>
+          </p:cNvSpPr>
           <p:nvPr>
             <p:ph type="title"/>
           </p:nvPr>
@@ -3059,7 +3144,7 @@
           </a:prstGeom>
         </p:spPr>
         <p:txBody>
-          <a:bodyPr anchorCtr="0" anchor="b" bIns="91425" lIns="91425" spcFirstLastPara="1" rIns="91425" wrap="square" tIns="91425">
+          <a:bodyPr spcFirstLastPara="1" wrap="square" lIns="91425" tIns="91425" rIns="91425" bIns="91425" anchor="b" anchorCtr="0">
             <a:normAutofit/>
           </a:bodyPr>
           <a:lstStyle>
@@ -3163,15 +3248,19 @@
               <a:defRPr/>
             </a:lvl9pPr>
           </a:lstStyle>
-          <a:p/>
+          <a:p>
+            <a:endParaRPr/>
+          </a:p>
         </p:txBody>
       </p:sp>
       <p:sp>
         <p:nvSpPr>
           <p:cNvPr id="22" name="Google Shape;22;p4"/>
-          <p:cNvSpPr txBox="1"/>
+          <p:cNvSpPr txBox="1">
+            <a:spLocks noGrp="1"/>
+          </p:cNvSpPr>
           <p:nvPr>
-            <p:ph idx="1" type="body"/>
+            <p:ph type="body" idx="1"/>
           </p:nvPr>
         </p:nvSpPr>
         <p:spPr>
@@ -3184,11 +3273,11 @@
           </a:prstGeom>
         </p:spPr>
         <p:txBody>
-          <a:bodyPr anchorCtr="0" anchor="t" bIns="91425" lIns="91425" spcFirstLastPara="1" rIns="91425" wrap="square" tIns="91425">
+          <a:bodyPr spcFirstLastPara="1" wrap="square" lIns="91425" tIns="91425" rIns="91425" bIns="91425" anchor="t" anchorCtr="0">
             <a:normAutofit/>
           </a:bodyPr>
           <a:lstStyle>
-            <a:lvl1pPr indent="-342900" lvl="0" marL="457200" rtl="0">
+            <a:lvl1pPr marL="457200" lvl="0" indent="-342900" rtl="0">
               <a:spcBef>
                 <a:spcPts val="0"/>
               </a:spcBef>
@@ -3199,7 +3288,7 @@
               <a:buChar char="●"/>
               <a:defRPr/>
             </a:lvl1pPr>
-            <a:lvl2pPr indent="-317500" lvl="1" marL="914400" rtl="0">
+            <a:lvl2pPr marL="914400" lvl="1" indent="-317500" rtl="0">
               <a:spcBef>
                 <a:spcPts val="0"/>
               </a:spcBef>
@@ -3210,7 +3299,7 @@
               <a:buChar char="○"/>
               <a:defRPr/>
             </a:lvl2pPr>
-            <a:lvl3pPr indent="-317500" lvl="2" marL="1371600" rtl="0">
+            <a:lvl3pPr marL="1371600" lvl="2" indent="-317500" rtl="0">
               <a:spcBef>
                 <a:spcPts val="0"/>
               </a:spcBef>
@@ -3221,7 +3310,7 @@
               <a:buChar char="■"/>
               <a:defRPr/>
             </a:lvl3pPr>
-            <a:lvl4pPr indent="-317500" lvl="3" marL="1828800" rtl="0">
+            <a:lvl4pPr marL="1828800" lvl="3" indent="-317500" rtl="0">
               <a:spcBef>
                 <a:spcPts val="0"/>
               </a:spcBef>
@@ -3232,7 +3321,7 @@
               <a:buChar char="●"/>
               <a:defRPr/>
             </a:lvl4pPr>
-            <a:lvl5pPr indent="-317500" lvl="4" marL="2286000" rtl="0">
+            <a:lvl5pPr marL="2286000" lvl="4" indent="-317500" rtl="0">
               <a:spcBef>
                 <a:spcPts val="0"/>
               </a:spcBef>
@@ -3243,7 +3332,7 @@
               <a:buChar char="○"/>
               <a:defRPr/>
             </a:lvl5pPr>
-            <a:lvl6pPr indent="-317500" lvl="5" marL="2743200" rtl="0">
+            <a:lvl6pPr marL="2743200" lvl="5" indent="-317500" rtl="0">
               <a:spcBef>
                 <a:spcPts val="0"/>
               </a:spcBef>
@@ -3254,7 +3343,7 @@
               <a:buChar char="■"/>
               <a:defRPr/>
             </a:lvl6pPr>
-            <a:lvl7pPr indent="-317500" lvl="6" marL="3200400" rtl="0">
+            <a:lvl7pPr marL="3200400" lvl="6" indent="-317500" rtl="0">
               <a:spcBef>
                 <a:spcPts val="0"/>
               </a:spcBef>
@@ -3265,7 +3354,7 @@
               <a:buChar char="●"/>
               <a:defRPr/>
             </a:lvl7pPr>
-            <a:lvl8pPr indent="-317500" lvl="7" marL="3657600" rtl="0">
+            <a:lvl8pPr marL="3657600" lvl="7" indent="-317500" rtl="0">
               <a:spcBef>
                 <a:spcPts val="0"/>
               </a:spcBef>
@@ -3276,7 +3365,7 @@
               <a:buChar char="○"/>
               <a:defRPr/>
             </a:lvl8pPr>
-            <a:lvl9pPr indent="-317500" lvl="8" marL="4114800" rtl="0">
+            <a:lvl9pPr marL="4114800" lvl="8" indent="-317500" rtl="0">
               <a:spcBef>
                 <a:spcPts val="0"/>
               </a:spcBef>
@@ -3288,15 +3377,19 @@
               <a:defRPr/>
             </a:lvl9pPr>
           </a:lstStyle>
-          <a:p/>
+          <a:p>
+            <a:endParaRPr/>
+          </a:p>
         </p:txBody>
       </p:sp>
       <p:sp>
         <p:nvSpPr>
           <p:cNvPr id="23" name="Google Shape;23;p4"/>
-          <p:cNvSpPr txBox="1"/>
+          <p:cNvSpPr txBox="1">
+            <a:spLocks noGrp="1"/>
+          </p:cNvSpPr>
           <p:nvPr>
-            <p:ph idx="12" type="sldNum"/>
+            <p:ph type="sldNum" idx="12"/>
           </p:nvPr>
         </p:nvSpPr>
         <p:spPr>
@@ -3309,7 +3402,7 @@
           </a:prstGeom>
         </p:spPr>
         <p:txBody>
-          <a:bodyPr anchorCtr="0" anchor="ctr" bIns="91425" lIns="91425" spcFirstLastPara="1" rIns="91425" wrap="square" tIns="91425">
+          <a:bodyPr spcFirstLastPara="1" wrap="square" lIns="91425" tIns="91425" rIns="91425" bIns="91425" anchor="ctr" anchorCtr="0">
             <a:normAutofit/>
           </a:bodyPr>
           <a:lstStyle>
@@ -3351,7 +3444,7 @@
             </a:lvl9pPr>
           </a:lstStyle>
           <a:p>
-            <a:pPr indent="0" lvl="0" marL="0" rtl="0" algn="r">
+            <a:pPr marL="0" lvl="0" indent="0" algn="r" rtl="0">
               <a:spcBef>
                 <a:spcPts val="0"/>
               </a:spcBef>
@@ -3377,11 +3470,11 @@
 </file>
 
 <file path=ppt/slideLayouts/slideLayout4.xml><?xml version="1.0" encoding="utf-8"?>
-<p:sldLayout xmlns:a="http://schemas.openxmlformats.org/drawingml/2006/main" xmlns:r="http://schemas.openxmlformats.org/officeDocument/2006/relationships" xmlns:mc="http://schemas.openxmlformats.org/markup-compatibility/2006" xmlns:mv="urn:schemas-microsoft-com:mac:vml" xmlns:p="http://schemas.openxmlformats.org/presentationml/2006/main" xmlns:c="http://schemas.openxmlformats.org/drawingml/2006/chart" xmlns:dgm="http://schemas.openxmlformats.org/drawingml/2006/diagram" xmlns:o="urn:schemas-microsoft-com:office:office" xmlns:v="urn:schemas-microsoft-com:vml" xmlns:pvml="urn:schemas-microsoft-com:office:powerpoint" xmlns:com="http://schemas.openxmlformats.org/drawingml/2006/compatibility" xmlns:p14="http://schemas.microsoft.com/office/powerpoint/2010/main" xmlns:p15="http://schemas.microsoft.com/office/powerpoint/2012/main" xmlns:ahyp="http://schemas.microsoft.com/office/drawing/2018/hyperlinkcolor" matchingName="Title and two columns" type="twoColTx">
+<p:sldLayout xmlns:a="http://schemas.openxmlformats.org/drawingml/2006/main" xmlns:r="http://schemas.openxmlformats.org/officeDocument/2006/relationships" xmlns:p="http://schemas.openxmlformats.org/presentationml/2006/main" matchingName="Title and two columns" type="twoColTx">
   <p:cSld name="TITLE_AND_TWO_COLUMNS">
     <p:spTree>
       <p:nvGrpSpPr>
-        <p:cNvPr id="24" name="Shape 24"/>
+        <p:cNvPr id="1" name="Shape 24"/>
         <p:cNvGrpSpPr/>
         <p:nvPr/>
       </p:nvGrpSpPr>
@@ -3400,7 +3493,7 @@
           <p:nvPr/>
         </p:nvSpPr>
         <p:spPr>
-          <a:xfrm flipH="1" rot="10800000">
+          <a:xfrm rot="10800000" flipH="1">
             <a:off x="0" y="1686000"/>
             <a:ext cx="9144000" cy="3457500"/>
           </a:xfrm>
@@ -3415,23 +3508,20 @@
           </a:ln>
         </p:spPr>
         <p:txBody>
-          <a:bodyPr anchorCtr="0" anchor="ctr" bIns="91425" lIns="91425" spcFirstLastPara="1" rIns="91425" wrap="square" tIns="91425">
+          <a:bodyPr spcFirstLastPara="1" wrap="square" lIns="91425" tIns="91425" rIns="91425" bIns="91425" anchor="ctr" anchorCtr="0">
             <a:noAutofit/>
           </a:bodyPr>
           <a:lstStyle/>
           <a:p>
-            <a:pPr indent="0" lvl="0" marL="0" rtl="0" algn="l">
-              <a:spcBef>
-                <a:spcPts val="0"/>
-              </a:spcBef>
-              <a:spcAft>
-                <a:spcPts val="0"/>
-              </a:spcAft>
-              <a:buNone/>
-            </a:pPr>
-            <a:r>
-              <a:t/>
-            </a:r>
+            <a:pPr marL="0" lvl="0" indent="0" algn="l" rtl="0">
+              <a:spcBef>
+                <a:spcPts val="0"/>
+              </a:spcBef>
+              <a:spcAft>
+                <a:spcPts val="0"/>
+              </a:spcAft>
+              <a:buNone/>
+            </a:pPr>
             <a:endParaRPr/>
           </a:p>
         </p:txBody>
@@ -3472,23 +3562,20 @@
           </a:ln>
         </p:spPr>
         <p:txBody>
-          <a:bodyPr anchorCtr="0" anchor="ctr" bIns="91425" lIns="91425" spcFirstLastPara="1" rIns="91425" wrap="square" tIns="91425">
+          <a:bodyPr spcFirstLastPara="1" wrap="square" lIns="91425" tIns="91425" rIns="91425" bIns="91425" anchor="ctr" anchorCtr="0">
             <a:noAutofit/>
           </a:bodyPr>
           <a:lstStyle/>
           <a:p>
-            <a:pPr indent="0" lvl="0" marL="0" rtl="0" algn="l">
-              <a:spcBef>
-                <a:spcPts val="0"/>
-              </a:spcBef>
-              <a:spcAft>
-                <a:spcPts val="0"/>
-              </a:spcAft>
-              <a:buNone/>
-            </a:pPr>
-            <a:r>
-              <a:t/>
-            </a:r>
+            <a:pPr marL="0" lvl="0" indent="0" algn="l" rtl="0">
+              <a:spcBef>
+                <a:spcPts val="0"/>
+              </a:spcBef>
+              <a:spcAft>
+                <a:spcPts val="0"/>
+              </a:spcAft>
+              <a:buNone/>
+            </a:pPr>
             <a:endParaRPr/>
           </a:p>
         </p:txBody>
@@ -3496,7 +3583,9 @@
       <p:sp>
         <p:nvSpPr>
           <p:cNvPr id="27" name="Google Shape;27;p5"/>
-          <p:cNvSpPr txBox="1"/>
+          <p:cNvSpPr txBox="1">
+            <a:spLocks noGrp="1"/>
+          </p:cNvSpPr>
           <p:nvPr>
             <p:ph type="title"/>
           </p:nvPr>
@@ -3511,7 +3600,7 @@
           </a:prstGeom>
         </p:spPr>
         <p:txBody>
-          <a:bodyPr anchorCtr="0" anchor="b" bIns="91425" lIns="91425" spcFirstLastPara="1" rIns="91425" wrap="square" tIns="91425">
+          <a:bodyPr spcFirstLastPara="1" wrap="square" lIns="91425" tIns="91425" rIns="91425" bIns="91425" anchor="b" anchorCtr="0">
             <a:normAutofit/>
           </a:bodyPr>
           <a:lstStyle>
@@ -3615,15 +3704,19 @@
               <a:defRPr/>
             </a:lvl9pPr>
           </a:lstStyle>
-          <a:p/>
+          <a:p>
+            <a:endParaRPr/>
+          </a:p>
         </p:txBody>
       </p:sp>
       <p:sp>
         <p:nvSpPr>
           <p:cNvPr id="28" name="Google Shape;28;p5"/>
-          <p:cNvSpPr txBox="1"/>
+          <p:cNvSpPr txBox="1">
+            <a:spLocks noGrp="1"/>
+          </p:cNvSpPr>
           <p:nvPr>
-            <p:ph idx="1" type="body"/>
+            <p:ph type="body" idx="1"/>
           </p:nvPr>
         </p:nvSpPr>
         <p:spPr>
@@ -3636,11 +3729,11 @@
           </a:prstGeom>
         </p:spPr>
         <p:txBody>
-          <a:bodyPr anchorCtr="0" anchor="t" bIns="91425" lIns="91425" spcFirstLastPara="1" rIns="91425" wrap="square" tIns="91425">
+          <a:bodyPr spcFirstLastPara="1" wrap="square" lIns="91425" tIns="91425" rIns="91425" bIns="91425" anchor="t" anchorCtr="0">
             <a:normAutofit/>
           </a:bodyPr>
           <a:lstStyle>
-            <a:lvl1pPr indent="-317500" lvl="0" marL="457200" rtl="0">
+            <a:lvl1pPr marL="457200" lvl="0" indent="-317500" rtl="0">
               <a:spcBef>
                 <a:spcPts val="0"/>
               </a:spcBef>
@@ -3651,7 +3744,7 @@
               <a:buChar char="●"/>
               <a:defRPr sz="1400"/>
             </a:lvl1pPr>
-            <a:lvl2pPr indent="-304800" lvl="1" marL="914400" rtl="0">
+            <a:lvl2pPr marL="914400" lvl="1" indent="-304800" rtl="0">
               <a:spcBef>
                 <a:spcPts val="0"/>
               </a:spcBef>
@@ -3662,7 +3755,7 @@
               <a:buChar char="○"/>
               <a:defRPr sz="1200"/>
             </a:lvl2pPr>
-            <a:lvl3pPr indent="-304800" lvl="2" marL="1371600" rtl="0">
+            <a:lvl3pPr marL="1371600" lvl="2" indent="-304800" rtl="0">
               <a:spcBef>
                 <a:spcPts val="0"/>
               </a:spcBef>
@@ -3673,7 +3766,7 @@
               <a:buChar char="■"/>
               <a:defRPr sz="1200"/>
             </a:lvl3pPr>
-            <a:lvl4pPr indent="-304800" lvl="3" marL="1828800" rtl="0">
+            <a:lvl4pPr marL="1828800" lvl="3" indent="-304800" rtl="0">
               <a:spcBef>
                 <a:spcPts val="0"/>
               </a:spcBef>
@@ -3684,7 +3777,7 @@
               <a:buChar char="●"/>
               <a:defRPr sz="1200"/>
             </a:lvl4pPr>
-            <a:lvl5pPr indent="-304800" lvl="4" marL="2286000" rtl="0">
+            <a:lvl5pPr marL="2286000" lvl="4" indent="-304800" rtl="0">
               <a:spcBef>
                 <a:spcPts val="0"/>
               </a:spcBef>
@@ -3695,7 +3788,7 @@
               <a:buChar char="○"/>
               <a:defRPr sz="1200"/>
             </a:lvl5pPr>
-            <a:lvl6pPr indent="-304800" lvl="5" marL="2743200" rtl="0">
+            <a:lvl6pPr marL="2743200" lvl="5" indent="-304800" rtl="0">
               <a:spcBef>
                 <a:spcPts val="0"/>
               </a:spcBef>
@@ -3706,7 +3799,7 @@
               <a:buChar char="■"/>
               <a:defRPr sz="1200"/>
             </a:lvl6pPr>
-            <a:lvl7pPr indent="-304800" lvl="6" marL="3200400" rtl="0">
+            <a:lvl7pPr marL="3200400" lvl="6" indent="-304800" rtl="0">
               <a:spcBef>
                 <a:spcPts val="0"/>
               </a:spcBef>
@@ -3717,7 +3810,7 @@
               <a:buChar char="●"/>
               <a:defRPr sz="1200"/>
             </a:lvl7pPr>
-            <a:lvl8pPr indent="-304800" lvl="7" marL="3657600" rtl="0">
+            <a:lvl8pPr marL="3657600" lvl="7" indent="-304800" rtl="0">
               <a:spcBef>
                 <a:spcPts val="0"/>
               </a:spcBef>
@@ -3728,7 +3821,7 @@
               <a:buChar char="○"/>
               <a:defRPr sz="1200"/>
             </a:lvl8pPr>
-            <a:lvl9pPr indent="-304800" lvl="8" marL="4114800" rtl="0">
+            <a:lvl9pPr marL="4114800" lvl="8" indent="-304800" rtl="0">
               <a:spcBef>
                 <a:spcPts val="0"/>
               </a:spcBef>
@@ -3740,15 +3833,19 @@
               <a:defRPr sz="1200"/>
             </a:lvl9pPr>
           </a:lstStyle>
-          <a:p/>
+          <a:p>
+            <a:endParaRPr/>
+          </a:p>
         </p:txBody>
       </p:sp>
       <p:sp>
         <p:nvSpPr>
           <p:cNvPr id="29" name="Google Shape;29;p5"/>
-          <p:cNvSpPr txBox="1"/>
+          <p:cNvSpPr txBox="1">
+            <a:spLocks noGrp="1"/>
+          </p:cNvSpPr>
           <p:nvPr>
-            <p:ph idx="2" type="body"/>
+            <p:ph type="body" idx="2"/>
           </p:nvPr>
         </p:nvSpPr>
         <p:spPr>
@@ -3761,11 +3858,11 @@
           </a:prstGeom>
         </p:spPr>
         <p:txBody>
-          <a:bodyPr anchorCtr="0" anchor="t" bIns="91425" lIns="91425" spcFirstLastPara="1" rIns="91425" wrap="square" tIns="91425">
+          <a:bodyPr spcFirstLastPara="1" wrap="square" lIns="91425" tIns="91425" rIns="91425" bIns="91425" anchor="t" anchorCtr="0">
             <a:normAutofit/>
           </a:bodyPr>
           <a:lstStyle>
-            <a:lvl1pPr indent="-317500" lvl="0" marL="457200" rtl="0">
+            <a:lvl1pPr marL="457200" lvl="0" indent="-317500" rtl="0">
               <a:spcBef>
                 <a:spcPts val="0"/>
               </a:spcBef>
@@ -3776,7 +3873,7 @@
               <a:buChar char="●"/>
               <a:defRPr sz="1400"/>
             </a:lvl1pPr>
-            <a:lvl2pPr indent="-304800" lvl="1" marL="914400" rtl="0">
+            <a:lvl2pPr marL="914400" lvl="1" indent="-304800" rtl="0">
               <a:spcBef>
                 <a:spcPts val="0"/>
               </a:spcBef>
@@ -3787,7 +3884,7 @@
               <a:buChar char="○"/>
               <a:defRPr sz="1200"/>
             </a:lvl2pPr>
-            <a:lvl3pPr indent="-304800" lvl="2" marL="1371600" rtl="0">
+            <a:lvl3pPr marL="1371600" lvl="2" indent="-304800" rtl="0">
               <a:spcBef>
                 <a:spcPts val="0"/>
               </a:spcBef>
@@ -3798,7 +3895,7 @@
               <a:buChar char="■"/>
               <a:defRPr sz="1200"/>
             </a:lvl3pPr>
-            <a:lvl4pPr indent="-304800" lvl="3" marL="1828800" rtl="0">
+            <a:lvl4pPr marL="1828800" lvl="3" indent="-304800" rtl="0">
               <a:spcBef>
                 <a:spcPts val="0"/>
               </a:spcBef>
@@ -3809,7 +3906,7 @@
               <a:buChar char="●"/>
               <a:defRPr sz="1200"/>
             </a:lvl4pPr>
-            <a:lvl5pPr indent="-304800" lvl="4" marL="2286000" rtl="0">
+            <a:lvl5pPr marL="2286000" lvl="4" indent="-304800" rtl="0">
               <a:spcBef>
                 <a:spcPts val="0"/>
               </a:spcBef>
@@ -3820,7 +3917,7 @@
               <a:buChar char="○"/>
               <a:defRPr sz="1200"/>
             </a:lvl5pPr>
-            <a:lvl6pPr indent="-304800" lvl="5" marL="2743200" rtl="0">
+            <a:lvl6pPr marL="2743200" lvl="5" indent="-304800" rtl="0">
               <a:spcBef>
                 <a:spcPts val="0"/>
               </a:spcBef>
@@ -3831,7 +3928,7 @@
               <a:buChar char="■"/>
               <a:defRPr sz="1200"/>
             </a:lvl6pPr>
-            <a:lvl7pPr indent="-304800" lvl="6" marL="3200400" rtl="0">
+            <a:lvl7pPr marL="3200400" lvl="6" indent="-304800" rtl="0">
               <a:spcBef>
                 <a:spcPts val="0"/>
               </a:spcBef>
@@ -3842,7 +3939,7 @@
               <a:buChar char="●"/>
               <a:defRPr sz="1200"/>
             </a:lvl7pPr>
-            <a:lvl8pPr indent="-304800" lvl="7" marL="3657600" rtl="0">
+            <a:lvl8pPr marL="3657600" lvl="7" indent="-304800" rtl="0">
               <a:spcBef>
                 <a:spcPts val="0"/>
               </a:spcBef>
@@ -3853,7 +3950,7 @@
               <a:buChar char="○"/>
               <a:defRPr sz="1200"/>
             </a:lvl8pPr>
-            <a:lvl9pPr indent="-304800" lvl="8" marL="4114800" rtl="0">
+            <a:lvl9pPr marL="4114800" lvl="8" indent="-304800" rtl="0">
               <a:spcBef>
                 <a:spcPts val="0"/>
               </a:spcBef>
@@ -3865,15 +3962,19 @@
               <a:defRPr sz="1200"/>
             </a:lvl9pPr>
           </a:lstStyle>
-          <a:p/>
+          <a:p>
+            <a:endParaRPr/>
+          </a:p>
         </p:txBody>
       </p:sp>
       <p:sp>
         <p:nvSpPr>
           <p:cNvPr id="30" name="Google Shape;30;p5"/>
-          <p:cNvSpPr txBox="1"/>
+          <p:cNvSpPr txBox="1">
+            <a:spLocks noGrp="1"/>
+          </p:cNvSpPr>
           <p:nvPr>
-            <p:ph idx="12" type="sldNum"/>
+            <p:ph type="sldNum" idx="12"/>
           </p:nvPr>
         </p:nvSpPr>
         <p:spPr>
@@ -3886,7 +3987,7 @@
           </a:prstGeom>
         </p:spPr>
         <p:txBody>
-          <a:bodyPr anchorCtr="0" anchor="ctr" bIns="91425" lIns="91425" spcFirstLastPara="1" rIns="91425" wrap="square" tIns="91425">
+          <a:bodyPr spcFirstLastPara="1" wrap="square" lIns="91425" tIns="91425" rIns="91425" bIns="91425" anchor="ctr" anchorCtr="0">
             <a:normAutofit/>
           </a:bodyPr>
           <a:lstStyle>
@@ -3928,7 +4029,7 @@
             </a:lvl9pPr>
           </a:lstStyle>
           <a:p>
-            <a:pPr indent="0" lvl="0" marL="0" rtl="0" algn="r">
+            <a:pPr marL="0" lvl="0" indent="0" algn="r" rtl="0">
               <a:spcBef>
                 <a:spcPts val="0"/>
               </a:spcBef>
@@ -3954,11 +4055,11 @@
 </file>
 
 <file path=ppt/slideLayouts/slideLayout5.xml><?xml version="1.0" encoding="utf-8"?>
-<p:sldLayout xmlns:a="http://schemas.openxmlformats.org/drawingml/2006/main" xmlns:r="http://schemas.openxmlformats.org/officeDocument/2006/relationships" xmlns:mc="http://schemas.openxmlformats.org/markup-compatibility/2006" xmlns:mv="urn:schemas-microsoft-com:mac:vml" xmlns:p="http://schemas.openxmlformats.org/presentationml/2006/main" xmlns:c="http://schemas.openxmlformats.org/drawingml/2006/chart" xmlns:dgm="http://schemas.openxmlformats.org/drawingml/2006/diagram" xmlns:o="urn:schemas-microsoft-com:office:office" xmlns:v="urn:schemas-microsoft-com:vml" xmlns:pvml="urn:schemas-microsoft-com:office:powerpoint" xmlns:com="http://schemas.openxmlformats.org/drawingml/2006/compatibility" xmlns:p14="http://schemas.microsoft.com/office/powerpoint/2010/main" xmlns:p15="http://schemas.microsoft.com/office/powerpoint/2012/main" xmlns:ahyp="http://schemas.microsoft.com/office/drawing/2018/hyperlinkcolor" matchingName="Title only" type="titleOnly">
+<p:sldLayout xmlns:a="http://schemas.openxmlformats.org/drawingml/2006/main" xmlns:r="http://schemas.openxmlformats.org/officeDocument/2006/relationships" xmlns:p="http://schemas.openxmlformats.org/presentationml/2006/main" matchingName="Title only" type="titleOnly">
   <p:cSld name="TITLE_ONLY">
     <p:spTree>
       <p:nvGrpSpPr>
-        <p:cNvPr id="31" name="Shape 31"/>
+        <p:cNvPr id="1" name="Shape 31"/>
         <p:cNvGrpSpPr/>
         <p:nvPr/>
       </p:nvGrpSpPr>
@@ -3977,7 +4078,7 @@
           <p:nvPr/>
         </p:nvSpPr>
         <p:spPr>
-          <a:xfrm flipH="1" rot="10800000">
+          <a:xfrm rot="10800000" flipH="1">
             <a:off x="0" y="656400"/>
             <a:ext cx="9144000" cy="4487100"/>
           </a:xfrm>
@@ -3992,23 +4093,20 @@
           </a:ln>
         </p:spPr>
         <p:txBody>
-          <a:bodyPr anchorCtr="0" anchor="ctr" bIns="91425" lIns="91425" spcFirstLastPara="1" rIns="91425" wrap="square" tIns="91425">
+          <a:bodyPr spcFirstLastPara="1" wrap="square" lIns="91425" tIns="91425" rIns="91425" bIns="91425" anchor="ctr" anchorCtr="0">
             <a:noAutofit/>
           </a:bodyPr>
           <a:lstStyle/>
           <a:p>
-            <a:pPr indent="0" lvl="0" marL="0" rtl="0" algn="l">
-              <a:spcBef>
-                <a:spcPts val="0"/>
-              </a:spcBef>
-              <a:spcAft>
-                <a:spcPts val="0"/>
-              </a:spcAft>
-              <a:buNone/>
-            </a:pPr>
-            <a:r>
-              <a:t/>
-            </a:r>
+            <a:pPr marL="0" lvl="0" indent="0" algn="l" rtl="0">
+              <a:spcBef>
+                <a:spcPts val="0"/>
+              </a:spcBef>
+              <a:spcAft>
+                <a:spcPts val="0"/>
+              </a:spcAft>
+              <a:buNone/>
+            </a:pPr>
             <a:endParaRPr/>
           </a:p>
         </p:txBody>
@@ -4049,23 +4147,20 @@
           </a:ln>
         </p:spPr>
         <p:txBody>
-          <a:bodyPr anchorCtr="0" anchor="ctr" bIns="91425" lIns="91425" spcFirstLastPara="1" rIns="91425" wrap="square" tIns="91425">
+          <a:bodyPr spcFirstLastPara="1" wrap="square" lIns="91425" tIns="91425" rIns="91425" bIns="91425" anchor="ctr" anchorCtr="0">
             <a:noAutofit/>
           </a:bodyPr>
           <a:lstStyle/>
           <a:p>
-            <a:pPr indent="0" lvl="0" marL="0" rtl="0" algn="l">
-              <a:spcBef>
-                <a:spcPts val="0"/>
-              </a:spcBef>
-              <a:spcAft>
-                <a:spcPts val="0"/>
-              </a:spcAft>
-              <a:buNone/>
-            </a:pPr>
-            <a:r>
-              <a:t/>
-            </a:r>
+            <a:pPr marL="0" lvl="0" indent="0" algn="l" rtl="0">
+              <a:spcBef>
+                <a:spcPts val="0"/>
+              </a:spcBef>
+              <a:spcAft>
+                <a:spcPts val="0"/>
+              </a:spcAft>
+              <a:buNone/>
+            </a:pPr>
             <a:endParaRPr/>
           </a:p>
         </p:txBody>
@@ -4073,7 +4168,9 @@
       <p:sp>
         <p:nvSpPr>
           <p:cNvPr id="34" name="Google Shape;34;p6"/>
-          <p:cNvSpPr txBox="1"/>
+          <p:cNvSpPr txBox="1">
+            <a:spLocks noGrp="1"/>
+          </p:cNvSpPr>
           <p:nvPr>
             <p:ph type="title"/>
           </p:nvPr>
@@ -4088,7 +4185,7 @@
           </a:prstGeom>
         </p:spPr>
         <p:txBody>
-          <a:bodyPr anchorCtr="0" anchor="ctr" bIns="91425" lIns="91425" spcFirstLastPara="1" rIns="91425" wrap="square" tIns="91425">
+          <a:bodyPr spcFirstLastPara="1" wrap="square" lIns="91425" tIns="91425" rIns="91425" bIns="91425" anchor="ctr" anchorCtr="0">
             <a:normAutofit/>
           </a:bodyPr>
           <a:lstStyle>
@@ -4192,15 +4289,19 @@
               <a:defRPr sz="1800"/>
             </a:lvl9pPr>
           </a:lstStyle>
-          <a:p/>
+          <a:p>
+            <a:endParaRPr/>
+          </a:p>
         </p:txBody>
       </p:sp>
       <p:sp>
         <p:nvSpPr>
           <p:cNvPr id="35" name="Google Shape;35;p6"/>
-          <p:cNvSpPr txBox="1"/>
+          <p:cNvSpPr txBox="1">
+            <a:spLocks noGrp="1"/>
+          </p:cNvSpPr>
           <p:nvPr>
-            <p:ph idx="12" type="sldNum"/>
+            <p:ph type="sldNum" idx="12"/>
           </p:nvPr>
         </p:nvSpPr>
         <p:spPr>
@@ -4213,7 +4314,7 @@
           </a:prstGeom>
         </p:spPr>
         <p:txBody>
-          <a:bodyPr anchorCtr="0" anchor="ctr" bIns="91425" lIns="91425" spcFirstLastPara="1" rIns="91425" wrap="square" tIns="91425">
+          <a:bodyPr spcFirstLastPara="1" wrap="square" lIns="91425" tIns="91425" rIns="91425" bIns="91425" anchor="ctr" anchorCtr="0">
             <a:normAutofit/>
           </a:bodyPr>
           <a:lstStyle>
@@ -4255,7 +4356,7 @@
             </a:lvl9pPr>
           </a:lstStyle>
           <a:p>
-            <a:pPr indent="0" lvl="0" marL="0" rtl="0" algn="r">
+            <a:pPr marL="0" lvl="0" indent="0" algn="r" rtl="0">
               <a:spcBef>
                 <a:spcPts val="0"/>
               </a:spcBef>
@@ -4281,11 +4382,11 @@
 </file>
 
 <file path=ppt/slideLayouts/slideLayout6.xml><?xml version="1.0" encoding="utf-8"?>
-<p:sldLayout xmlns:a="http://schemas.openxmlformats.org/drawingml/2006/main" xmlns:r="http://schemas.openxmlformats.org/officeDocument/2006/relationships" xmlns:mc="http://schemas.openxmlformats.org/markup-compatibility/2006" xmlns:mv="urn:schemas-microsoft-com:mac:vml" xmlns:p="http://schemas.openxmlformats.org/presentationml/2006/main" xmlns:c="http://schemas.openxmlformats.org/drawingml/2006/chart" xmlns:dgm="http://schemas.openxmlformats.org/drawingml/2006/diagram" xmlns:o="urn:schemas-microsoft-com:office:office" xmlns:v="urn:schemas-microsoft-com:vml" xmlns:pvml="urn:schemas-microsoft-com:office:powerpoint" xmlns:com="http://schemas.openxmlformats.org/drawingml/2006/compatibility" xmlns:p14="http://schemas.microsoft.com/office/powerpoint/2010/main" xmlns:p15="http://schemas.microsoft.com/office/powerpoint/2012/main" xmlns:ahyp="http://schemas.microsoft.com/office/drawing/2018/hyperlinkcolor" matchingName="One column text">
+<p:sldLayout xmlns:a="http://schemas.openxmlformats.org/drawingml/2006/main" xmlns:r="http://schemas.openxmlformats.org/officeDocument/2006/relationships" xmlns:p="http://schemas.openxmlformats.org/presentationml/2006/main" matchingName="One column text">
   <p:cSld name="ONE_COLUMN_TEXT">
     <p:spTree>
       <p:nvGrpSpPr>
-        <p:cNvPr id="36" name="Shape 36"/>
+        <p:cNvPr id="1" name="Shape 36"/>
         <p:cNvGrpSpPr/>
         <p:nvPr/>
       </p:nvGrpSpPr>
@@ -4304,7 +4405,7 @@
           <p:nvPr/>
         </p:nvSpPr>
         <p:spPr>
-          <a:xfrm flipH="1" rot="10800000">
+          <a:xfrm rot="10800000" flipH="1">
             <a:off x="3276600" y="25"/>
             <a:ext cx="5867400" cy="5143500"/>
           </a:xfrm>
@@ -4319,23 +4420,20 @@
           </a:ln>
         </p:spPr>
         <p:txBody>
-          <a:bodyPr anchorCtr="0" anchor="ctr" bIns="91425" lIns="91425" spcFirstLastPara="1" rIns="91425" wrap="square" tIns="91425">
+          <a:bodyPr spcFirstLastPara="1" wrap="square" lIns="91425" tIns="91425" rIns="91425" bIns="91425" anchor="ctr" anchorCtr="0">
             <a:noAutofit/>
           </a:bodyPr>
           <a:lstStyle/>
           <a:p>
-            <a:pPr indent="0" lvl="0" marL="0" rtl="0" algn="l">
-              <a:spcBef>
-                <a:spcPts val="0"/>
-              </a:spcBef>
-              <a:spcAft>
-                <a:spcPts val="0"/>
-              </a:spcAft>
-              <a:buNone/>
-            </a:pPr>
-            <a:r>
-              <a:t/>
-            </a:r>
+            <a:pPr marL="0" lvl="0" indent="0" algn="l" rtl="0">
+              <a:spcBef>
+                <a:spcPts val="0"/>
+              </a:spcBef>
+              <a:spcAft>
+                <a:spcPts val="0"/>
+              </a:spcAft>
+              <a:buNone/>
+            </a:pPr>
             <a:endParaRPr/>
           </a:p>
         </p:txBody>
@@ -4376,23 +4474,20 @@
           </a:ln>
         </p:spPr>
         <p:txBody>
-          <a:bodyPr anchorCtr="0" anchor="ctr" bIns="91425" lIns="91425" spcFirstLastPara="1" rIns="91425" wrap="square" tIns="91425">
+          <a:bodyPr spcFirstLastPara="1" wrap="square" lIns="91425" tIns="91425" rIns="91425" bIns="91425" anchor="ctr" anchorCtr="0">
             <a:noAutofit/>
           </a:bodyPr>
           <a:lstStyle/>
           <a:p>
-            <a:pPr indent="0" lvl="0" marL="0" rtl="0" algn="l">
-              <a:spcBef>
-                <a:spcPts val="0"/>
-              </a:spcBef>
-              <a:spcAft>
-                <a:spcPts val="0"/>
-              </a:spcAft>
-              <a:buNone/>
-            </a:pPr>
-            <a:r>
-              <a:t/>
-            </a:r>
+            <a:pPr marL="0" lvl="0" indent="0" algn="l" rtl="0">
+              <a:spcBef>
+                <a:spcPts val="0"/>
+              </a:spcBef>
+              <a:spcAft>
+                <a:spcPts val="0"/>
+              </a:spcAft>
+              <a:buNone/>
+            </a:pPr>
             <a:endParaRPr/>
           </a:p>
         </p:txBody>
@@ -4400,7 +4495,9 @@
       <p:sp>
         <p:nvSpPr>
           <p:cNvPr id="39" name="Google Shape;39;p7"/>
-          <p:cNvSpPr txBox="1"/>
+          <p:cNvSpPr txBox="1">
+            <a:spLocks noGrp="1"/>
+          </p:cNvSpPr>
           <p:nvPr>
             <p:ph type="title"/>
           </p:nvPr>
@@ -4415,7 +4512,7 @@
           </a:prstGeom>
         </p:spPr>
         <p:txBody>
-          <a:bodyPr anchorCtr="0" anchor="b" bIns="91425" lIns="91425" spcFirstLastPara="1" rIns="91425" wrap="square" tIns="91425">
+          <a:bodyPr spcFirstLastPara="1" wrap="square" lIns="91425" tIns="91425" rIns="91425" bIns="91425" anchor="b" anchorCtr="0">
             <a:normAutofit/>
           </a:bodyPr>
           <a:lstStyle>
@@ -4519,15 +4616,19 @@
               <a:defRPr sz="2400"/>
             </a:lvl9pPr>
           </a:lstStyle>
-          <a:p/>
+          <a:p>
+            <a:endParaRPr/>
+          </a:p>
         </p:txBody>
       </p:sp>
       <p:sp>
         <p:nvSpPr>
           <p:cNvPr id="40" name="Google Shape;40;p7"/>
-          <p:cNvSpPr txBox="1"/>
+          <p:cNvSpPr txBox="1">
+            <a:spLocks noGrp="1"/>
+          </p:cNvSpPr>
           <p:nvPr>
-            <p:ph idx="1" type="body"/>
+            <p:ph type="body" idx="1"/>
           </p:nvPr>
         </p:nvSpPr>
         <p:spPr>
@@ -4540,11 +4641,11 @@
           </a:prstGeom>
         </p:spPr>
         <p:txBody>
-          <a:bodyPr anchorCtr="0" anchor="t" bIns="91425" lIns="91425" spcFirstLastPara="1" rIns="91425" wrap="square" tIns="91425">
+          <a:bodyPr spcFirstLastPara="1" wrap="square" lIns="91425" tIns="91425" rIns="91425" bIns="91425" anchor="t" anchorCtr="0">
             <a:normAutofit/>
           </a:bodyPr>
           <a:lstStyle>
-            <a:lvl1pPr indent="-304800" lvl="0" marL="457200" rtl="0">
+            <a:lvl1pPr marL="457200" lvl="0" indent="-304800" rtl="0">
               <a:spcBef>
                 <a:spcPts val="0"/>
               </a:spcBef>
@@ -4562,7 +4663,7 @@
                 </a:solidFill>
               </a:defRPr>
             </a:lvl1pPr>
-            <a:lvl2pPr indent="-304800" lvl="1" marL="914400" rtl="0">
+            <a:lvl2pPr marL="914400" lvl="1" indent="-304800" rtl="0">
               <a:spcBef>
                 <a:spcPts val="0"/>
               </a:spcBef>
@@ -4580,7 +4681,7 @@
                 </a:solidFill>
               </a:defRPr>
             </a:lvl2pPr>
-            <a:lvl3pPr indent="-304800" lvl="2" marL="1371600" rtl="0">
+            <a:lvl3pPr marL="1371600" lvl="2" indent="-304800" rtl="0">
               <a:spcBef>
                 <a:spcPts val="0"/>
               </a:spcBef>
@@ -4598,7 +4699,7 @@
                 </a:solidFill>
               </a:defRPr>
             </a:lvl3pPr>
-            <a:lvl4pPr indent="-304800" lvl="3" marL="1828800" rtl="0">
+            <a:lvl4pPr marL="1828800" lvl="3" indent="-304800" rtl="0">
               <a:spcBef>
                 <a:spcPts val="0"/>
               </a:spcBef>
@@ -4616,7 +4717,7 @@
                 </a:solidFill>
               </a:defRPr>
             </a:lvl4pPr>
-            <a:lvl5pPr indent="-304800" lvl="4" marL="2286000" rtl="0">
+            <a:lvl5pPr marL="2286000" lvl="4" indent="-304800" rtl="0">
               <a:spcBef>
                 <a:spcPts val="0"/>
               </a:spcBef>
@@ -4634,7 +4735,7 @@
                 </a:solidFill>
               </a:defRPr>
             </a:lvl5pPr>
-            <a:lvl6pPr indent="-304800" lvl="5" marL="2743200" rtl="0">
+            <a:lvl6pPr marL="2743200" lvl="5" indent="-304800" rtl="0">
               <a:spcBef>
                 <a:spcPts val="0"/>
               </a:spcBef>
@@ -4652,7 +4753,7 @@
                 </a:solidFill>
               </a:defRPr>
             </a:lvl6pPr>
-            <a:lvl7pPr indent="-304800" lvl="6" marL="3200400" rtl="0">
+            <a:lvl7pPr marL="3200400" lvl="6" indent="-304800" rtl="0">
               <a:spcBef>
                 <a:spcPts val="0"/>
               </a:spcBef>
@@ -4670,7 +4771,7 @@
                 </a:solidFill>
               </a:defRPr>
             </a:lvl7pPr>
-            <a:lvl8pPr indent="-304800" lvl="7" marL="3657600" rtl="0">
+            <a:lvl8pPr marL="3657600" lvl="7" indent="-304800" rtl="0">
               <a:spcBef>
                 <a:spcPts val="0"/>
               </a:spcBef>
@@ -4688,7 +4789,7 @@
                 </a:solidFill>
               </a:defRPr>
             </a:lvl8pPr>
-            <a:lvl9pPr indent="-304800" lvl="8" marL="4114800" rtl="0">
+            <a:lvl9pPr marL="4114800" lvl="8" indent="-304800" rtl="0">
               <a:spcBef>
                 <a:spcPts val="0"/>
               </a:spcBef>
@@ -4707,15 +4808,19 @@
               </a:defRPr>
             </a:lvl9pPr>
           </a:lstStyle>
-          <a:p/>
+          <a:p>
+            <a:endParaRPr/>
+          </a:p>
         </p:txBody>
       </p:sp>
       <p:sp>
         <p:nvSpPr>
           <p:cNvPr id="41" name="Google Shape;41;p7"/>
-          <p:cNvSpPr txBox="1"/>
+          <p:cNvSpPr txBox="1">
+            <a:spLocks noGrp="1"/>
+          </p:cNvSpPr>
           <p:nvPr>
-            <p:ph idx="12" type="sldNum"/>
+            <p:ph type="sldNum" idx="12"/>
           </p:nvPr>
         </p:nvSpPr>
         <p:spPr>
@@ -4728,7 +4833,7 @@
           </a:prstGeom>
         </p:spPr>
         <p:txBody>
-          <a:bodyPr anchorCtr="0" anchor="ctr" bIns="91425" lIns="91425" spcFirstLastPara="1" rIns="91425" wrap="square" tIns="91425">
+          <a:bodyPr spcFirstLastPara="1" wrap="square" lIns="91425" tIns="91425" rIns="91425" bIns="91425" anchor="ctr" anchorCtr="0">
             <a:normAutofit/>
           </a:bodyPr>
           <a:lstStyle>
@@ -4770,7 +4875,7 @@
             </a:lvl9pPr>
           </a:lstStyle>
           <a:p>
-            <a:pPr indent="0" lvl="0" marL="0" rtl="0" algn="r">
+            <a:pPr marL="0" lvl="0" indent="0" algn="r" rtl="0">
               <a:spcBef>
                 <a:spcPts val="0"/>
               </a:spcBef>
@@ -4796,11 +4901,11 @@
 </file>
 
 <file path=ppt/slideLayouts/slideLayout7.xml><?xml version="1.0" encoding="utf-8"?>
-<p:sldLayout xmlns:a="http://schemas.openxmlformats.org/drawingml/2006/main" xmlns:r="http://schemas.openxmlformats.org/officeDocument/2006/relationships" xmlns:mc="http://schemas.openxmlformats.org/markup-compatibility/2006" xmlns:mv="urn:schemas-microsoft-com:mac:vml" xmlns:p="http://schemas.openxmlformats.org/presentationml/2006/main" xmlns:c="http://schemas.openxmlformats.org/drawingml/2006/chart" xmlns:dgm="http://schemas.openxmlformats.org/drawingml/2006/diagram" xmlns:o="urn:schemas-microsoft-com:office:office" xmlns:v="urn:schemas-microsoft-com:vml" xmlns:pvml="urn:schemas-microsoft-com:office:powerpoint" xmlns:com="http://schemas.openxmlformats.org/drawingml/2006/compatibility" xmlns:p14="http://schemas.microsoft.com/office/powerpoint/2010/main" xmlns:p15="http://schemas.microsoft.com/office/powerpoint/2012/main" xmlns:ahyp="http://schemas.microsoft.com/office/drawing/2018/hyperlinkcolor" matchingName="Main point">
+<p:sldLayout xmlns:a="http://schemas.openxmlformats.org/drawingml/2006/main" xmlns:r="http://schemas.openxmlformats.org/officeDocument/2006/relationships" xmlns:p="http://schemas.openxmlformats.org/presentationml/2006/main" matchingName="Main point">
   <p:cSld name="MAIN_POINT">
     <p:spTree>
       <p:nvGrpSpPr>
-        <p:cNvPr id="42" name="Shape 42"/>
+        <p:cNvPr id="1" name="Shape 42"/>
         <p:cNvGrpSpPr/>
         <p:nvPr/>
       </p:nvGrpSpPr>
@@ -4815,7 +4920,9 @@
       <p:sp>
         <p:nvSpPr>
           <p:cNvPr id="43" name="Google Shape;43;p8"/>
-          <p:cNvSpPr txBox="1"/>
+          <p:cNvSpPr txBox="1">
+            <a:spLocks noGrp="1"/>
+          </p:cNvSpPr>
           <p:nvPr>
             <p:ph type="title"/>
           </p:nvPr>
@@ -4830,7 +4937,7 @@
           </a:prstGeom>
         </p:spPr>
         <p:txBody>
-          <a:bodyPr anchorCtr="0" anchor="ctr" bIns="91425" lIns="91425" spcFirstLastPara="1" rIns="91425" wrap="square" tIns="91425">
+          <a:bodyPr spcFirstLastPara="1" wrap="square" lIns="91425" tIns="91425" rIns="91425" bIns="91425" anchor="ctr" anchorCtr="0">
             <a:normAutofit/>
           </a:bodyPr>
           <a:lstStyle>
@@ -4934,15 +5041,19 @@
               <a:defRPr sz="6000"/>
             </a:lvl9pPr>
           </a:lstStyle>
-          <a:p/>
+          <a:p>
+            <a:endParaRPr/>
+          </a:p>
         </p:txBody>
       </p:sp>
       <p:sp>
         <p:nvSpPr>
           <p:cNvPr id="44" name="Google Shape;44;p8"/>
-          <p:cNvSpPr txBox="1"/>
+          <p:cNvSpPr txBox="1">
+            <a:spLocks noGrp="1"/>
+          </p:cNvSpPr>
           <p:nvPr>
-            <p:ph idx="12" type="sldNum"/>
+            <p:ph type="sldNum" idx="12"/>
           </p:nvPr>
         </p:nvSpPr>
         <p:spPr>
@@ -4955,7 +5066,7 @@
           </a:prstGeom>
         </p:spPr>
         <p:txBody>
-          <a:bodyPr anchorCtr="0" anchor="ctr" bIns="91425" lIns="91425" spcFirstLastPara="1" rIns="91425" wrap="square" tIns="91425">
+          <a:bodyPr spcFirstLastPara="1" wrap="square" lIns="91425" tIns="91425" rIns="91425" bIns="91425" anchor="ctr" anchorCtr="0">
             <a:normAutofit/>
           </a:bodyPr>
           <a:lstStyle>
@@ -5033,7 +5144,7 @@
             </a:lvl9pPr>
           </a:lstStyle>
           <a:p>
-            <a:pPr indent="0" lvl="0" marL="0" rtl="0" algn="r">
+            <a:pPr marL="0" lvl="0" indent="0" algn="r" rtl="0">
               <a:spcBef>
                 <a:spcPts val="0"/>
               </a:spcBef>
@@ -5059,11 +5170,11 @@
 </file>
 
 <file path=ppt/slideLayouts/slideLayout8.xml><?xml version="1.0" encoding="utf-8"?>
-<p:sldLayout xmlns:a="http://schemas.openxmlformats.org/drawingml/2006/main" xmlns:r="http://schemas.openxmlformats.org/officeDocument/2006/relationships" xmlns:mc="http://schemas.openxmlformats.org/markup-compatibility/2006" xmlns:mv="urn:schemas-microsoft-com:mac:vml" xmlns:p="http://schemas.openxmlformats.org/presentationml/2006/main" xmlns:c="http://schemas.openxmlformats.org/drawingml/2006/chart" xmlns:dgm="http://schemas.openxmlformats.org/drawingml/2006/diagram" xmlns:o="urn:schemas-microsoft-com:office:office" xmlns:v="urn:schemas-microsoft-com:vml" xmlns:pvml="urn:schemas-microsoft-com:office:powerpoint" xmlns:com="http://schemas.openxmlformats.org/drawingml/2006/compatibility" xmlns:p14="http://schemas.microsoft.com/office/powerpoint/2010/main" xmlns:p15="http://schemas.microsoft.com/office/powerpoint/2012/main" xmlns:ahyp="http://schemas.microsoft.com/office/drawing/2018/hyperlinkcolor" matchingName="Section title and description">
+<p:sldLayout xmlns:a="http://schemas.openxmlformats.org/drawingml/2006/main" xmlns:r="http://schemas.openxmlformats.org/officeDocument/2006/relationships" xmlns:p="http://schemas.openxmlformats.org/presentationml/2006/main" matchingName="Section title and description">
   <p:cSld name="SECTION_TITLE_AND_DESCRIPTION">
     <p:spTree>
       <p:nvGrpSpPr>
-        <p:cNvPr id="45" name="Shape 45"/>
+        <p:cNvPr id="1" name="Shape 45"/>
         <p:cNvGrpSpPr/>
         <p:nvPr/>
       </p:nvGrpSpPr>
@@ -5097,23 +5208,20 @@
           </a:ln>
         </p:spPr>
         <p:txBody>
-          <a:bodyPr anchorCtr="0" anchor="ctr" bIns="91425" lIns="91425" spcFirstLastPara="1" rIns="91425" wrap="square" tIns="91425">
+          <a:bodyPr spcFirstLastPara="1" wrap="square" lIns="91425" tIns="91425" rIns="91425" bIns="91425" anchor="ctr" anchorCtr="0">
             <a:noAutofit/>
           </a:bodyPr>
           <a:lstStyle/>
           <a:p>
-            <a:pPr indent="0" lvl="0" marL="0" rtl="0" algn="l">
-              <a:spcBef>
-                <a:spcPts val="0"/>
-              </a:spcBef>
-              <a:spcAft>
-                <a:spcPts val="0"/>
-              </a:spcAft>
-              <a:buNone/>
-            </a:pPr>
-            <a:r>
-              <a:t/>
-            </a:r>
+            <a:pPr marL="0" lvl="0" indent="0" algn="l" rtl="0">
+              <a:spcBef>
+                <a:spcPts val="0"/>
+              </a:spcBef>
+              <a:spcAft>
+                <a:spcPts val="0"/>
+              </a:spcAft>
+              <a:buNone/>
+            </a:pPr>
             <a:endParaRPr/>
           </a:p>
         </p:txBody>
@@ -5154,23 +5262,20 @@
           </a:ln>
         </p:spPr>
         <p:txBody>
-          <a:bodyPr anchorCtr="0" anchor="ctr" bIns="91425" lIns="91425" spcFirstLastPara="1" rIns="91425" wrap="square" tIns="91425">
+          <a:bodyPr spcFirstLastPara="1" wrap="square" lIns="91425" tIns="91425" rIns="91425" bIns="91425" anchor="ctr" anchorCtr="0">
             <a:noAutofit/>
           </a:bodyPr>
           <a:lstStyle/>
           <a:p>
-            <a:pPr indent="0" lvl="0" marL="0" rtl="0" algn="l">
-              <a:spcBef>
-                <a:spcPts val="0"/>
-              </a:spcBef>
-              <a:spcAft>
-                <a:spcPts val="0"/>
-              </a:spcAft>
-              <a:buNone/>
-            </a:pPr>
-            <a:r>
-              <a:t/>
-            </a:r>
+            <a:pPr marL="0" lvl="0" indent="0" algn="l" rtl="0">
+              <a:spcBef>
+                <a:spcPts val="0"/>
+              </a:spcBef>
+              <a:spcAft>
+                <a:spcPts val="0"/>
+              </a:spcAft>
+              <a:buNone/>
+            </a:pPr>
             <a:endParaRPr/>
           </a:p>
         </p:txBody>
@@ -5178,7 +5283,9 @@
       <p:sp>
         <p:nvSpPr>
           <p:cNvPr id="48" name="Google Shape;48;p9"/>
-          <p:cNvSpPr txBox="1"/>
+          <p:cNvSpPr txBox="1">
+            <a:spLocks noGrp="1"/>
+          </p:cNvSpPr>
           <p:nvPr>
             <p:ph type="title"/>
           </p:nvPr>
@@ -5193,11 +5300,11 @@
           </a:prstGeom>
         </p:spPr>
         <p:txBody>
-          <a:bodyPr anchorCtr="0" anchor="b" bIns="91425" lIns="91425" spcFirstLastPara="1" rIns="91425" wrap="square" tIns="91425">
+          <a:bodyPr spcFirstLastPara="1" wrap="square" lIns="91425" tIns="91425" rIns="91425" bIns="91425" anchor="b" anchorCtr="0">
             <a:normAutofit/>
           </a:bodyPr>
           <a:lstStyle>
-            <a:lvl1pPr lvl="0" rtl="0" algn="ctr">
+            <a:lvl1pPr lvl="0" algn="ctr" rtl="0">
               <a:spcBef>
                 <a:spcPts val="0"/>
               </a:spcBef>
@@ -5215,7 +5322,7 @@
                 </a:solidFill>
               </a:defRPr>
             </a:lvl1pPr>
-            <a:lvl2pPr lvl="1" rtl="0" algn="ctr">
+            <a:lvl2pPr lvl="1" algn="ctr" rtl="0">
               <a:spcBef>
                 <a:spcPts val="0"/>
               </a:spcBef>
@@ -5233,7 +5340,7 @@
                 </a:solidFill>
               </a:defRPr>
             </a:lvl2pPr>
-            <a:lvl3pPr lvl="2" rtl="0" algn="ctr">
+            <a:lvl3pPr lvl="2" algn="ctr" rtl="0">
               <a:spcBef>
                 <a:spcPts val="0"/>
               </a:spcBef>
@@ -5251,7 +5358,7 @@
                 </a:solidFill>
               </a:defRPr>
             </a:lvl3pPr>
-            <a:lvl4pPr lvl="3" rtl="0" algn="ctr">
+            <a:lvl4pPr lvl="3" algn="ctr" rtl="0">
               <a:spcBef>
                 <a:spcPts val="0"/>
               </a:spcBef>
@@ -5269,7 +5376,7 @@
                 </a:solidFill>
               </a:defRPr>
             </a:lvl4pPr>
-            <a:lvl5pPr lvl="4" rtl="0" algn="ctr">
+            <a:lvl5pPr lvl="4" algn="ctr" rtl="0">
               <a:spcBef>
                 <a:spcPts val="0"/>
               </a:spcBef>
@@ -5287,7 +5394,7 @@
                 </a:solidFill>
               </a:defRPr>
             </a:lvl5pPr>
-            <a:lvl6pPr lvl="5" rtl="0" algn="ctr">
+            <a:lvl6pPr lvl="5" algn="ctr" rtl="0">
               <a:spcBef>
                 <a:spcPts val="0"/>
               </a:spcBef>
@@ -5305,7 +5412,7 @@
                 </a:solidFill>
               </a:defRPr>
             </a:lvl6pPr>
-            <a:lvl7pPr lvl="6" rtl="0" algn="ctr">
+            <a:lvl7pPr lvl="6" algn="ctr" rtl="0">
               <a:spcBef>
                 <a:spcPts val="0"/>
               </a:spcBef>
@@ -5323,7 +5430,7 @@
                 </a:solidFill>
               </a:defRPr>
             </a:lvl7pPr>
-            <a:lvl8pPr lvl="7" rtl="0" algn="ctr">
+            <a:lvl8pPr lvl="7" algn="ctr" rtl="0">
               <a:spcBef>
                 <a:spcPts val="0"/>
               </a:spcBef>
@@ -5341,7 +5448,7 @@
                 </a:solidFill>
               </a:defRPr>
             </a:lvl8pPr>
-            <a:lvl9pPr lvl="8" rtl="0" algn="ctr">
+            <a:lvl9pPr lvl="8" algn="ctr" rtl="0">
               <a:spcBef>
                 <a:spcPts val="0"/>
               </a:spcBef>
@@ -5360,15 +5467,19 @@
               </a:defRPr>
             </a:lvl9pPr>
           </a:lstStyle>
-          <a:p/>
+          <a:p>
+            <a:endParaRPr/>
+          </a:p>
         </p:txBody>
       </p:sp>
       <p:sp>
         <p:nvSpPr>
           <p:cNvPr id="49" name="Google Shape;49;p9"/>
-          <p:cNvSpPr txBox="1"/>
+          <p:cNvSpPr txBox="1">
+            <a:spLocks noGrp="1"/>
+          </p:cNvSpPr>
           <p:nvPr>
-            <p:ph idx="1" type="subTitle"/>
+            <p:ph type="subTitle" idx="1"/>
           </p:nvPr>
         </p:nvSpPr>
         <p:spPr>
@@ -5381,11 +5492,11 @@
           </a:prstGeom>
         </p:spPr>
         <p:txBody>
-          <a:bodyPr anchorCtr="0" anchor="t" bIns="91425" lIns="91425" spcFirstLastPara="1" rIns="91425" wrap="square" tIns="91425">
+          <a:bodyPr spcFirstLastPara="1" wrap="square" lIns="91425" tIns="91425" rIns="91425" bIns="91425" anchor="t" anchorCtr="0">
             <a:normAutofit/>
           </a:bodyPr>
           <a:lstStyle>
-            <a:lvl1pPr lvl="0" rtl="0" algn="ctr">
+            <a:lvl1pPr lvl="0" algn="ctr" rtl="0">
               <a:lnSpc>
                 <a:spcPct val="100000"/>
               </a:lnSpc>
@@ -5399,7 +5510,7 @@
               <a:buNone/>
               <a:defRPr sz="2100"/>
             </a:lvl1pPr>
-            <a:lvl2pPr lvl="1" rtl="0" algn="ctr">
+            <a:lvl2pPr lvl="1" algn="ctr" rtl="0">
               <a:lnSpc>
                 <a:spcPct val="100000"/>
               </a:lnSpc>
@@ -5413,7 +5524,7 @@
               <a:buNone/>
               <a:defRPr sz="2100"/>
             </a:lvl2pPr>
-            <a:lvl3pPr lvl="2" rtl="0" algn="ctr">
+            <a:lvl3pPr lvl="2" algn="ctr" rtl="0">
               <a:lnSpc>
                 <a:spcPct val="100000"/>
               </a:lnSpc>
@@ -5427,7 +5538,7 @@
               <a:buNone/>
               <a:defRPr sz="2100"/>
             </a:lvl3pPr>
-            <a:lvl4pPr lvl="3" rtl="0" algn="ctr">
+            <a:lvl4pPr lvl="3" algn="ctr" rtl="0">
               <a:lnSpc>
                 <a:spcPct val="100000"/>
               </a:lnSpc>
@@ -5441,7 +5552,7 @@
               <a:buNone/>
               <a:defRPr sz="2100"/>
             </a:lvl4pPr>
-            <a:lvl5pPr lvl="4" rtl="0" algn="ctr">
+            <a:lvl5pPr lvl="4" algn="ctr" rtl="0">
               <a:lnSpc>
                 <a:spcPct val="100000"/>
               </a:lnSpc>
@@ -5455,7 +5566,7 @@
               <a:buNone/>
               <a:defRPr sz="2100"/>
             </a:lvl5pPr>
-            <a:lvl6pPr lvl="5" rtl="0" algn="ctr">
+            <a:lvl6pPr lvl="5" algn="ctr" rtl="0">
               <a:lnSpc>
                 <a:spcPct val="100000"/>
               </a:lnSpc>
@@ -5469,7 +5580,7 @@
               <a:buNone/>
               <a:defRPr sz="2100"/>
             </a:lvl6pPr>
-            <a:lvl7pPr lvl="6" rtl="0" algn="ctr">
+            <a:lvl7pPr lvl="6" algn="ctr" rtl="0">
               <a:lnSpc>
                 <a:spcPct val="100000"/>
               </a:lnSpc>
@@ -5483,7 +5594,7 @@
               <a:buNone/>
               <a:defRPr sz="2100"/>
             </a:lvl7pPr>
-            <a:lvl8pPr lvl="7" rtl="0" algn="ctr">
+            <a:lvl8pPr lvl="7" algn="ctr" rtl="0">
               <a:lnSpc>
                 <a:spcPct val="100000"/>
               </a:lnSpc>
@@ -5497,7 +5608,7 @@
               <a:buNone/>
               <a:defRPr sz="2100"/>
             </a:lvl8pPr>
-            <a:lvl9pPr lvl="8" rtl="0" algn="ctr">
+            <a:lvl9pPr lvl="8" algn="ctr" rtl="0">
               <a:lnSpc>
                 <a:spcPct val="100000"/>
               </a:lnSpc>
@@ -5512,15 +5623,19 @@
               <a:defRPr sz="2100"/>
             </a:lvl9pPr>
           </a:lstStyle>
-          <a:p/>
+          <a:p>
+            <a:endParaRPr/>
+          </a:p>
         </p:txBody>
       </p:sp>
       <p:sp>
         <p:nvSpPr>
           <p:cNvPr id="50" name="Google Shape;50;p9"/>
-          <p:cNvSpPr txBox="1"/>
+          <p:cNvSpPr txBox="1">
+            <a:spLocks noGrp="1"/>
+          </p:cNvSpPr>
           <p:nvPr>
-            <p:ph idx="2" type="body"/>
+            <p:ph type="body" idx="2"/>
           </p:nvPr>
         </p:nvSpPr>
         <p:spPr>
@@ -5533,11 +5648,11 @@
           </a:prstGeom>
         </p:spPr>
         <p:txBody>
-          <a:bodyPr anchorCtr="0" anchor="ctr" bIns="91425" lIns="91425" spcFirstLastPara="1" rIns="91425" wrap="square" tIns="91425">
+          <a:bodyPr spcFirstLastPara="1" wrap="square" lIns="91425" tIns="91425" rIns="91425" bIns="91425" anchor="ctr" anchorCtr="0">
             <a:normAutofit/>
           </a:bodyPr>
           <a:lstStyle>
-            <a:lvl1pPr indent="-342900" lvl="0" marL="457200" rtl="0">
+            <a:lvl1pPr marL="457200" lvl="0" indent="-342900" rtl="0">
               <a:spcBef>
                 <a:spcPts val="0"/>
               </a:spcBef>
@@ -5555,7 +5670,7 @@
                 </a:solidFill>
               </a:defRPr>
             </a:lvl1pPr>
-            <a:lvl2pPr indent="-317500" lvl="1" marL="914400" rtl="0">
+            <a:lvl2pPr marL="914400" lvl="1" indent="-317500" rtl="0">
               <a:spcBef>
                 <a:spcPts val="0"/>
               </a:spcBef>
@@ -5573,7 +5688,7 @@
                 </a:solidFill>
               </a:defRPr>
             </a:lvl2pPr>
-            <a:lvl3pPr indent="-317500" lvl="2" marL="1371600" rtl="0">
+            <a:lvl3pPr marL="1371600" lvl="2" indent="-317500" rtl="0">
               <a:spcBef>
                 <a:spcPts val="0"/>
               </a:spcBef>
@@ -5591,7 +5706,7 @@
                 </a:solidFill>
               </a:defRPr>
             </a:lvl3pPr>
-            <a:lvl4pPr indent="-317500" lvl="3" marL="1828800" rtl="0">
+            <a:lvl4pPr marL="1828800" lvl="3" indent="-317500" rtl="0">
               <a:spcBef>
                 <a:spcPts val="0"/>
               </a:spcBef>
@@ -5609,7 +5724,7 @@
                 </a:solidFill>
               </a:defRPr>
             </a:lvl4pPr>
-            <a:lvl5pPr indent="-317500" lvl="4" marL="2286000" rtl="0">
+            <a:lvl5pPr marL="2286000" lvl="4" indent="-317500" rtl="0">
               <a:spcBef>
                 <a:spcPts val="0"/>
               </a:spcBef>
@@ -5627,7 +5742,7 @@
                 </a:solidFill>
               </a:defRPr>
             </a:lvl5pPr>
-            <a:lvl6pPr indent="-317500" lvl="5" marL="2743200" rtl="0">
+            <a:lvl6pPr marL="2743200" lvl="5" indent="-317500" rtl="0">
               <a:spcBef>
                 <a:spcPts val="0"/>
               </a:spcBef>
@@ -5645,7 +5760,7 @@
                 </a:solidFill>
               </a:defRPr>
             </a:lvl6pPr>
-            <a:lvl7pPr indent="-317500" lvl="6" marL="3200400" rtl="0">
+            <a:lvl7pPr marL="3200400" lvl="6" indent="-317500" rtl="0">
               <a:spcBef>
                 <a:spcPts val="0"/>
               </a:spcBef>
@@ -5663,7 +5778,7 @@
                 </a:solidFill>
               </a:defRPr>
             </a:lvl7pPr>
-            <a:lvl8pPr indent="-317500" lvl="7" marL="3657600" rtl="0">
+            <a:lvl8pPr marL="3657600" lvl="7" indent="-317500" rtl="0">
               <a:spcBef>
                 <a:spcPts val="0"/>
               </a:spcBef>
@@ -5681,7 +5796,7 @@
                 </a:solidFill>
               </a:defRPr>
             </a:lvl8pPr>
-            <a:lvl9pPr indent="-317500" lvl="8" marL="4114800" rtl="0">
+            <a:lvl9pPr marL="4114800" lvl="8" indent="-317500" rtl="0">
               <a:spcBef>
                 <a:spcPts val="0"/>
               </a:spcBef>
@@ -5700,15 +5815,19 @@
               </a:defRPr>
             </a:lvl9pPr>
           </a:lstStyle>
-          <a:p/>
+          <a:p>
+            <a:endParaRPr/>
+          </a:p>
         </p:txBody>
       </p:sp>
       <p:sp>
         <p:nvSpPr>
           <p:cNvPr id="51" name="Google Shape;51;p9"/>
-          <p:cNvSpPr txBox="1"/>
+          <p:cNvSpPr txBox="1">
+            <a:spLocks noGrp="1"/>
+          </p:cNvSpPr>
           <p:nvPr>
-            <p:ph idx="12" type="sldNum"/>
+            <p:ph type="sldNum" idx="12"/>
           </p:nvPr>
         </p:nvSpPr>
         <p:spPr>
@@ -5721,7 +5840,7 @@
           </a:prstGeom>
         </p:spPr>
         <p:txBody>
-          <a:bodyPr anchorCtr="0" anchor="ctr" bIns="91425" lIns="91425" spcFirstLastPara="1" rIns="91425" wrap="square" tIns="91425">
+          <a:bodyPr spcFirstLastPara="1" wrap="square" lIns="91425" tIns="91425" rIns="91425" bIns="91425" anchor="ctr" anchorCtr="0">
             <a:normAutofit/>
           </a:bodyPr>
           <a:lstStyle>
@@ -5799,7 +5918,7 @@
             </a:lvl9pPr>
           </a:lstStyle>
           <a:p>
-            <a:pPr indent="0" lvl="0" marL="0" rtl="0" algn="r">
+            <a:pPr marL="0" lvl="0" indent="0" algn="r" rtl="0">
               <a:spcBef>
                 <a:spcPts val="0"/>
               </a:spcBef>
@@ -5825,11 +5944,11 @@
 </file>
 
 <file path=ppt/slideLayouts/slideLayout9.xml><?xml version="1.0" encoding="utf-8"?>
-<p:sldLayout xmlns:a="http://schemas.openxmlformats.org/drawingml/2006/main" xmlns:r="http://schemas.openxmlformats.org/officeDocument/2006/relationships" xmlns:mc="http://schemas.openxmlformats.org/markup-compatibility/2006" xmlns:mv="urn:schemas-microsoft-com:mac:vml" xmlns:p="http://schemas.openxmlformats.org/presentationml/2006/main" xmlns:c="http://schemas.openxmlformats.org/drawingml/2006/chart" xmlns:dgm="http://schemas.openxmlformats.org/drawingml/2006/diagram" xmlns:o="urn:schemas-microsoft-com:office:office" xmlns:v="urn:schemas-microsoft-com:vml" xmlns:pvml="urn:schemas-microsoft-com:office:powerpoint" xmlns:com="http://schemas.openxmlformats.org/drawingml/2006/compatibility" xmlns:p14="http://schemas.microsoft.com/office/powerpoint/2010/main" xmlns:p15="http://schemas.microsoft.com/office/powerpoint/2012/main" xmlns:ahyp="http://schemas.microsoft.com/office/drawing/2018/hyperlinkcolor" matchingName="Caption">
+<p:sldLayout xmlns:a="http://schemas.openxmlformats.org/drawingml/2006/main" xmlns:r="http://schemas.openxmlformats.org/officeDocument/2006/relationships" xmlns:p="http://schemas.openxmlformats.org/presentationml/2006/main" matchingName="Caption">
   <p:cSld name="CAPTION_ONLY">
     <p:spTree>
       <p:nvGrpSpPr>
-        <p:cNvPr id="52" name="Shape 52"/>
+        <p:cNvPr id="1" name="Shape 52"/>
         <p:cNvGrpSpPr/>
         <p:nvPr/>
       </p:nvGrpSpPr>
@@ -5848,7 +5967,7 @@
           <p:nvPr/>
         </p:nvSpPr>
         <p:spPr>
-          <a:xfrm flipH="1" rot="10800000">
+          <a:xfrm rot="10800000" flipH="1">
             <a:off x="0" y="0"/>
             <a:ext cx="9144000" cy="4695900"/>
           </a:xfrm>
@@ -5863,23 +5982,20 @@
           </a:ln>
         </p:spPr>
         <p:txBody>
-          <a:bodyPr anchorCtr="0" anchor="ctr" bIns="91425" lIns="91425" spcFirstLastPara="1" rIns="91425" wrap="square" tIns="91425">
+          <a:bodyPr spcFirstLastPara="1" wrap="square" lIns="91425" tIns="91425" rIns="91425" bIns="91425" anchor="ctr" anchorCtr="0">
             <a:noAutofit/>
           </a:bodyPr>
           <a:lstStyle/>
           <a:p>
-            <a:pPr indent="0" lvl="0" marL="0" rtl="0" algn="l">
-              <a:spcBef>
-                <a:spcPts val="0"/>
-              </a:spcBef>
-              <a:spcAft>
-                <a:spcPts val="0"/>
-              </a:spcAft>
-              <a:buNone/>
-            </a:pPr>
-            <a:r>
-              <a:t/>
-            </a:r>
+            <a:pPr marL="0" lvl="0" indent="0" algn="l" rtl="0">
+              <a:spcBef>
+                <a:spcPts val="0"/>
+              </a:spcBef>
+              <a:spcAft>
+                <a:spcPts val="0"/>
+              </a:spcAft>
+              <a:buNone/>
+            </a:pPr>
             <a:endParaRPr/>
           </a:p>
         </p:txBody>
@@ -5891,7 +6007,7 @@
           <p:nvPr/>
         </p:nvSpPr>
         <p:spPr>
-          <a:xfrm flipH="1" rot="10800000">
+          <a:xfrm rot="10800000" flipH="1">
             <a:off x="0" y="4622725"/>
             <a:ext cx="9144000" cy="74100"/>
           </a:xfrm>
@@ -5920,23 +6036,20 @@
           </a:ln>
         </p:spPr>
         <p:txBody>
-          <a:bodyPr anchorCtr="0" anchor="ctr" bIns="91425" lIns="91425" spcFirstLastPara="1" rIns="91425" wrap="square" tIns="91425">
+          <a:bodyPr spcFirstLastPara="1" wrap="square" lIns="91425" tIns="91425" rIns="91425" bIns="91425" anchor="ctr" anchorCtr="0">
             <a:noAutofit/>
           </a:bodyPr>
           <a:lstStyle/>
           <a:p>
-            <a:pPr indent="0" lvl="0" marL="0" rtl="0" algn="l">
-              <a:spcBef>
-                <a:spcPts val="0"/>
-              </a:spcBef>
-              <a:spcAft>
-                <a:spcPts val="0"/>
-              </a:spcAft>
-              <a:buNone/>
-            </a:pPr>
-            <a:r>
-              <a:t/>
-            </a:r>
+            <a:pPr marL="0" lvl="0" indent="0" algn="l" rtl="0">
+              <a:spcBef>
+                <a:spcPts val="0"/>
+              </a:spcBef>
+              <a:spcAft>
+                <a:spcPts val="0"/>
+              </a:spcAft>
+              <a:buNone/>
+            </a:pPr>
             <a:endParaRPr/>
           </a:p>
         </p:txBody>
@@ -5944,9 +6057,11 @@
       <p:sp>
         <p:nvSpPr>
           <p:cNvPr id="55" name="Google Shape;55;p10"/>
-          <p:cNvSpPr txBox="1"/>
+          <p:cNvSpPr txBox="1">
+            <a:spLocks noGrp="1"/>
+          </p:cNvSpPr>
           <p:nvPr>
-            <p:ph idx="1" type="body"/>
+            <p:ph type="body" idx="1"/>
           </p:nvPr>
         </p:nvSpPr>
         <p:spPr>
@@ -5959,11 +6074,11 @@
           </a:prstGeom>
         </p:spPr>
         <p:txBody>
-          <a:bodyPr anchorCtr="0" anchor="ctr" bIns="91425" lIns="91425" spcFirstLastPara="1" rIns="91425" wrap="square" tIns="91425">
+          <a:bodyPr spcFirstLastPara="1" wrap="square" lIns="91425" tIns="91425" rIns="91425" bIns="91425" anchor="ctr" anchorCtr="0">
             <a:normAutofit/>
           </a:bodyPr>
           <a:lstStyle>
-            <a:lvl1pPr indent="-228600" lvl="0" marL="457200" rtl="0">
+            <a:lvl1pPr marL="457200" lvl="0" indent="-228600" rtl="0">
               <a:lnSpc>
                 <a:spcPct val="100000"/>
               </a:lnSpc>
@@ -5985,15 +6100,19 @@
               </a:defRPr>
             </a:lvl1pPr>
           </a:lstStyle>
-          <a:p/>
+          <a:p>
+            <a:endParaRPr/>
+          </a:p>
         </p:txBody>
       </p:sp>
       <p:sp>
         <p:nvSpPr>
           <p:cNvPr id="56" name="Google Shape;56;p10"/>
-          <p:cNvSpPr txBox="1"/>
+          <p:cNvSpPr txBox="1">
+            <a:spLocks noGrp="1"/>
+          </p:cNvSpPr>
           <p:nvPr>
-            <p:ph idx="12" type="sldNum"/>
+            <p:ph type="sldNum" idx="12"/>
           </p:nvPr>
         </p:nvSpPr>
         <p:spPr>
@@ -6006,7 +6125,7 @@
           </a:prstGeom>
         </p:spPr>
         <p:txBody>
-          <a:bodyPr anchorCtr="0" anchor="ctr" bIns="91425" lIns="91425" spcFirstLastPara="1" rIns="91425" wrap="square" tIns="91425">
+          <a:bodyPr spcFirstLastPara="1" wrap="square" lIns="91425" tIns="91425" rIns="91425" bIns="91425" anchor="ctr" anchorCtr="0">
             <a:normAutofit/>
           </a:bodyPr>
           <a:lstStyle>
@@ -6084,7 +6203,7 @@
             </a:lvl9pPr>
           </a:lstStyle>
           <a:p>
-            <a:pPr indent="0" lvl="0" marL="0" rtl="0" algn="r">
+            <a:pPr marL="0" lvl="0" indent="0" algn="r" rtl="0">
               <a:spcBef>
                 <a:spcPts val="0"/>
               </a:spcBef>
@@ -6110,18 +6229,19 @@
 </file>
 
 <file path=ppt/slideMasters/slideMaster1.xml><?xml version="1.0" encoding="utf-8"?>
-<p:sldMaster xmlns:a="http://schemas.openxmlformats.org/drawingml/2006/main" xmlns:r="http://schemas.openxmlformats.org/officeDocument/2006/relationships" xmlns:mc="http://schemas.openxmlformats.org/markup-compatibility/2006" xmlns:mv="urn:schemas-microsoft-com:mac:vml" xmlns:p="http://schemas.openxmlformats.org/presentationml/2006/main" xmlns:c="http://schemas.openxmlformats.org/drawingml/2006/chart" xmlns:dgm="http://schemas.openxmlformats.org/drawingml/2006/diagram" xmlns:o="urn:schemas-microsoft-com:office:office" xmlns:v="urn:schemas-microsoft-com:vml" xmlns:pvml="urn:schemas-microsoft-com:office:powerpoint" xmlns:com="http://schemas.openxmlformats.org/drawingml/2006/compatibility" xmlns:p14="http://schemas.microsoft.com/office/powerpoint/2010/main" xmlns:p15="http://schemas.microsoft.com/office/powerpoint/2012/main" xmlns:ahyp="http://schemas.microsoft.com/office/drawing/2018/hyperlinkcolor">
+<p:sldMaster xmlns:a="http://schemas.openxmlformats.org/drawingml/2006/main" xmlns:r="http://schemas.openxmlformats.org/officeDocument/2006/relationships" xmlns:p="http://schemas.openxmlformats.org/presentationml/2006/main">
   <p:cSld name="material">
     <p:bg>
       <p:bgPr>
         <a:solidFill>
           <a:schemeClr val="dk1"/>
         </a:solidFill>
+        <a:effectLst/>
       </p:bgPr>
     </p:bg>
     <p:spTree>
       <p:nvGrpSpPr>
-        <p:cNvPr id="5" name="Shape 5"/>
+        <p:cNvPr id="1" name="Shape 5"/>
         <p:cNvGrpSpPr/>
         <p:nvPr/>
       </p:nvGrpSpPr>
@@ -6136,7 +6256,9 @@
       <p:sp>
         <p:nvSpPr>
           <p:cNvPr id="6" name="Google Shape;6;p1"/>
-          <p:cNvSpPr txBox="1"/>
+          <p:cNvSpPr txBox="1">
+            <a:spLocks noGrp="1"/>
+          </p:cNvSpPr>
           <p:nvPr>
             <p:ph type="title"/>
           </p:nvPr>
@@ -6155,7 +6277,7 @@
           </a:ln>
         </p:spPr>
         <p:txBody>
-          <a:bodyPr anchorCtr="0" anchor="b" bIns="91425" lIns="91425" spcFirstLastPara="1" rIns="91425" wrap="square" tIns="91425">
+          <a:bodyPr spcFirstLastPara="1" wrap="square" lIns="91425" tIns="91425" rIns="91425" bIns="91425" anchor="b" anchorCtr="0">
             <a:normAutofit/>
           </a:bodyPr>
           <a:lstStyle>
@@ -6367,15 +6489,19 @@
               </a:defRPr>
             </a:lvl9pPr>
           </a:lstStyle>
-          <a:p/>
+          <a:p>
+            <a:endParaRPr/>
+          </a:p>
         </p:txBody>
       </p:sp>
       <p:sp>
         <p:nvSpPr>
           <p:cNvPr id="7" name="Google Shape;7;p1"/>
-          <p:cNvSpPr txBox="1"/>
+          <p:cNvSpPr txBox="1">
+            <a:spLocks noGrp="1"/>
+          </p:cNvSpPr>
           <p:nvPr>
-            <p:ph idx="1" type="body"/>
+            <p:ph type="body" idx="1"/>
           </p:nvPr>
         </p:nvSpPr>
         <p:spPr>
@@ -6392,11 +6518,11 @@
           </a:ln>
         </p:spPr>
         <p:txBody>
-          <a:bodyPr anchorCtr="0" anchor="t" bIns="91425" lIns="91425" spcFirstLastPara="1" rIns="91425" wrap="square" tIns="91425">
+          <a:bodyPr spcFirstLastPara="1" wrap="square" lIns="91425" tIns="91425" rIns="91425" bIns="91425" anchor="t" anchorCtr="0">
             <a:normAutofit/>
           </a:bodyPr>
           <a:lstStyle>
-            <a:lvl1pPr indent="-342900" lvl="0" marL="457200" rtl="0">
+            <a:lvl1pPr marL="457200" lvl="0" indent="-342900" rtl="0">
               <a:lnSpc>
                 <a:spcPct val="115000"/>
               </a:lnSpc>
@@ -6422,7 +6548,7 @@
                 <a:sym typeface="Roboto"/>
               </a:defRPr>
             </a:lvl1pPr>
-            <a:lvl2pPr indent="-317500" lvl="1" marL="914400" rtl="0">
+            <a:lvl2pPr marL="914400" lvl="1" indent="-317500" rtl="0">
               <a:lnSpc>
                 <a:spcPct val="115000"/>
               </a:lnSpc>
@@ -6448,7 +6574,7 @@
                 <a:sym typeface="Roboto"/>
               </a:defRPr>
             </a:lvl2pPr>
-            <a:lvl3pPr indent="-317500" lvl="2" marL="1371600" rtl="0">
+            <a:lvl3pPr marL="1371600" lvl="2" indent="-317500" rtl="0">
               <a:lnSpc>
                 <a:spcPct val="115000"/>
               </a:lnSpc>
@@ -6474,7 +6600,7 @@
                 <a:sym typeface="Roboto"/>
               </a:defRPr>
             </a:lvl3pPr>
-            <a:lvl4pPr indent="-317500" lvl="3" marL="1828800" rtl="0">
+            <a:lvl4pPr marL="1828800" lvl="3" indent="-317500" rtl="0">
               <a:lnSpc>
                 <a:spcPct val="115000"/>
               </a:lnSpc>
@@ -6500,7 +6626,7 @@
                 <a:sym typeface="Roboto"/>
               </a:defRPr>
             </a:lvl4pPr>
-            <a:lvl5pPr indent="-317500" lvl="4" marL="2286000" rtl="0">
+            <a:lvl5pPr marL="2286000" lvl="4" indent="-317500" rtl="0">
               <a:lnSpc>
                 <a:spcPct val="115000"/>
               </a:lnSpc>
@@ -6526,7 +6652,7 @@
                 <a:sym typeface="Roboto"/>
               </a:defRPr>
             </a:lvl5pPr>
-            <a:lvl6pPr indent="-317500" lvl="5" marL="2743200" rtl="0">
+            <a:lvl6pPr marL="2743200" lvl="5" indent="-317500" rtl="0">
               <a:lnSpc>
                 <a:spcPct val="115000"/>
               </a:lnSpc>
@@ -6552,7 +6678,7 @@
                 <a:sym typeface="Roboto"/>
               </a:defRPr>
             </a:lvl6pPr>
-            <a:lvl7pPr indent="-317500" lvl="6" marL="3200400" rtl="0">
+            <a:lvl7pPr marL="3200400" lvl="6" indent="-317500" rtl="0">
               <a:lnSpc>
                 <a:spcPct val="115000"/>
               </a:lnSpc>
@@ -6578,7 +6704,7 @@
                 <a:sym typeface="Roboto"/>
               </a:defRPr>
             </a:lvl7pPr>
-            <a:lvl8pPr indent="-317500" lvl="7" marL="3657600" rtl="0">
+            <a:lvl8pPr marL="3657600" lvl="7" indent="-317500" rtl="0">
               <a:lnSpc>
                 <a:spcPct val="115000"/>
               </a:lnSpc>
@@ -6604,7 +6730,7 @@
                 <a:sym typeface="Roboto"/>
               </a:defRPr>
             </a:lvl8pPr>
-            <a:lvl9pPr indent="-317500" lvl="8" marL="4114800" rtl="0">
+            <a:lvl9pPr marL="4114800" lvl="8" indent="-317500" rtl="0">
               <a:lnSpc>
                 <a:spcPct val="115000"/>
               </a:lnSpc>
@@ -6631,15 +6757,19 @@
               </a:defRPr>
             </a:lvl9pPr>
           </a:lstStyle>
-          <a:p/>
+          <a:p>
+            <a:endParaRPr/>
+          </a:p>
         </p:txBody>
       </p:sp>
       <p:sp>
         <p:nvSpPr>
           <p:cNvPr id="8" name="Google Shape;8;p1"/>
-          <p:cNvSpPr txBox="1"/>
+          <p:cNvSpPr txBox="1">
+            <a:spLocks noGrp="1"/>
+          </p:cNvSpPr>
           <p:nvPr>
-            <p:ph idx="12" type="sldNum"/>
+            <p:ph type="sldNum" idx="12"/>
           </p:nvPr>
         </p:nvSpPr>
         <p:spPr>
@@ -6656,11 +6786,11 @@
           </a:ln>
         </p:spPr>
         <p:txBody>
-          <a:bodyPr anchorCtr="0" anchor="ctr" bIns="91425" lIns="91425" spcFirstLastPara="1" rIns="91425" wrap="square" tIns="91425">
+          <a:bodyPr spcFirstLastPara="1" wrap="square" lIns="91425" tIns="91425" rIns="91425" bIns="91425" anchor="ctr" anchorCtr="0">
             <a:normAutofit/>
           </a:bodyPr>
           <a:lstStyle>
-            <a:lvl1pPr lvl="0" rtl="0" algn="r">
+            <a:lvl1pPr lvl="0" algn="r" rtl="0">
               <a:buNone/>
               <a:defRPr sz="1000">
                 <a:solidFill>
@@ -6672,7 +6802,7 @@
                 <a:sym typeface="Roboto"/>
               </a:defRPr>
             </a:lvl1pPr>
-            <a:lvl2pPr lvl="1" rtl="0" algn="r">
+            <a:lvl2pPr lvl="1" algn="r" rtl="0">
               <a:buNone/>
               <a:defRPr sz="1000">
                 <a:solidFill>
@@ -6684,7 +6814,7 @@
                 <a:sym typeface="Roboto"/>
               </a:defRPr>
             </a:lvl2pPr>
-            <a:lvl3pPr lvl="2" rtl="0" algn="r">
+            <a:lvl3pPr lvl="2" algn="r" rtl="0">
               <a:buNone/>
               <a:defRPr sz="1000">
                 <a:solidFill>
@@ -6696,7 +6826,7 @@
                 <a:sym typeface="Roboto"/>
               </a:defRPr>
             </a:lvl3pPr>
-            <a:lvl4pPr lvl="3" rtl="0" algn="r">
+            <a:lvl4pPr lvl="3" algn="r" rtl="0">
               <a:buNone/>
               <a:defRPr sz="1000">
                 <a:solidFill>
@@ -6708,7 +6838,7 @@
                 <a:sym typeface="Roboto"/>
               </a:defRPr>
             </a:lvl4pPr>
-            <a:lvl5pPr lvl="4" rtl="0" algn="r">
+            <a:lvl5pPr lvl="4" algn="r" rtl="0">
               <a:buNone/>
               <a:defRPr sz="1000">
                 <a:solidFill>
@@ -6720,7 +6850,7 @@
                 <a:sym typeface="Roboto"/>
               </a:defRPr>
             </a:lvl5pPr>
-            <a:lvl6pPr lvl="5" rtl="0" algn="r">
+            <a:lvl6pPr lvl="5" algn="r" rtl="0">
               <a:buNone/>
               <a:defRPr sz="1000">
                 <a:solidFill>
@@ -6732,7 +6862,7 @@
                 <a:sym typeface="Roboto"/>
               </a:defRPr>
             </a:lvl6pPr>
-            <a:lvl7pPr lvl="6" rtl="0" algn="r">
+            <a:lvl7pPr lvl="6" algn="r" rtl="0">
               <a:buNone/>
               <a:defRPr sz="1000">
                 <a:solidFill>
@@ -6744,7 +6874,7 @@
                 <a:sym typeface="Roboto"/>
               </a:defRPr>
             </a:lvl7pPr>
-            <a:lvl8pPr lvl="7" rtl="0" algn="r">
+            <a:lvl8pPr lvl="7" algn="r" rtl="0">
               <a:buNone/>
               <a:defRPr sz="1000">
                 <a:solidFill>
@@ -6756,7 +6886,7 @@
                 <a:sym typeface="Roboto"/>
               </a:defRPr>
             </a:lvl8pPr>
-            <a:lvl9pPr lvl="8" rtl="0" algn="r">
+            <a:lvl9pPr lvl="8" algn="r" rtl="0">
               <a:buNone/>
               <a:defRPr sz="1000">
                 <a:solidFill>
@@ -6770,7 +6900,7 @@
             </a:lvl9pPr>
           </a:lstStyle>
           <a:p>
-            <a:pPr indent="0" lvl="0" marL="0" rtl="0" algn="r">
+            <a:pPr marL="0" lvl="0" indent="0" algn="r" rtl="0">
               <a:spcBef>
                 <a:spcPts val="0"/>
               </a:spcBef>
@@ -6789,7 +6919,7 @@
       </p:sp>
     </p:spTree>
   </p:cSld>
-  <p:clrMap accent1="accent1" accent2="accent2" accent3="accent3" accent4="accent4" accent5="accent5" accent6="accent6" bg1="lt1" bg2="dk2" tx1="dk1" tx2="lt2" folHlink="folHlink" hlink="hlink"/>
+  <p:clrMap bg1="lt1" tx1="dk1" bg2="dk2" tx2="lt2" accent1="accent1" accent2="accent2" accent3="accent3" accent4="accent4" accent5="accent5" accent6="accent6" hlink="hlink" folHlink="folHlink"/>
   <p:sldLayoutIdLst>
     <p:sldLayoutId id="2147483648" r:id="rId1"/>
     <p:sldLayoutId id="2147483649" r:id="rId2"/>
@@ -6803,10 +6933,10 @@
     <p:sldLayoutId id="2147483657" r:id="rId10"/>
     <p:sldLayoutId id="2147483658" r:id="rId11"/>
   </p:sldLayoutIdLst>
-  <p:hf dt="0" ftr="0" hdr="0" sldNum="0"/>
+  <p:hf sldNum="0" hdr="0" ftr="0" dt="0"/>
   <p:txStyles>
     <p:titleStyle>
-      <a:defPPr lvl="0" marR="0" rtl="0" algn="l">
+      <a:defPPr marR="0" lvl="0" algn="l" rtl="0">
         <a:lnSpc>
           <a:spcPct val="100000"/>
         </a:lnSpc>
@@ -6817,7 +6947,7 @@
           <a:spcPts val="0"/>
         </a:spcAft>
       </a:defPPr>
-      <a:lvl1pPr lvl="0" marR="0" rtl="0" algn="l">
+      <a:lvl1pPr marR="0" lvl="0" algn="l" rtl="0">
         <a:lnSpc>
           <a:spcPct val="100000"/>
         </a:lnSpc>
@@ -6831,7 +6961,7 @@
           <a:srgbClr val="000000"/>
         </a:buClr>
         <a:buFont typeface="Arial"/>
-        <a:defRPr b="0" i="0" sz="1400" u="none" cap="none" strike="noStrike">
+        <a:defRPr sz="1400" b="0" i="0" u="none" strike="noStrike" cap="none">
           <a:solidFill>
             <a:srgbClr val="000000"/>
           </a:solidFill>
@@ -6841,7 +6971,7 @@
           <a:sym typeface="Arial"/>
         </a:defRPr>
       </a:lvl1pPr>
-      <a:lvl2pPr lvl="1" marR="0" rtl="0" algn="l">
+      <a:lvl2pPr marR="0" lvl="1" algn="l" rtl="0">
         <a:lnSpc>
           <a:spcPct val="100000"/>
         </a:lnSpc>
@@ -6855,7 +6985,7 @@
           <a:srgbClr val="000000"/>
         </a:buClr>
         <a:buFont typeface="Arial"/>
-        <a:defRPr b="0" i="0" sz="1400" u="none" cap="none" strike="noStrike">
+        <a:defRPr sz="1400" b="0" i="0" u="none" strike="noStrike" cap="none">
           <a:solidFill>
             <a:srgbClr val="000000"/>
           </a:solidFill>
@@ -6865,7 +6995,7 @@
           <a:sym typeface="Arial"/>
         </a:defRPr>
       </a:lvl2pPr>
-      <a:lvl3pPr lvl="2" marR="0" rtl="0" algn="l">
+      <a:lvl3pPr marR="0" lvl="2" algn="l" rtl="0">
         <a:lnSpc>
           <a:spcPct val="100000"/>
         </a:lnSpc>
@@ -6879,7 +7009,7 @@
           <a:srgbClr val="000000"/>
         </a:buClr>
         <a:buFont typeface="Arial"/>
-        <a:defRPr b="0" i="0" sz="1400" u="none" cap="none" strike="noStrike">
+        <a:defRPr sz="1400" b="0" i="0" u="none" strike="noStrike" cap="none">
           <a:solidFill>
             <a:srgbClr val="000000"/>
           </a:solidFill>
@@ -6889,7 +7019,7 @@
           <a:sym typeface="Arial"/>
         </a:defRPr>
       </a:lvl3pPr>
-      <a:lvl4pPr lvl="3" marR="0" rtl="0" algn="l">
+      <a:lvl4pPr marR="0" lvl="3" algn="l" rtl="0">
         <a:lnSpc>
           <a:spcPct val="100000"/>
         </a:lnSpc>
@@ -6903,7 +7033,7 @@
           <a:srgbClr val="000000"/>
         </a:buClr>
         <a:buFont typeface="Arial"/>
-        <a:defRPr b="0" i="0" sz="1400" u="none" cap="none" strike="noStrike">
+        <a:defRPr sz="1400" b="0" i="0" u="none" strike="noStrike" cap="none">
           <a:solidFill>
             <a:srgbClr val="000000"/>
           </a:solidFill>
@@ -6913,7 +7043,7 @@
           <a:sym typeface="Arial"/>
         </a:defRPr>
       </a:lvl4pPr>
-      <a:lvl5pPr lvl="4" marR="0" rtl="0" algn="l">
+      <a:lvl5pPr marR="0" lvl="4" algn="l" rtl="0">
         <a:lnSpc>
           <a:spcPct val="100000"/>
         </a:lnSpc>
@@ -6927,7 +7057,7 @@
           <a:srgbClr val="000000"/>
         </a:buClr>
         <a:buFont typeface="Arial"/>
-        <a:defRPr b="0" i="0" sz="1400" u="none" cap="none" strike="noStrike">
+        <a:defRPr sz="1400" b="0" i="0" u="none" strike="noStrike" cap="none">
           <a:solidFill>
             <a:srgbClr val="000000"/>
           </a:solidFill>
@@ -6937,7 +7067,7 @@
           <a:sym typeface="Arial"/>
         </a:defRPr>
       </a:lvl5pPr>
-      <a:lvl6pPr lvl="5" marR="0" rtl="0" algn="l">
+      <a:lvl6pPr marR="0" lvl="5" algn="l" rtl="0">
         <a:lnSpc>
           <a:spcPct val="100000"/>
         </a:lnSpc>
@@ -6951,7 +7081,7 @@
           <a:srgbClr val="000000"/>
         </a:buClr>
         <a:buFont typeface="Arial"/>
-        <a:defRPr b="0" i="0" sz="1400" u="none" cap="none" strike="noStrike">
+        <a:defRPr sz="1400" b="0" i="0" u="none" strike="noStrike" cap="none">
           <a:solidFill>
             <a:srgbClr val="000000"/>
           </a:solidFill>
@@ -6961,7 +7091,7 @@
           <a:sym typeface="Arial"/>
         </a:defRPr>
       </a:lvl6pPr>
-      <a:lvl7pPr lvl="6" marR="0" rtl="0" algn="l">
+      <a:lvl7pPr marR="0" lvl="6" algn="l" rtl="0">
         <a:lnSpc>
           <a:spcPct val="100000"/>
         </a:lnSpc>
@@ -6975,7 +7105,7 @@
           <a:srgbClr val="000000"/>
         </a:buClr>
         <a:buFont typeface="Arial"/>
-        <a:defRPr b="0" i="0" sz="1400" u="none" cap="none" strike="noStrike">
+        <a:defRPr sz="1400" b="0" i="0" u="none" strike="noStrike" cap="none">
           <a:solidFill>
             <a:srgbClr val="000000"/>
           </a:solidFill>
@@ -6985,7 +7115,7 @@
           <a:sym typeface="Arial"/>
         </a:defRPr>
       </a:lvl7pPr>
-      <a:lvl8pPr lvl="7" marR="0" rtl="0" algn="l">
+      <a:lvl8pPr marR="0" lvl="7" algn="l" rtl="0">
         <a:lnSpc>
           <a:spcPct val="100000"/>
         </a:lnSpc>
@@ -6999,7 +7129,7 @@
           <a:srgbClr val="000000"/>
         </a:buClr>
         <a:buFont typeface="Arial"/>
-        <a:defRPr b="0" i="0" sz="1400" u="none" cap="none" strike="noStrike">
+        <a:defRPr sz="1400" b="0" i="0" u="none" strike="noStrike" cap="none">
           <a:solidFill>
             <a:srgbClr val="000000"/>
           </a:solidFill>
@@ -7009,7 +7139,7 @@
           <a:sym typeface="Arial"/>
         </a:defRPr>
       </a:lvl8pPr>
-      <a:lvl9pPr lvl="8" marR="0" rtl="0" algn="l">
+      <a:lvl9pPr marR="0" lvl="8" algn="l" rtl="0">
         <a:lnSpc>
           <a:spcPct val="100000"/>
         </a:lnSpc>
@@ -7023,7 +7153,7 @@
           <a:srgbClr val="000000"/>
         </a:buClr>
         <a:buFont typeface="Arial"/>
-        <a:defRPr b="0" i="0" sz="1400" u="none" cap="none" strike="noStrike">
+        <a:defRPr sz="1400" b="0" i="0" u="none" strike="noStrike" cap="none">
           <a:solidFill>
             <a:srgbClr val="000000"/>
           </a:solidFill>
@@ -7035,7 +7165,7 @@
       </a:lvl9pPr>
     </p:titleStyle>
     <p:bodyStyle>
-      <a:defPPr lvl="0" marR="0" rtl="0" algn="l">
+      <a:defPPr marR="0" lvl="0" algn="l" rtl="0">
         <a:lnSpc>
           <a:spcPct val="100000"/>
         </a:lnSpc>
@@ -7046,7 +7176,7 @@
           <a:spcPts val="0"/>
         </a:spcAft>
       </a:defPPr>
-      <a:lvl1pPr lvl="0" marR="0" rtl="0" algn="l">
+      <a:lvl1pPr marR="0" lvl="0" algn="l" rtl="0">
         <a:lnSpc>
           <a:spcPct val="100000"/>
         </a:lnSpc>
@@ -7060,7 +7190,7 @@
           <a:srgbClr val="000000"/>
         </a:buClr>
         <a:buFont typeface="Arial"/>
-        <a:defRPr b="0" i="0" sz="1400" u="none" cap="none" strike="noStrike">
+        <a:defRPr sz="1400" b="0" i="0" u="none" strike="noStrike" cap="none">
           <a:solidFill>
             <a:srgbClr val="000000"/>
           </a:solidFill>
@@ -7070,7 +7200,7 @@
           <a:sym typeface="Arial"/>
         </a:defRPr>
       </a:lvl1pPr>
-      <a:lvl2pPr lvl="1" marR="0" rtl="0" algn="l">
+      <a:lvl2pPr marR="0" lvl="1" algn="l" rtl="0">
         <a:lnSpc>
           <a:spcPct val="100000"/>
         </a:lnSpc>
@@ -7084,7 +7214,7 @@
           <a:srgbClr val="000000"/>
         </a:buClr>
         <a:buFont typeface="Arial"/>
-        <a:defRPr b="0" i="0" sz="1400" u="none" cap="none" strike="noStrike">
+        <a:defRPr sz="1400" b="0" i="0" u="none" strike="noStrike" cap="none">
           <a:solidFill>
             <a:srgbClr val="000000"/>
           </a:solidFill>
@@ -7094,7 +7224,7 @@
           <a:sym typeface="Arial"/>
         </a:defRPr>
       </a:lvl2pPr>
-      <a:lvl3pPr lvl="2" marR="0" rtl="0" algn="l">
+      <a:lvl3pPr marR="0" lvl="2" algn="l" rtl="0">
         <a:lnSpc>
           <a:spcPct val="100000"/>
         </a:lnSpc>
@@ -7108,7 +7238,7 @@
           <a:srgbClr val="000000"/>
         </a:buClr>
         <a:buFont typeface="Arial"/>
-        <a:defRPr b="0" i="0" sz="1400" u="none" cap="none" strike="noStrike">
+        <a:defRPr sz="1400" b="0" i="0" u="none" strike="noStrike" cap="none">
           <a:solidFill>
             <a:srgbClr val="000000"/>
           </a:solidFill>
@@ -7118,7 +7248,7 @@
           <a:sym typeface="Arial"/>
         </a:defRPr>
       </a:lvl3pPr>
-      <a:lvl4pPr lvl="3" marR="0" rtl="0" algn="l">
+      <a:lvl4pPr marR="0" lvl="3" algn="l" rtl="0">
         <a:lnSpc>
           <a:spcPct val="100000"/>
         </a:lnSpc>
@@ -7132,7 +7262,7 @@
           <a:srgbClr val="000000"/>
         </a:buClr>
         <a:buFont typeface="Arial"/>
-        <a:defRPr b="0" i="0" sz="1400" u="none" cap="none" strike="noStrike">
+        <a:defRPr sz="1400" b="0" i="0" u="none" strike="noStrike" cap="none">
           <a:solidFill>
             <a:srgbClr val="000000"/>
           </a:solidFill>
@@ -7142,7 +7272,7 @@
           <a:sym typeface="Arial"/>
         </a:defRPr>
       </a:lvl4pPr>
-      <a:lvl5pPr lvl="4" marR="0" rtl="0" algn="l">
+      <a:lvl5pPr marR="0" lvl="4" algn="l" rtl="0">
         <a:lnSpc>
           <a:spcPct val="100000"/>
         </a:lnSpc>
@@ -7156,7 +7286,7 @@
           <a:srgbClr val="000000"/>
         </a:buClr>
         <a:buFont typeface="Arial"/>
-        <a:defRPr b="0" i="0" sz="1400" u="none" cap="none" strike="noStrike">
+        <a:defRPr sz="1400" b="0" i="0" u="none" strike="noStrike" cap="none">
           <a:solidFill>
             <a:srgbClr val="000000"/>
           </a:solidFill>
@@ -7166,7 +7296,7 @@
           <a:sym typeface="Arial"/>
         </a:defRPr>
       </a:lvl5pPr>
-      <a:lvl6pPr lvl="5" marR="0" rtl="0" algn="l">
+      <a:lvl6pPr marR="0" lvl="5" algn="l" rtl="0">
         <a:lnSpc>
           <a:spcPct val="100000"/>
         </a:lnSpc>
@@ -7180,7 +7310,7 @@
           <a:srgbClr val="000000"/>
         </a:buClr>
         <a:buFont typeface="Arial"/>
-        <a:defRPr b="0" i="0" sz="1400" u="none" cap="none" strike="noStrike">
+        <a:defRPr sz="1400" b="0" i="0" u="none" strike="noStrike" cap="none">
           <a:solidFill>
             <a:srgbClr val="000000"/>
           </a:solidFill>
@@ -7190,7 +7320,7 @@
           <a:sym typeface="Arial"/>
         </a:defRPr>
       </a:lvl6pPr>
-      <a:lvl7pPr lvl="6" marR="0" rtl="0" algn="l">
+      <a:lvl7pPr marR="0" lvl="6" algn="l" rtl="0">
         <a:lnSpc>
           <a:spcPct val="100000"/>
         </a:lnSpc>
@@ -7204,7 +7334,7 @@
           <a:srgbClr val="000000"/>
         </a:buClr>
         <a:buFont typeface="Arial"/>
-        <a:defRPr b="0" i="0" sz="1400" u="none" cap="none" strike="noStrike">
+        <a:defRPr sz="1400" b="0" i="0" u="none" strike="noStrike" cap="none">
           <a:solidFill>
             <a:srgbClr val="000000"/>
           </a:solidFill>
@@ -7214,7 +7344,7 @@
           <a:sym typeface="Arial"/>
         </a:defRPr>
       </a:lvl7pPr>
-      <a:lvl8pPr lvl="7" marR="0" rtl="0" algn="l">
+      <a:lvl8pPr marR="0" lvl="7" algn="l" rtl="0">
         <a:lnSpc>
           <a:spcPct val="100000"/>
         </a:lnSpc>
@@ -7228,7 +7358,7 @@
           <a:srgbClr val="000000"/>
         </a:buClr>
         <a:buFont typeface="Arial"/>
-        <a:defRPr b="0" i="0" sz="1400" u="none" cap="none" strike="noStrike">
+        <a:defRPr sz="1400" b="0" i="0" u="none" strike="noStrike" cap="none">
           <a:solidFill>
             <a:srgbClr val="000000"/>
           </a:solidFill>
@@ -7238,7 +7368,7 @@
           <a:sym typeface="Arial"/>
         </a:defRPr>
       </a:lvl8pPr>
-      <a:lvl9pPr lvl="8" marR="0" rtl="0" algn="l">
+      <a:lvl9pPr marR="0" lvl="8" algn="l" rtl="0">
         <a:lnSpc>
           <a:spcPct val="100000"/>
         </a:lnSpc>
@@ -7252,7 +7382,7 @@
           <a:srgbClr val="000000"/>
         </a:buClr>
         <a:buFont typeface="Arial"/>
-        <a:defRPr b="0" i="0" sz="1400" u="none" cap="none" strike="noStrike">
+        <a:defRPr sz="1400" b="0" i="0" u="none" strike="noStrike" cap="none">
           <a:solidFill>
             <a:srgbClr val="000000"/>
           </a:solidFill>
@@ -7264,7 +7394,7 @@
       </a:lvl9pPr>
     </p:bodyStyle>
     <p:otherStyle>
-      <a:defPPr lvl="0" marR="0" rtl="0" algn="l">
+      <a:defPPr marR="0" lvl="0" algn="l" rtl="0">
         <a:lnSpc>
           <a:spcPct val="100000"/>
         </a:lnSpc>
@@ -7275,7 +7405,7 @@
           <a:spcPts val="0"/>
         </a:spcAft>
       </a:defPPr>
-      <a:lvl1pPr lvl="0" marR="0" rtl="0" algn="l">
+      <a:lvl1pPr marR="0" lvl="0" algn="l" rtl="0">
         <a:lnSpc>
           <a:spcPct val="100000"/>
         </a:lnSpc>
@@ -7289,7 +7419,7 @@
           <a:srgbClr val="000000"/>
         </a:buClr>
         <a:buFont typeface="Arial"/>
-        <a:defRPr b="0" i="0" sz="1400" u="none" cap="none" strike="noStrike">
+        <a:defRPr sz="1400" b="0" i="0" u="none" strike="noStrike" cap="none">
           <a:solidFill>
             <a:srgbClr val="000000"/>
           </a:solidFill>
@@ -7299,7 +7429,7 @@
           <a:sym typeface="Arial"/>
         </a:defRPr>
       </a:lvl1pPr>
-      <a:lvl2pPr lvl="1" marR="0" rtl="0" algn="l">
+      <a:lvl2pPr marR="0" lvl="1" algn="l" rtl="0">
         <a:lnSpc>
           <a:spcPct val="100000"/>
         </a:lnSpc>
@@ -7313,7 +7443,7 @@
           <a:srgbClr val="000000"/>
         </a:buClr>
         <a:buFont typeface="Arial"/>
-        <a:defRPr b="0" i="0" sz="1400" u="none" cap="none" strike="noStrike">
+        <a:defRPr sz="1400" b="0" i="0" u="none" strike="noStrike" cap="none">
           <a:solidFill>
             <a:srgbClr val="000000"/>
           </a:solidFill>
@@ -7323,7 +7453,7 @@
           <a:sym typeface="Arial"/>
         </a:defRPr>
       </a:lvl2pPr>
-      <a:lvl3pPr lvl="2" marR="0" rtl="0" algn="l">
+      <a:lvl3pPr marR="0" lvl="2" algn="l" rtl="0">
         <a:lnSpc>
           <a:spcPct val="100000"/>
         </a:lnSpc>
@@ -7337,7 +7467,7 @@
           <a:srgbClr val="000000"/>
         </a:buClr>
         <a:buFont typeface="Arial"/>
-        <a:defRPr b="0" i="0" sz="1400" u="none" cap="none" strike="noStrike">
+        <a:defRPr sz="1400" b="0" i="0" u="none" strike="noStrike" cap="none">
           <a:solidFill>
             <a:srgbClr val="000000"/>
           </a:solidFill>
@@ -7347,7 +7477,7 @@
           <a:sym typeface="Arial"/>
         </a:defRPr>
       </a:lvl3pPr>
-      <a:lvl4pPr lvl="3" marR="0" rtl="0" algn="l">
+      <a:lvl4pPr marR="0" lvl="3" algn="l" rtl="0">
         <a:lnSpc>
           <a:spcPct val="100000"/>
         </a:lnSpc>
@@ -7361,7 +7491,7 @@
           <a:srgbClr val="000000"/>
         </a:buClr>
         <a:buFont typeface="Arial"/>
-        <a:defRPr b="0" i="0" sz="1400" u="none" cap="none" strike="noStrike">
+        <a:defRPr sz="1400" b="0" i="0" u="none" strike="noStrike" cap="none">
           <a:solidFill>
             <a:srgbClr val="000000"/>
           </a:solidFill>
@@ -7371,7 +7501,7 @@
           <a:sym typeface="Arial"/>
         </a:defRPr>
       </a:lvl4pPr>
-      <a:lvl5pPr lvl="4" marR="0" rtl="0" algn="l">
+      <a:lvl5pPr marR="0" lvl="4" algn="l" rtl="0">
         <a:lnSpc>
           <a:spcPct val="100000"/>
         </a:lnSpc>
@@ -7385,7 +7515,7 @@
           <a:srgbClr val="000000"/>
         </a:buClr>
         <a:buFont typeface="Arial"/>
-        <a:defRPr b="0" i="0" sz="1400" u="none" cap="none" strike="noStrike">
+        <a:defRPr sz="1400" b="0" i="0" u="none" strike="noStrike" cap="none">
           <a:solidFill>
             <a:srgbClr val="000000"/>
           </a:solidFill>
@@ -7395,7 +7525,7 @@
           <a:sym typeface="Arial"/>
         </a:defRPr>
       </a:lvl5pPr>
-      <a:lvl6pPr lvl="5" marR="0" rtl="0" algn="l">
+      <a:lvl6pPr marR="0" lvl="5" algn="l" rtl="0">
         <a:lnSpc>
           <a:spcPct val="100000"/>
         </a:lnSpc>
@@ -7409,7 +7539,7 @@
           <a:srgbClr val="000000"/>
         </a:buClr>
         <a:buFont typeface="Arial"/>
-        <a:defRPr b="0" i="0" sz="1400" u="none" cap="none" strike="noStrike">
+        <a:defRPr sz="1400" b="0" i="0" u="none" strike="noStrike" cap="none">
           <a:solidFill>
             <a:srgbClr val="000000"/>
           </a:solidFill>
@@ -7419,7 +7549,7 @@
           <a:sym typeface="Arial"/>
         </a:defRPr>
       </a:lvl6pPr>
-      <a:lvl7pPr lvl="6" marR="0" rtl="0" algn="l">
+      <a:lvl7pPr marR="0" lvl="6" algn="l" rtl="0">
         <a:lnSpc>
           <a:spcPct val="100000"/>
         </a:lnSpc>
@@ -7433,7 +7563,7 @@
           <a:srgbClr val="000000"/>
         </a:buClr>
         <a:buFont typeface="Arial"/>
-        <a:defRPr b="0" i="0" sz="1400" u="none" cap="none" strike="noStrike">
+        <a:defRPr sz="1400" b="0" i="0" u="none" strike="noStrike" cap="none">
           <a:solidFill>
             <a:srgbClr val="000000"/>
           </a:solidFill>
@@ -7443,7 +7573,7 @@
           <a:sym typeface="Arial"/>
         </a:defRPr>
       </a:lvl7pPr>
-      <a:lvl8pPr lvl="7" marR="0" rtl="0" algn="l">
+      <a:lvl8pPr marR="0" lvl="7" algn="l" rtl="0">
         <a:lnSpc>
           <a:spcPct val="100000"/>
         </a:lnSpc>
@@ -7457,7 +7587,7 @@
           <a:srgbClr val="000000"/>
         </a:buClr>
         <a:buFont typeface="Arial"/>
-        <a:defRPr b="0" i="0" sz="1400" u="none" cap="none" strike="noStrike">
+        <a:defRPr sz="1400" b="0" i="0" u="none" strike="noStrike" cap="none">
           <a:solidFill>
             <a:srgbClr val="000000"/>
           </a:solidFill>
@@ -7467,7 +7597,7 @@
           <a:sym typeface="Arial"/>
         </a:defRPr>
       </a:lvl8pPr>
-      <a:lvl9pPr lvl="8" marR="0" rtl="0" algn="l">
+      <a:lvl9pPr marR="0" lvl="8" algn="l" rtl="0">
         <a:lnSpc>
           <a:spcPct val="100000"/>
         </a:lnSpc>
@@ -7481,7 +7611,7 @@
           <a:srgbClr val="000000"/>
         </a:buClr>
         <a:buFont typeface="Arial"/>
-        <a:defRPr b="0" i="0" sz="1400" u="none" cap="none" strike="noStrike">
+        <a:defRPr sz="1400" b="0" i="0" u="none" strike="noStrike" cap="none">
           <a:solidFill>
             <a:srgbClr val="000000"/>
           </a:solidFill>
@@ -7497,11 +7627,11 @@
 </file>
 
 <file path=ppt/slides/slide1.xml><?xml version="1.0" encoding="utf-8"?>
-<p:sld xmlns:a="http://schemas.openxmlformats.org/drawingml/2006/main" xmlns:r="http://schemas.openxmlformats.org/officeDocument/2006/relationships" xmlns:mc="http://schemas.openxmlformats.org/markup-compatibility/2006" xmlns:mv="urn:schemas-microsoft-com:mac:vml" xmlns:p="http://schemas.openxmlformats.org/presentationml/2006/main" xmlns:c="http://schemas.openxmlformats.org/drawingml/2006/chart" xmlns:dgm="http://schemas.openxmlformats.org/drawingml/2006/diagram" xmlns:o="urn:schemas-microsoft-com:office:office" xmlns:v="urn:schemas-microsoft-com:vml" xmlns:pvml="urn:schemas-microsoft-com:office:powerpoint" xmlns:com="http://schemas.openxmlformats.org/drawingml/2006/compatibility" xmlns:p14="http://schemas.microsoft.com/office/powerpoint/2010/main" xmlns:p15="http://schemas.microsoft.com/office/powerpoint/2012/main" xmlns:ahyp="http://schemas.microsoft.com/office/drawing/2018/hyperlinkcolor">
+<p:sld xmlns:a="http://schemas.openxmlformats.org/drawingml/2006/main" xmlns:r="http://schemas.openxmlformats.org/officeDocument/2006/relationships" xmlns:p="http://schemas.openxmlformats.org/presentationml/2006/main">
   <p:cSld>
     <p:spTree>
       <p:nvGrpSpPr>
-        <p:cNvPr id="66" name="Shape 66"/>
+        <p:cNvPr id="1" name="Shape 66"/>
         <p:cNvGrpSpPr/>
         <p:nvPr/>
       </p:nvGrpSpPr>
@@ -7516,7 +7646,9 @@
       <p:sp>
         <p:nvSpPr>
           <p:cNvPr id="67" name="Google Shape;67;p13"/>
-          <p:cNvSpPr txBox="1"/>
+          <p:cNvSpPr txBox="1">
+            <a:spLocks noGrp="1"/>
+          </p:cNvSpPr>
           <p:nvPr>
             <p:ph type="ctrTitle"/>
           </p:nvPr>
@@ -7531,12 +7663,12 @@
           </a:prstGeom>
         </p:spPr>
         <p:txBody>
-          <a:bodyPr anchorCtr="0" anchor="b" bIns="91425" lIns="91425" spcFirstLastPara="1" rIns="91425" wrap="square" tIns="91425">
+          <a:bodyPr spcFirstLastPara="1" wrap="square" lIns="91425" tIns="91425" rIns="91425" bIns="91425" anchor="b" anchorCtr="0">
             <a:normAutofit/>
           </a:bodyPr>
           <a:lstStyle/>
           <a:p>
-            <a:pPr indent="0" lvl="0" marL="0" rtl="0" algn="l">
+            <a:pPr marL="0" lvl="0" indent="0" algn="l" rtl="0">
               <a:spcBef>
                 <a:spcPts val="0"/>
               </a:spcBef>
@@ -7556,9 +7688,11 @@
       <p:sp>
         <p:nvSpPr>
           <p:cNvPr id="68" name="Google Shape;68;p13"/>
-          <p:cNvSpPr txBox="1"/>
+          <p:cNvSpPr txBox="1">
+            <a:spLocks noGrp="1"/>
+          </p:cNvSpPr>
           <p:nvPr>
-            <p:ph idx="1" type="subTitle"/>
+            <p:ph type="subTitle" idx="1"/>
           </p:nvPr>
         </p:nvSpPr>
         <p:spPr>
@@ -7571,12 +7705,12 @@
           </a:prstGeom>
         </p:spPr>
         <p:txBody>
-          <a:bodyPr anchorCtr="0" anchor="t" bIns="91425" lIns="91425" spcFirstLastPara="1" rIns="91425" wrap="square" tIns="91425">
-            <a:normAutofit/>
+          <a:bodyPr spcFirstLastPara="1" wrap="square" lIns="91425" tIns="91425" rIns="91425" bIns="91425" anchor="t" anchorCtr="0">
+            <a:normAutofit fontScale="92500" lnSpcReduction="10000"/>
           </a:bodyPr>
           <a:lstStyle/>
           <a:p>
-            <a:pPr indent="0" lvl="0" marL="0" rtl="0" algn="l">
+            <a:pPr marL="0" lvl="0" indent="0" algn="l" rtl="0">
               <a:spcBef>
                 <a:spcPts val="0"/>
               </a:spcBef>
@@ -7586,17 +7720,56 @@
               <a:buNone/>
             </a:pPr>
             <a:r>
-              <a:rPr lang="en"/>
-              <a:t>Purpose : To scrape data from a blog website using Selenium, a tool for automating web </a:t>
+              <a:rPr lang="en" dirty="0"/>
+              <a:t>Purpose : To scrape data from a blog website using Selenium, a tool for automating web browser</a:t>
+            </a:r>
+          </a:p>
+          <a:p>
+            <a:pPr marL="0" lvl="0" indent="0" algn="l" rtl="0">
+              <a:spcBef>
+                <a:spcPts val="0"/>
+              </a:spcBef>
+              <a:spcAft>
+                <a:spcPts val="0"/>
+              </a:spcAft>
+              <a:buNone/>
+            </a:pPr>
+            <a:endParaRPr lang="en" dirty="0"/>
+          </a:p>
+          <a:p>
+            <a:pPr marL="0" lvl="0" indent="0" algn="l" rtl="0">
+              <a:spcBef>
+                <a:spcPts val="0"/>
+              </a:spcBef>
+              <a:spcAft>
+                <a:spcPts val="0"/>
+              </a:spcAft>
+              <a:buNone/>
+            </a:pPr>
+            <a:r>
+              <a:rPr lang="en-IN" dirty="0"/>
+              <a:t>Team Name : </a:t>
             </a:r>
             <a:r>
-              <a:rPr lang="en"/>
-              <a:t>browser</a:t>
+              <a:rPr lang="en-IN" sz="2400" b="0" i="0" dirty="0" err="1">
+                <a:solidFill>
+                  <a:schemeClr val="bg1"/>
+                </a:solidFill>
+                <a:effectLst/>
+                <a:latin typeface="Inter"/>
+              </a:rPr>
+              <a:t>impokoloco</a:t>
             </a:r>
-            <a:endParaRPr/>
-          </a:p>
-          <a:p>
-            <a:pPr indent="0" lvl="0" marL="0" rtl="0" algn="l">
+            <a:endParaRPr lang="en-IN" sz="2400" b="0" i="0" dirty="0">
+              <a:solidFill>
+                <a:schemeClr val="bg1"/>
+              </a:solidFill>
+              <a:effectLst/>
+              <a:latin typeface="Inter"/>
+            </a:endParaRPr>
+          </a:p>
+          <a:p>
+            <a:pPr marL="0" lvl="0" indent="0" algn="l" rtl="0">
               <a:spcBef>
                 <a:spcPts val="0"/>
               </a:spcBef>
@@ -7606,27 +7779,53 @@
               <a:buNone/>
             </a:pPr>
             <a:r>
-              <a:t/>
+              <a:rPr lang="en-IN" dirty="0">
+                <a:solidFill>
+                  <a:schemeClr val="bg1"/>
+                </a:solidFill>
+              </a:rPr>
+              <a:t>College Name: Indian Institute of Technology </a:t>
             </a:r>
-            <a:endParaRPr/>
-          </a:p>
-          <a:p>
-            <a:pPr indent="0" lvl="0" marL="0" rtl="0" algn="l">
-              <a:spcBef>
-                <a:spcPts val="0"/>
-              </a:spcBef>
-              <a:spcAft>
-                <a:spcPts val="0"/>
-              </a:spcAft>
-              <a:buNone/>
-            </a:pPr>
             <a:r>
-              <a:t/>
+              <a:rPr lang="en-IN" dirty="0" err="1">
+                <a:solidFill>
+                  <a:schemeClr val="bg1"/>
+                </a:solidFill>
+              </a:rPr>
+              <a:t>Bhilai</a:t>
             </a:r>
-            <a:endParaRPr/>
-          </a:p>
-          <a:p>
-            <a:pPr indent="0" lvl="0" marL="0" rtl="0" algn="l">
+            <a:endParaRPr dirty="0">
+              <a:solidFill>
+                <a:schemeClr val="bg1"/>
+              </a:solidFill>
+            </a:endParaRPr>
+          </a:p>
+          <a:p>
+            <a:pPr marL="0" lvl="0" indent="0" algn="l" rtl="0">
+              <a:spcBef>
+                <a:spcPts val="0"/>
+              </a:spcBef>
+              <a:spcAft>
+                <a:spcPts val="0"/>
+              </a:spcAft>
+              <a:buNone/>
+            </a:pPr>
+            <a:endParaRPr dirty="0"/>
+          </a:p>
+          <a:p>
+            <a:pPr marL="0" lvl="0" indent="0" algn="l" rtl="0">
+              <a:spcBef>
+                <a:spcPts val="0"/>
+              </a:spcBef>
+              <a:spcAft>
+                <a:spcPts val="0"/>
+              </a:spcAft>
+              <a:buNone/>
+            </a:pPr>
+            <a:endParaRPr dirty="0"/>
+          </a:p>
+          <a:p>
+            <a:pPr marL="0" lvl="0" indent="0" algn="l" rtl="0">
               <a:spcBef>
                 <a:spcPts val="0"/>
               </a:spcBef>
@@ -7636,13 +7835,13 @@
               <a:buNone/>
             </a:pPr>
             <a:r>
-              <a:rPr lang="en"/>
+              <a:rPr lang="en" dirty="0"/>
               <a:t>Team Leader:</a:t>
             </a:r>
-            <a:endParaRPr/>
-          </a:p>
-          <a:p>
-            <a:pPr indent="0" lvl="0" marL="0" rtl="0" algn="l">
+            <a:endParaRPr dirty="0"/>
+          </a:p>
+          <a:p>
+            <a:pPr marL="0" lvl="0" indent="0" algn="l" rtl="0">
               <a:spcBef>
                 <a:spcPts val="0"/>
               </a:spcBef>
@@ -7652,11 +7851,11 @@
               <a:buNone/>
             </a:pPr>
             <a:r>
-              <a:rPr lang="en"/>
-              <a:t>Akshay Wairagade - </a:t>
+              <a:rPr lang="en" dirty="0"/>
+              <a:t>Akshay Wairagade (2024) - </a:t>
             </a:r>
             <a:r>
-              <a:rPr lang="en" u="sng">
+              <a:rPr lang="en" u="sng" dirty="0">
                 <a:solidFill>
                   <a:schemeClr val="hlink"/>
                 </a:solidFill>
@@ -7664,10 +7863,22 @@
               </a:rPr>
               <a:t>akshaywairagade2@gmail.com</a:t>
             </a:r>
-            <a:endParaRPr/>
-          </a:p>
-          <a:p>
-            <a:pPr indent="0" lvl="0" marL="0" rtl="0" algn="l">
+            <a:endParaRPr dirty="0"/>
+          </a:p>
+          <a:p>
+            <a:pPr marL="0" lvl="0" indent="0" algn="l" rtl="0">
+              <a:spcBef>
+                <a:spcPts val="0"/>
+              </a:spcBef>
+              <a:spcAft>
+                <a:spcPts val="0"/>
+              </a:spcAft>
+              <a:buNone/>
+            </a:pPr>
+            <a:endParaRPr dirty="0"/>
+          </a:p>
+          <a:p>
+            <a:pPr marL="0" lvl="0" indent="0" algn="l" rtl="0">
               <a:spcBef>
                 <a:spcPts val="0"/>
               </a:spcBef>
@@ -7677,28 +7888,13 @@
               <a:buNone/>
             </a:pPr>
             <a:r>
-              <a:t/>
-            </a:r>
-            <a:endParaRPr/>
-          </a:p>
-          <a:p>
-            <a:pPr indent="0" lvl="0" marL="0" rtl="0" algn="l">
-              <a:spcBef>
-                <a:spcPts val="0"/>
-              </a:spcBef>
-              <a:spcAft>
-                <a:spcPts val="0"/>
-              </a:spcAft>
-              <a:buNone/>
-            </a:pPr>
-            <a:r>
-              <a:rPr lang="en"/>
+              <a:rPr lang="en" dirty="0"/>
               <a:t>Team Member 1:</a:t>
             </a:r>
-            <a:endParaRPr/>
-          </a:p>
-          <a:p>
-            <a:pPr indent="0" lvl="0" marL="0" rtl="0" algn="l">
+            <a:endParaRPr dirty="0"/>
+          </a:p>
+          <a:p>
+            <a:pPr marL="0" lvl="0" indent="0" algn="l" rtl="0">
               <a:spcBef>
                 <a:spcPts val="0"/>
               </a:spcBef>
@@ -7708,11 +7904,11 @@
               <a:buNone/>
             </a:pPr>
             <a:r>
-              <a:rPr lang="en"/>
-              <a:t>Sushant Yerawar - </a:t>
+              <a:rPr lang="en" dirty="0"/>
+              <a:t>Sushant Yerawar (2024) - </a:t>
             </a:r>
             <a:r>
-              <a:rPr lang="en" u="sng">
+              <a:rPr lang="en" u="sng" dirty="0">
                 <a:solidFill>
                   <a:schemeClr val="hlink"/>
                 </a:solidFill>
@@ -7720,7 +7916,7 @@
               </a:rPr>
               <a:t>sushantdilipyerawar@gmail.com</a:t>
             </a:r>
-            <a:endParaRPr/>
+            <a:endParaRPr dirty="0"/>
           </a:p>
         </p:txBody>
       </p:sp>
@@ -7733,11 +7929,11 @@
 </file>
 
 <file path=ppt/slides/slide2.xml><?xml version="1.0" encoding="utf-8"?>
-<p:sld xmlns:a="http://schemas.openxmlformats.org/drawingml/2006/main" xmlns:r="http://schemas.openxmlformats.org/officeDocument/2006/relationships" xmlns:mc="http://schemas.openxmlformats.org/markup-compatibility/2006" xmlns:mv="urn:schemas-microsoft-com:mac:vml" xmlns:p="http://schemas.openxmlformats.org/presentationml/2006/main" xmlns:c="http://schemas.openxmlformats.org/drawingml/2006/chart" xmlns:dgm="http://schemas.openxmlformats.org/drawingml/2006/diagram" xmlns:o="urn:schemas-microsoft-com:office:office" xmlns:v="urn:schemas-microsoft-com:vml" xmlns:pvml="urn:schemas-microsoft-com:office:powerpoint" xmlns:com="http://schemas.openxmlformats.org/drawingml/2006/compatibility" xmlns:p14="http://schemas.microsoft.com/office/powerpoint/2010/main" xmlns:p15="http://schemas.microsoft.com/office/powerpoint/2012/main" xmlns:ahyp="http://schemas.microsoft.com/office/drawing/2018/hyperlinkcolor">
+<p:sld xmlns:a="http://schemas.openxmlformats.org/drawingml/2006/main" xmlns:r="http://schemas.openxmlformats.org/officeDocument/2006/relationships" xmlns:p="http://schemas.openxmlformats.org/presentationml/2006/main">
   <p:cSld>
     <p:spTree>
       <p:nvGrpSpPr>
-        <p:cNvPr id="72" name="Shape 72"/>
+        <p:cNvPr id="1" name="Shape 72"/>
         <p:cNvGrpSpPr/>
         <p:nvPr/>
       </p:nvGrpSpPr>
@@ -7752,7 +7948,9 @@
       <p:sp>
         <p:nvSpPr>
           <p:cNvPr id="73" name="Google Shape;73;p14"/>
-          <p:cNvSpPr txBox="1"/>
+          <p:cNvSpPr txBox="1">
+            <a:spLocks noGrp="1"/>
+          </p:cNvSpPr>
           <p:nvPr>
             <p:ph type="ctrTitle"/>
           </p:nvPr>
@@ -7767,12 +7965,12 @@
           </a:prstGeom>
         </p:spPr>
         <p:txBody>
-          <a:bodyPr anchorCtr="0" anchor="b" bIns="91425" lIns="91425" spcFirstLastPara="1" rIns="91425" wrap="square" tIns="91425">
+          <a:bodyPr spcFirstLastPara="1" wrap="square" lIns="91425" tIns="91425" rIns="91425" bIns="91425" anchor="b" anchorCtr="0">
             <a:normAutofit/>
           </a:bodyPr>
           <a:lstStyle/>
           <a:p>
-            <a:pPr indent="0" lvl="0" marL="0" rtl="0" algn="l">
+            <a:pPr marL="0" lvl="0" indent="0" algn="l" rtl="0">
               <a:spcBef>
                 <a:spcPts val="0"/>
               </a:spcBef>
@@ -7792,9 +7990,11 @@
       <p:sp>
         <p:nvSpPr>
           <p:cNvPr id="74" name="Google Shape;74;p14"/>
-          <p:cNvSpPr txBox="1"/>
+          <p:cNvSpPr txBox="1">
+            <a:spLocks noGrp="1"/>
+          </p:cNvSpPr>
           <p:nvPr>
-            <p:ph idx="1" type="subTitle"/>
+            <p:ph type="subTitle" idx="1"/>
           </p:nvPr>
         </p:nvSpPr>
         <p:spPr>
@@ -7807,12 +8007,12 @@
           </a:prstGeom>
         </p:spPr>
         <p:txBody>
-          <a:bodyPr anchorCtr="0" anchor="t" bIns="91425" lIns="91425" spcFirstLastPara="1" rIns="91425" wrap="square" tIns="91425">
+          <a:bodyPr spcFirstLastPara="1" wrap="square" lIns="91425" tIns="91425" rIns="91425" bIns="91425" anchor="t" anchorCtr="0">
             <a:normAutofit/>
           </a:bodyPr>
           <a:lstStyle/>
           <a:p>
-            <a:pPr indent="-400050" lvl="0" marL="457200" rtl="0" algn="l">
+            <a:pPr marL="457200" lvl="0" indent="-400050" algn="l" rtl="0">
               <a:spcBef>
                 <a:spcPts val="0"/>
               </a:spcBef>
@@ -7829,7 +8029,7 @@
             <a:endParaRPr sz="2700"/>
           </a:p>
           <a:p>
-            <a:pPr indent="-400050" lvl="0" marL="457200" rtl="0" algn="l">
+            <a:pPr marL="457200" lvl="0" indent="-400050" algn="l" rtl="0">
               <a:spcBef>
                 <a:spcPts val="0"/>
               </a:spcBef>
@@ -7846,7 +8046,7 @@
             <a:endParaRPr sz="2700"/>
           </a:p>
           <a:p>
-            <a:pPr indent="-400050" lvl="0" marL="457200" rtl="0" algn="l">
+            <a:pPr marL="457200" lvl="0" indent="-400050" algn="l" rtl="0">
               <a:spcBef>
                 <a:spcPts val="0"/>
               </a:spcBef>
@@ -7863,7 +8063,7 @@
             <a:endParaRPr sz="2700"/>
           </a:p>
           <a:p>
-            <a:pPr indent="-400050" lvl="0" marL="457200" rtl="0" algn="l">
+            <a:pPr marL="457200" lvl="0" indent="-400050" algn="l" rtl="0">
               <a:spcBef>
                 <a:spcPts val="0"/>
               </a:spcBef>
@@ -7880,18 +8080,15 @@
             <a:endParaRPr sz="2700"/>
           </a:p>
           <a:p>
-            <a:pPr indent="0" lvl="0" marL="457200" rtl="0" algn="l">
-              <a:spcBef>
-                <a:spcPts val="0"/>
-              </a:spcBef>
-              <a:spcAft>
-                <a:spcPts val="0"/>
-              </a:spcAft>
-              <a:buNone/>
-            </a:pPr>
-            <a:r>
-              <a:t/>
-            </a:r>
+            <a:pPr marL="457200" lvl="0" indent="0" algn="l" rtl="0">
+              <a:spcBef>
+                <a:spcPts val="0"/>
+              </a:spcBef>
+              <a:spcAft>
+                <a:spcPts val="0"/>
+              </a:spcAft>
+              <a:buNone/>
+            </a:pPr>
             <a:endParaRPr/>
           </a:p>
         </p:txBody>
@@ -7905,11 +8102,11 @@
 </file>
 
 <file path=ppt/slides/slide3.xml><?xml version="1.0" encoding="utf-8"?>
-<p:sld xmlns:a="http://schemas.openxmlformats.org/drawingml/2006/main" xmlns:r="http://schemas.openxmlformats.org/officeDocument/2006/relationships" xmlns:mc="http://schemas.openxmlformats.org/markup-compatibility/2006" xmlns:mv="urn:schemas-microsoft-com:mac:vml" xmlns:p="http://schemas.openxmlformats.org/presentationml/2006/main" xmlns:c="http://schemas.openxmlformats.org/drawingml/2006/chart" xmlns:dgm="http://schemas.openxmlformats.org/drawingml/2006/diagram" xmlns:o="urn:schemas-microsoft-com:office:office" xmlns:v="urn:schemas-microsoft-com:vml" xmlns:pvml="urn:schemas-microsoft-com:office:powerpoint" xmlns:com="http://schemas.openxmlformats.org/drawingml/2006/compatibility" xmlns:p14="http://schemas.microsoft.com/office/powerpoint/2010/main" xmlns:p15="http://schemas.microsoft.com/office/powerpoint/2012/main" xmlns:ahyp="http://schemas.microsoft.com/office/drawing/2018/hyperlinkcolor">
+<p:sld xmlns:a="http://schemas.openxmlformats.org/drawingml/2006/main" xmlns:r="http://schemas.openxmlformats.org/officeDocument/2006/relationships" xmlns:p="http://schemas.openxmlformats.org/presentationml/2006/main">
   <p:cSld>
     <p:spTree>
       <p:nvGrpSpPr>
-        <p:cNvPr id="78" name="Shape 78"/>
+        <p:cNvPr id="1" name="Shape 78"/>
         <p:cNvGrpSpPr/>
         <p:nvPr/>
       </p:nvGrpSpPr>
@@ -7924,7 +8121,9 @@
       <p:sp>
         <p:nvSpPr>
           <p:cNvPr id="79" name="Google Shape;79;p15"/>
-          <p:cNvSpPr txBox="1"/>
+          <p:cNvSpPr txBox="1">
+            <a:spLocks noGrp="1"/>
+          </p:cNvSpPr>
           <p:nvPr>
             <p:ph type="title"/>
           </p:nvPr>
@@ -7939,12 +8138,12 @@
           </a:prstGeom>
         </p:spPr>
         <p:txBody>
-          <a:bodyPr anchorCtr="0" anchor="b" bIns="91425" lIns="91425" spcFirstLastPara="1" rIns="91425" wrap="square" tIns="91425">
+          <a:bodyPr spcFirstLastPara="1" wrap="square" lIns="91425" tIns="91425" rIns="91425" bIns="91425" anchor="b" anchorCtr="0">
             <a:normAutofit/>
           </a:bodyPr>
           <a:lstStyle/>
           <a:p>
-            <a:pPr indent="0" lvl="0" marL="0" rtl="0" algn="l">
+            <a:pPr marL="0" lvl="0" indent="0" algn="l" rtl="0">
               <a:spcBef>
                 <a:spcPts val="0"/>
               </a:spcBef>
@@ -7964,9 +8163,11 @@
       <p:sp>
         <p:nvSpPr>
           <p:cNvPr id="80" name="Google Shape;80;p15"/>
-          <p:cNvSpPr txBox="1"/>
+          <p:cNvSpPr txBox="1">
+            <a:spLocks noGrp="1"/>
+          </p:cNvSpPr>
           <p:nvPr>
-            <p:ph idx="1" type="body"/>
+            <p:ph type="body" idx="1"/>
           </p:nvPr>
         </p:nvSpPr>
         <p:spPr>
@@ -7979,12 +8180,12 @@
           </a:prstGeom>
         </p:spPr>
         <p:txBody>
-          <a:bodyPr anchorCtr="0" anchor="t" bIns="91425" lIns="91425" spcFirstLastPara="1" rIns="91425" wrap="square" tIns="91425">
-            <a:normAutofit fontScale="32500" lnSpcReduction="10000"/>
+          <a:bodyPr spcFirstLastPara="1" wrap="square" lIns="91425" tIns="91425" rIns="91425" bIns="91425" anchor="t" anchorCtr="0">
+            <a:normAutofit fontScale="32500" lnSpcReduction="20000"/>
           </a:bodyPr>
           <a:lstStyle/>
           <a:p>
-            <a:pPr indent="0" lvl="0" marL="0" rtl="0" algn="l">
+            <a:pPr marL="0" lvl="0" indent="0" algn="l" rtl="0">
               <a:lnSpc>
                 <a:spcPct val="100000"/>
               </a:lnSpc>
@@ -7997,27 +8198,21 @@
               <a:buNone/>
             </a:pPr>
             <a:r>
-              <a:rPr lang="en" sz="4557">
-                <a:solidFill>
-                  <a:srgbClr val="ECECF1"/>
-                </a:solidFill>
-                <a:highlight>
-                  <a:srgbClr val="343541"/>
-                </a:highlight>
+              <a:rPr lang="en" sz="4557" b="1" dirty="0">
+                <a:solidFill>
+                  <a:schemeClr val="bg2"/>
+                </a:solidFill>
               </a:rPr>
               <a:t>from selenium import webdriver</a:t>
             </a:r>
-            <a:endParaRPr sz="4557">
+            <a:endParaRPr sz="4557" b="1" dirty="0">
               <a:solidFill>
-                <a:srgbClr val="ECECF1"/>
+                <a:schemeClr val="bg2"/>
               </a:solidFill>
-              <a:highlight>
-                <a:srgbClr val="343541"/>
-              </a:highlight>
             </a:endParaRPr>
           </a:p>
           <a:p>
-            <a:pPr indent="0" lvl="0" marL="0" rtl="0" algn="l">
+            <a:pPr marL="0" lvl="0" indent="0" algn="l" rtl="0">
               <a:lnSpc>
                 <a:spcPct val="100000"/>
               </a:lnSpc>
@@ -8030,27 +8225,21 @@
               <a:buNone/>
             </a:pPr>
             <a:r>
-              <a:rPr lang="en" sz="4557">
-                <a:solidFill>
-                  <a:srgbClr val="ECECF1"/>
-                </a:solidFill>
-                <a:highlight>
-                  <a:srgbClr val="343541"/>
-                </a:highlight>
+              <a:rPr lang="en" sz="4557" b="1" dirty="0">
+                <a:solidFill>
+                  <a:schemeClr val="bg2"/>
+                </a:solidFill>
               </a:rPr>
               <a:t>from selenium.webdriver.chrome.options import Options</a:t>
             </a:r>
-            <a:endParaRPr sz="4557">
+            <a:endParaRPr sz="4557" b="1" dirty="0">
               <a:solidFill>
-                <a:srgbClr val="ECECF1"/>
+                <a:schemeClr val="bg2"/>
               </a:solidFill>
-              <a:highlight>
-                <a:srgbClr val="343541"/>
-              </a:highlight>
             </a:endParaRPr>
           </a:p>
           <a:p>
-            <a:pPr indent="0" lvl="0" marL="0" rtl="0" algn="l">
+            <a:pPr marL="0" lvl="0" indent="0" algn="l" rtl="0">
               <a:lnSpc>
                 <a:spcPct val="100000"/>
               </a:lnSpc>
@@ -8063,27 +8252,21 @@
               <a:buNone/>
             </a:pPr>
             <a:r>
-              <a:rPr lang="en" sz="4557">
-                <a:solidFill>
-                  <a:srgbClr val="ECECF1"/>
-                </a:solidFill>
-                <a:highlight>
-                  <a:srgbClr val="343541"/>
-                </a:highlight>
+              <a:rPr lang="en" sz="4557" b="1" dirty="0">
+                <a:solidFill>
+                  <a:schemeClr val="bg2"/>
+                </a:solidFill>
               </a:rPr>
               <a:t>from selenium.webdriver.common.by import By</a:t>
             </a:r>
-            <a:endParaRPr sz="4557">
+            <a:endParaRPr sz="4557" b="1" dirty="0">
               <a:solidFill>
-                <a:srgbClr val="ECECF1"/>
+                <a:schemeClr val="bg2"/>
               </a:solidFill>
-              <a:highlight>
-                <a:srgbClr val="343541"/>
-              </a:highlight>
             </a:endParaRPr>
           </a:p>
           <a:p>
-            <a:pPr indent="0" lvl="0" marL="0" rtl="0" algn="l">
+            <a:pPr marL="0" lvl="0" indent="0" algn="l" rtl="0">
               <a:lnSpc>
                 <a:spcPct val="100000"/>
               </a:lnSpc>
@@ -8096,27 +8279,21 @@
               <a:buNone/>
             </a:pPr>
             <a:r>
-              <a:rPr lang="en" sz="4557">
-                <a:solidFill>
-                  <a:srgbClr val="ECECF1"/>
-                </a:solidFill>
-                <a:highlight>
-                  <a:srgbClr val="343541"/>
-                </a:highlight>
+              <a:rPr lang="en" sz="4557" b="1" dirty="0">
+                <a:solidFill>
+                  <a:schemeClr val="bg2"/>
+                </a:solidFill>
               </a:rPr>
               <a:t>from time import sleep</a:t>
             </a:r>
-            <a:endParaRPr sz="4557">
+            <a:endParaRPr sz="4557" b="1" dirty="0">
               <a:solidFill>
-                <a:srgbClr val="ECECF1"/>
+                <a:schemeClr val="bg2"/>
               </a:solidFill>
-              <a:highlight>
-                <a:srgbClr val="343541"/>
-              </a:highlight>
             </a:endParaRPr>
           </a:p>
           <a:p>
-            <a:pPr indent="0" lvl="0" marL="0" rtl="0" algn="l">
+            <a:pPr marL="0" lvl="0" indent="0" algn="l" rtl="0">
               <a:lnSpc>
                 <a:spcPct val="100000"/>
               </a:lnSpc>
@@ -8129,20 +8306,21 @@
               <a:buNone/>
             </a:pPr>
             <a:r>
-              <a:rPr lang="en" sz="4557">
-                <a:solidFill>
-                  <a:srgbClr val="ECECF1"/>
-                </a:solidFill>
-                <a:highlight>
-                  <a:srgbClr val="343541"/>
-                </a:highlight>
+              <a:rPr lang="en" sz="4557" b="1" dirty="0">
+                <a:solidFill>
+                  <a:schemeClr val="bg2"/>
+                </a:solidFill>
               </a:rPr>
               <a:t>import pandas as pd</a:t>
             </a:r>
-            <a:endParaRPr sz="4457"/>
-          </a:p>
-          <a:p>
-            <a:pPr indent="-320595" lvl="0" marL="457200" rtl="0" algn="l">
+            <a:endParaRPr sz="4457" b="1" dirty="0">
+              <a:solidFill>
+                <a:schemeClr val="bg2"/>
+              </a:solidFill>
+            </a:endParaRPr>
+          </a:p>
+          <a:p>
+            <a:pPr marL="457200" lvl="0" indent="-320595" algn="l" rtl="0">
               <a:lnSpc>
                 <a:spcPct val="100000"/>
               </a:lnSpc>
@@ -8156,21 +8334,13 @@
               <a:buChar char="-"/>
             </a:pPr>
             <a:r>
-              <a:rPr lang="en" sz="4457"/>
-              <a:t>WebDriver : Selenium’s core module for controlling web </a:t>
+              <a:rPr lang="en" sz="4457" dirty="0"/>
+              <a:t>WebDriver : Selenium’s core module for controlling web browser.</a:t>
             </a:r>
-            <a:r>
-              <a:rPr lang="en" sz="4457"/>
-              <a:t>browser</a:t>
-            </a:r>
-            <a:r>
-              <a:rPr lang="en" sz="4457"/>
-              <a:t>.</a:t>
-            </a:r>
-            <a:endParaRPr sz="4457"/>
-          </a:p>
-          <a:p>
-            <a:pPr indent="-320595" lvl="0" marL="457200" rtl="0" algn="l">
+            <a:endParaRPr sz="4457" dirty="0"/>
+          </a:p>
+          <a:p>
+            <a:pPr marL="457200" lvl="0" indent="-320595" algn="l" rtl="0">
               <a:lnSpc>
                 <a:spcPct val="100000"/>
               </a:lnSpc>
@@ -8184,13 +8354,13 @@
               <a:buChar char="-"/>
             </a:pPr>
             <a:r>
-              <a:rPr lang="en" sz="4457"/>
+              <a:rPr lang="en" sz="4457" dirty="0"/>
               <a:t>Options : Additional options for configuring the browser</a:t>
             </a:r>
-            <a:endParaRPr sz="4457"/>
-          </a:p>
-          <a:p>
-            <a:pPr indent="-320595" lvl="0" marL="457200" rtl="0" algn="l">
+            <a:endParaRPr sz="4457" dirty="0"/>
+          </a:p>
+          <a:p>
+            <a:pPr marL="457200" lvl="0" indent="-320595" algn="l" rtl="0">
               <a:lnSpc>
                 <a:spcPct val="100000"/>
               </a:lnSpc>
@@ -8204,13 +8374,13 @@
               <a:buChar char="-"/>
             </a:pPr>
             <a:r>
-              <a:rPr lang="en" sz="4457"/>
+              <a:rPr lang="en" sz="4457" dirty="0"/>
               <a:t>By : Used to locate elements on a web page</a:t>
             </a:r>
-            <a:endParaRPr sz="4457"/>
-          </a:p>
-          <a:p>
-            <a:pPr indent="-320595" lvl="0" marL="457200" rtl="0" algn="l">
+            <a:endParaRPr sz="4457" dirty="0"/>
+          </a:p>
+          <a:p>
+            <a:pPr marL="457200" lvl="0" indent="-320595" algn="l" rtl="0">
               <a:lnSpc>
                 <a:spcPct val="100000"/>
               </a:lnSpc>
@@ -8224,13 +8394,13 @@
               <a:buChar char="-"/>
             </a:pPr>
             <a:r>
-              <a:rPr lang="en" sz="4457"/>
+              <a:rPr lang="en" sz="4457" dirty="0"/>
               <a:t>sleep : Pause execution to wait for elements to load</a:t>
             </a:r>
-            <a:endParaRPr sz="4457"/>
-          </a:p>
-          <a:p>
-            <a:pPr indent="-320595" lvl="0" marL="457200" rtl="0" algn="l">
+            <a:endParaRPr sz="4457" dirty="0"/>
+          </a:p>
+          <a:p>
+            <a:pPr marL="457200" lvl="0" indent="-320595" algn="l" rtl="0">
               <a:lnSpc>
                 <a:spcPct val="100000"/>
               </a:lnSpc>
@@ -8244,10 +8414,10 @@
               <a:buChar char="-"/>
             </a:pPr>
             <a:r>
-              <a:rPr lang="en" sz="4457"/>
+              <a:rPr lang="en" sz="4457" dirty="0"/>
               <a:t>pandas : Library for data manipulation and analysis </a:t>
             </a:r>
-            <a:endParaRPr sz="4457"/>
+            <a:endParaRPr sz="4457" dirty="0"/>
           </a:p>
         </p:txBody>
       </p:sp>
@@ -8260,11 +8430,11 @@
 </file>
 
 <file path=ppt/slides/slide4.xml><?xml version="1.0" encoding="utf-8"?>
-<p:sld xmlns:a="http://schemas.openxmlformats.org/drawingml/2006/main" xmlns:r="http://schemas.openxmlformats.org/officeDocument/2006/relationships" xmlns:mc="http://schemas.openxmlformats.org/markup-compatibility/2006" xmlns:mv="urn:schemas-microsoft-com:mac:vml" xmlns:p="http://schemas.openxmlformats.org/presentationml/2006/main" xmlns:c="http://schemas.openxmlformats.org/drawingml/2006/chart" xmlns:dgm="http://schemas.openxmlformats.org/drawingml/2006/diagram" xmlns:o="urn:schemas-microsoft-com:office:office" xmlns:v="urn:schemas-microsoft-com:vml" xmlns:pvml="urn:schemas-microsoft-com:office:powerpoint" xmlns:com="http://schemas.openxmlformats.org/drawingml/2006/compatibility" xmlns:p14="http://schemas.microsoft.com/office/powerpoint/2010/main" xmlns:p15="http://schemas.microsoft.com/office/powerpoint/2012/main" xmlns:ahyp="http://schemas.microsoft.com/office/drawing/2018/hyperlinkcolor">
+<p:sld xmlns:a="http://schemas.openxmlformats.org/drawingml/2006/main" xmlns:r="http://schemas.openxmlformats.org/officeDocument/2006/relationships" xmlns:p="http://schemas.openxmlformats.org/presentationml/2006/main">
   <p:cSld>
     <p:spTree>
       <p:nvGrpSpPr>
-        <p:cNvPr id="84" name="Shape 84"/>
+        <p:cNvPr id="1" name="Shape 84"/>
         <p:cNvGrpSpPr/>
         <p:nvPr/>
       </p:nvGrpSpPr>
@@ -8279,7 +8449,9 @@
       <p:sp>
         <p:nvSpPr>
           <p:cNvPr id="85" name="Google Shape;85;p16"/>
-          <p:cNvSpPr txBox="1"/>
+          <p:cNvSpPr txBox="1">
+            <a:spLocks noGrp="1"/>
+          </p:cNvSpPr>
           <p:nvPr>
             <p:ph type="title"/>
           </p:nvPr>
@@ -8294,12 +8466,12 @@
           </a:prstGeom>
         </p:spPr>
         <p:txBody>
-          <a:bodyPr anchorCtr="0" anchor="b" bIns="91425" lIns="91425" spcFirstLastPara="1" rIns="91425" wrap="square" tIns="91425">
+          <a:bodyPr spcFirstLastPara="1" wrap="square" lIns="91425" tIns="91425" rIns="91425" bIns="91425" anchor="b" anchorCtr="0">
             <a:normAutofit fontScale="90000"/>
           </a:bodyPr>
           <a:lstStyle/>
           <a:p>
-            <a:pPr indent="0" lvl="0" marL="0" rtl="0" algn="l">
+            <a:pPr marL="0" lvl="0" indent="0" algn="l" rtl="0">
               <a:spcBef>
                 <a:spcPts val="0"/>
               </a:spcBef>
@@ -8319,9 +8491,11 @@
       <p:sp>
         <p:nvSpPr>
           <p:cNvPr id="86" name="Google Shape;86;p16"/>
-          <p:cNvSpPr txBox="1"/>
+          <p:cNvSpPr txBox="1">
+            <a:spLocks noGrp="1"/>
+          </p:cNvSpPr>
           <p:nvPr>
-            <p:ph idx="1" type="body"/>
+            <p:ph type="body" idx="1"/>
           </p:nvPr>
         </p:nvSpPr>
         <p:spPr>
@@ -8334,317 +8508,126 @@
           </a:prstGeom>
         </p:spPr>
         <p:txBody>
-          <a:bodyPr anchorCtr="0" anchor="t" bIns="91425" lIns="91425" spcFirstLastPara="1" rIns="91425" wrap="square" tIns="91425">
+          <a:bodyPr spcFirstLastPara="1" wrap="square" lIns="91425" tIns="91425" rIns="91425" bIns="91425" anchor="t" anchorCtr="0">
             <a:normAutofit/>
           </a:bodyPr>
           <a:lstStyle/>
           <a:p>
-            <a:pPr indent="0" lvl="0" marL="0" rtl="0" algn="l">
-              <a:spcBef>
-                <a:spcPts val="0"/>
-              </a:spcBef>
-              <a:spcAft>
-                <a:spcPts val="0"/>
-              </a:spcAft>
+            <a:pPr marL="114300" indent="0">
               <a:buNone/>
             </a:pPr>
             <a:r>
-              <a:rPr lang="en" sz="1050">
-                <a:solidFill>
-                  <a:srgbClr val="FFFFFF"/>
-                </a:solidFill>
-                <a:highlight>
-                  <a:srgbClr val="000000"/>
-                </a:highlight>
-                <a:latin typeface="Courier New"/>
-                <a:ea typeface="Courier New"/>
-                <a:cs typeface="Courier New"/>
-                <a:sym typeface="Courier New"/>
+              <a:rPr lang="en-US" sz="1400" b="1" dirty="0">
+                <a:solidFill>
+                  <a:schemeClr val="bg2"/>
+                </a:solidFill>
+                <a:effectLst/>
+                <a:latin typeface="Consolas" panose="020B0609020204030204" pitchFamily="49" charset="0"/>
               </a:rPr>
-              <a:t>chrome_options = Options()</a:t>
+              <a:t>PATH="C:\SeleniumDrivers\chromedriver.exe"</a:t>
             </a:r>
-            <a:endParaRPr sz="1050">
-              <a:solidFill>
-                <a:srgbClr val="FFFFFF"/>
-              </a:solidFill>
-              <a:highlight>
-                <a:srgbClr val="000000"/>
-              </a:highlight>
-              <a:latin typeface="Courier New"/>
-              <a:ea typeface="Courier New"/>
-              <a:cs typeface="Courier New"/>
-              <a:sym typeface="Courier New"/>
-            </a:endParaRPr>
-          </a:p>
-          <a:p>
-            <a:pPr indent="0" lvl="0" marL="0" rtl="0" algn="l">
-              <a:spcBef>
-                <a:spcPts val="1200"/>
-              </a:spcBef>
-              <a:spcAft>
-                <a:spcPts val="0"/>
-              </a:spcAft>
+          </a:p>
+          <a:p>
+            <a:pPr marL="114300" indent="0">
               <a:buNone/>
             </a:pPr>
             <a:r>
-              <a:rPr lang="en" sz="1050">
-                <a:solidFill>
-                  <a:srgbClr val="FFFFFF"/>
-                </a:solidFill>
-                <a:highlight>
-                  <a:srgbClr val="000000"/>
-                </a:highlight>
-                <a:latin typeface="Courier New"/>
-                <a:ea typeface="Courier New"/>
-                <a:cs typeface="Courier New"/>
-                <a:sym typeface="Courier New"/>
+              <a:rPr lang="en-US" sz="1400" b="1" dirty="0">
+                <a:solidFill>
+                  <a:schemeClr val="bg2"/>
+                </a:solidFill>
+                <a:effectLst/>
+                <a:latin typeface="Consolas" panose="020B0609020204030204" pitchFamily="49" charset="0"/>
               </a:rPr>
-              <a:t>chrome_options.add_argument(</a:t>
+              <a:t>driver = </a:t>
             </a:r>
             <a:r>
-              <a:rPr lang="en" sz="1050">
-                <a:solidFill>
-                  <a:srgbClr val="00A67D"/>
-                </a:solidFill>
-                <a:highlight>
-                  <a:srgbClr val="000000"/>
-                </a:highlight>
-                <a:latin typeface="Courier New"/>
-                <a:ea typeface="Courier New"/>
-                <a:cs typeface="Courier New"/>
-                <a:sym typeface="Courier New"/>
+              <a:rPr lang="en-US" sz="1400" b="1" dirty="0" err="1">
+                <a:solidFill>
+                  <a:schemeClr val="bg2"/>
+                </a:solidFill>
+                <a:effectLst/>
+                <a:latin typeface="Consolas" panose="020B0609020204030204" pitchFamily="49" charset="0"/>
               </a:rPr>
-              <a:t>"--headless"</a:t>
+              <a:t>webdriver.Chrome</a:t>
             </a:r>
             <a:r>
-              <a:rPr lang="en" sz="1050">
-                <a:solidFill>
-                  <a:srgbClr val="FFFFFF"/>
-                </a:solidFill>
-                <a:highlight>
-                  <a:srgbClr val="000000"/>
-                </a:highlight>
-                <a:latin typeface="Courier New"/>
-                <a:ea typeface="Courier New"/>
-                <a:cs typeface="Courier New"/>
-                <a:sym typeface="Courier New"/>
+              <a:rPr lang="en-US" sz="1400" b="1" dirty="0">
+                <a:solidFill>
+                  <a:schemeClr val="bg2"/>
+                </a:solidFill>
+                <a:effectLst/>
+                <a:latin typeface="Consolas" panose="020B0609020204030204" pitchFamily="49" charset="0"/>
               </a:rPr>
-              <a:t>)</a:t>
+              <a:t>(PATH)</a:t>
             </a:r>
-            <a:endParaRPr sz="1050">
-              <a:solidFill>
-                <a:srgbClr val="FFFFFF"/>
-              </a:solidFill>
-              <a:highlight>
-                <a:srgbClr val="000000"/>
-              </a:highlight>
-              <a:latin typeface="Courier New"/>
-              <a:ea typeface="Courier New"/>
-              <a:cs typeface="Courier New"/>
-              <a:sym typeface="Courier New"/>
-            </a:endParaRPr>
-          </a:p>
-          <a:p>
-            <a:pPr indent="0" lvl="0" marL="0" rtl="0" algn="l">
-              <a:spcBef>
-                <a:spcPts val="1200"/>
-              </a:spcBef>
-              <a:spcAft>
-                <a:spcPts val="0"/>
-              </a:spcAft>
+          </a:p>
+          <a:p>
+            <a:pPr marL="114300" indent="0">
               <a:buNone/>
             </a:pPr>
             <a:r>
-              <a:rPr lang="en" sz="1050">
-                <a:solidFill>
-                  <a:srgbClr val="FFFFFF"/>
-                </a:solidFill>
-                <a:highlight>
-                  <a:srgbClr val="000000"/>
-                </a:highlight>
-                <a:latin typeface="Courier New"/>
-                <a:ea typeface="Courier New"/>
-                <a:cs typeface="Courier New"/>
-                <a:sym typeface="Courier New"/>
+              <a:rPr lang="en-US" sz="1400" b="1" dirty="0" err="1">
+                <a:solidFill>
+                  <a:schemeClr val="bg2"/>
+                </a:solidFill>
+                <a:effectLst/>
+                <a:latin typeface="Consolas" panose="020B0609020204030204" pitchFamily="49" charset="0"/>
               </a:rPr>
-              <a:t>PATH = </a:t>
+              <a:t>driver.maximize_window</a:t>
             </a:r>
             <a:r>
-              <a:rPr lang="en" sz="1050">
-                <a:solidFill>
-                  <a:srgbClr val="00A67D"/>
-                </a:solidFill>
-                <a:highlight>
-                  <a:srgbClr val="000000"/>
-                </a:highlight>
-                <a:latin typeface="Courier New"/>
-                <a:ea typeface="Courier New"/>
-                <a:cs typeface="Courier New"/>
-                <a:sym typeface="Courier New"/>
+              <a:rPr lang="en-US" sz="1400" b="1" dirty="0">
+                <a:solidFill>
+                  <a:schemeClr val="bg2"/>
+                </a:solidFill>
+                <a:effectLst/>
+                <a:latin typeface="Consolas" panose="020B0609020204030204" pitchFamily="49" charset="0"/>
               </a:rPr>
-              <a:t>"C:\SeleniumDrivers\chromedriver.exe"</a:t>
+              <a:t>()</a:t>
             </a:r>
-            <a:endParaRPr sz="1050">
-              <a:solidFill>
-                <a:srgbClr val="FFFFFF"/>
-              </a:solidFill>
-              <a:highlight>
-                <a:srgbClr val="000000"/>
-              </a:highlight>
-              <a:latin typeface="Courier New"/>
-              <a:ea typeface="Courier New"/>
-              <a:cs typeface="Courier New"/>
-              <a:sym typeface="Courier New"/>
-            </a:endParaRPr>
-          </a:p>
-          <a:p>
-            <a:pPr indent="0" lvl="0" marL="0" rtl="0" algn="l">
-              <a:spcBef>
-                <a:spcPts val="1200"/>
-              </a:spcBef>
-              <a:spcAft>
-                <a:spcPts val="0"/>
-              </a:spcAft>
+          </a:p>
+          <a:p>
+            <a:pPr marL="114300" indent="0">
               <a:buNone/>
             </a:pPr>
             <a:r>
-              <a:rPr lang="en" sz="1050">
-                <a:solidFill>
-                  <a:srgbClr val="FFFFFF"/>
-                </a:solidFill>
-                <a:highlight>
-                  <a:srgbClr val="000000"/>
-                </a:highlight>
-                <a:latin typeface="Courier New"/>
-                <a:ea typeface="Courier New"/>
-                <a:cs typeface="Courier New"/>
-                <a:sym typeface="Courier New"/>
+              <a:rPr lang="en-US" sz="1400" b="1" dirty="0" err="1">
+                <a:solidFill>
+                  <a:schemeClr val="bg2"/>
+                </a:solidFill>
+                <a:effectLst/>
+                <a:latin typeface="Consolas" panose="020B0609020204030204" pitchFamily="49" charset="0"/>
               </a:rPr>
-              <a:t>driver = webdriver.Chrome(PATH, options=chrome_options)</a:t>
-            </a:r>
-            <a:endParaRPr sz="1050">
-              <a:solidFill>
-                <a:srgbClr val="FFFFFF"/>
-              </a:solidFill>
-              <a:highlight>
-                <a:srgbClr val="000000"/>
-              </a:highlight>
-              <a:latin typeface="Courier New"/>
-              <a:ea typeface="Courier New"/>
-              <a:cs typeface="Courier New"/>
-              <a:sym typeface="Courier New"/>
-            </a:endParaRPr>
-          </a:p>
-          <a:p>
-            <a:pPr indent="0" lvl="0" marL="0" rtl="0" algn="l">
-              <a:spcBef>
-                <a:spcPts val="1200"/>
-              </a:spcBef>
-              <a:spcAft>
-                <a:spcPts val="0"/>
-              </a:spcAft>
-              <a:buNone/>
-            </a:pPr>
-            <a:r>
-              <a:rPr lang="en" sz="1050">
-                <a:solidFill>
-                  <a:srgbClr val="FFFFFF"/>
-                </a:solidFill>
-                <a:highlight>
-                  <a:srgbClr val="000000"/>
-                </a:highlight>
-                <a:latin typeface="Courier New"/>
-                <a:ea typeface="Courier New"/>
-                <a:cs typeface="Courier New"/>
-                <a:sym typeface="Courier New"/>
-              </a:rPr>
-              <a:t>driver.maximize_window()</a:t>
-            </a:r>
-            <a:endParaRPr sz="1050">
-              <a:solidFill>
-                <a:srgbClr val="FFFFFF"/>
-              </a:solidFill>
-              <a:highlight>
-                <a:srgbClr val="000000"/>
-              </a:highlight>
-              <a:latin typeface="Courier New"/>
-              <a:ea typeface="Courier New"/>
-              <a:cs typeface="Courier New"/>
-              <a:sym typeface="Courier New"/>
-            </a:endParaRPr>
-          </a:p>
-          <a:p>
-            <a:pPr indent="0" lvl="0" marL="0" rtl="0" algn="l">
-              <a:spcBef>
-                <a:spcPts val="1200"/>
-              </a:spcBef>
-              <a:spcAft>
-                <a:spcPts val="0"/>
-              </a:spcAft>
-              <a:buNone/>
-            </a:pPr>
-            <a:r>
-              <a:rPr lang="en" sz="1050">
-                <a:solidFill>
-                  <a:srgbClr val="FFFFFF"/>
-                </a:solidFill>
-                <a:highlight>
-                  <a:srgbClr val="000000"/>
-                </a:highlight>
-                <a:latin typeface="Courier New"/>
-                <a:ea typeface="Courier New"/>
-                <a:cs typeface="Courier New"/>
-                <a:sym typeface="Courier New"/>
-              </a:rPr>
-              <a:t>driver.get(</a:t>
+              <a:t>driver.get</a:t>
             </a:r>
             <a:r>
-              <a:rPr lang="en" sz="1050">
-                <a:solidFill>
-                  <a:srgbClr val="00A67D"/>
-                </a:solidFill>
-                <a:highlight>
-                  <a:srgbClr val="000000"/>
-                </a:highlight>
-                <a:latin typeface="Courier New"/>
-                <a:ea typeface="Courier New"/>
-                <a:cs typeface="Courier New"/>
-                <a:sym typeface="Courier New"/>
+              <a:rPr lang="en-US" sz="1400" b="1" dirty="0">
+                <a:solidFill>
+                  <a:schemeClr val="bg2"/>
+                </a:solidFill>
+                <a:effectLst/>
+                <a:latin typeface="Consolas" panose="020B0609020204030204" pitchFamily="49" charset="0"/>
               </a:rPr>
-              <a:t>"https://rategain.com/blog"</a:t>
+              <a:t>("https://rategain.com/blog")</a:t>
             </a:r>
-            <a:r>
-              <a:rPr lang="en" sz="1050">
-                <a:solidFill>
-                  <a:srgbClr val="FFFFFF"/>
-                </a:solidFill>
-                <a:highlight>
-                  <a:srgbClr val="000000"/>
-                </a:highlight>
-                <a:latin typeface="Courier New"/>
-                <a:ea typeface="Courier New"/>
-                <a:cs typeface="Courier New"/>
-                <a:sym typeface="Courier New"/>
-              </a:rPr>
-              <a:t>)</a:t>
-            </a:r>
-            <a:endParaRPr sz="1050">
+          </a:p>
+          <a:p>
+            <a:pPr marL="114300" indent="0">
+              <a:buNone/>
+            </a:pPr>
+            <a:endParaRPr lang="en-US" sz="1400" b="1" dirty="0">
               <a:solidFill>
-                <a:srgbClr val="FFFFFF"/>
+                <a:schemeClr val="bg2"/>
               </a:solidFill>
-              <a:highlight>
-                <a:srgbClr val="000000"/>
-              </a:highlight>
-              <a:latin typeface="Courier New"/>
-              <a:ea typeface="Courier New"/>
-              <a:cs typeface="Courier New"/>
-              <a:sym typeface="Courier New"/>
+              <a:effectLst/>
+              <a:latin typeface="Consolas" panose="020B0609020204030204" pitchFamily="49" charset="0"/>
             </a:endParaRPr>
           </a:p>
           <a:p>
-            <a:pPr indent="-295275" lvl="0" marL="457200" rtl="0" algn="l">
-              <a:spcBef>
-                <a:spcPts val="1200"/>
+            <a:pPr marL="457200" lvl="0" indent="-295275" algn="l" rtl="0">
+              <a:spcBef>
+                <a:spcPts val="0"/>
               </a:spcBef>
               <a:spcAft>
                 <a:spcPts val="0"/>
@@ -8657,7 +8640,7 @@
               <a:buChar char="-"/>
             </a:pPr>
             <a:r>
-              <a:rPr lang="en" sz="1050">
+              <a:rPr lang="en" sz="1400" dirty="0">
                 <a:solidFill>
                   <a:srgbClr val="343541"/>
                 </a:solidFill>
@@ -8669,9 +8652,9 @@
                 <a:cs typeface="Courier New"/>
                 <a:sym typeface="Courier New"/>
               </a:rPr>
-              <a:t>Configuring Chrome options.</a:t>
+              <a:t>Setting up the path for the Chrome WebDriver</a:t>
             </a:r>
-            <a:endParaRPr sz="1050">
+            <a:endParaRPr sz="1400" dirty="0">
               <a:solidFill>
                 <a:srgbClr val="343541"/>
               </a:solidFill>
@@ -8685,7 +8668,7 @@
             </a:endParaRPr>
           </a:p>
           <a:p>
-            <a:pPr indent="-295275" lvl="0" marL="457200" rtl="0" algn="l">
+            <a:pPr marL="457200" lvl="0" indent="-295275" algn="l" rtl="0">
               <a:spcBef>
                 <a:spcPts val="0"/>
               </a:spcBef>
@@ -8700,7 +8683,7 @@
               <a:buChar char="-"/>
             </a:pPr>
             <a:r>
-              <a:rPr lang="en" sz="1050">
+              <a:rPr lang="en" sz="1400" dirty="0">
                 <a:solidFill>
                   <a:srgbClr val="343541"/>
                 </a:solidFill>
@@ -8712,9 +8695,9 @@
                 <a:cs typeface="Courier New"/>
                 <a:sym typeface="Courier New"/>
               </a:rPr>
-              <a:t>Setting up the path for the Chrome WebDriver</a:t>
+              <a:t>Initializing the WebDriver, maximizing the window, and navigating to the target website</a:t>
             </a:r>
-            <a:endParaRPr sz="1050">
+            <a:endParaRPr sz="1400" dirty="0">
               <a:solidFill>
                 <a:srgbClr val="343541"/>
               </a:solidFill>
@@ -8727,64 +8710,6 @@
               <a:sym typeface="Courier New"/>
             </a:endParaRPr>
           </a:p>
-          <a:p>
-            <a:pPr indent="-295275" lvl="0" marL="457200" rtl="0" algn="l">
-              <a:spcBef>
-                <a:spcPts val="0"/>
-              </a:spcBef>
-              <a:spcAft>
-                <a:spcPts val="0"/>
-              </a:spcAft>
-              <a:buClr>
-                <a:srgbClr val="343541"/>
-              </a:buClr>
-              <a:buSzPts val="1050"/>
-              <a:buFont typeface="Courier New"/>
-              <a:buChar char="-"/>
-            </a:pPr>
-            <a:r>
-              <a:rPr lang="en" sz="1050">
-                <a:solidFill>
-                  <a:srgbClr val="343541"/>
-                </a:solidFill>
-                <a:highlight>
-                  <a:schemeClr val="lt1"/>
-                </a:highlight>
-                <a:latin typeface="Courier New"/>
-                <a:ea typeface="Courier New"/>
-                <a:cs typeface="Courier New"/>
-                <a:sym typeface="Courier New"/>
-              </a:rPr>
-              <a:t>Initializing the WebDriver, </a:t>
-            </a:r>
-            <a:r>
-              <a:rPr lang="en" sz="1050">
-                <a:solidFill>
-                  <a:srgbClr val="343541"/>
-                </a:solidFill>
-                <a:highlight>
-                  <a:schemeClr val="lt1"/>
-                </a:highlight>
-                <a:latin typeface="Courier New"/>
-                <a:ea typeface="Courier New"/>
-                <a:cs typeface="Courier New"/>
-                <a:sym typeface="Courier New"/>
-              </a:rPr>
-              <a:t>maximizing the window, and navigating to the target website</a:t>
-            </a:r>
-            <a:endParaRPr sz="1050">
-              <a:solidFill>
-                <a:srgbClr val="343541"/>
-              </a:solidFill>
-              <a:highlight>
-                <a:schemeClr val="lt1"/>
-              </a:highlight>
-              <a:latin typeface="Courier New"/>
-              <a:ea typeface="Courier New"/>
-              <a:cs typeface="Courier New"/>
-              <a:sym typeface="Courier New"/>
-            </a:endParaRPr>
-          </a:p>
         </p:txBody>
       </p:sp>
     </p:spTree>
@@ -8796,11 +8721,11 @@
 </file>
 
 <file path=ppt/slides/slide5.xml><?xml version="1.0" encoding="utf-8"?>
-<p:sld xmlns:a="http://schemas.openxmlformats.org/drawingml/2006/main" xmlns:r="http://schemas.openxmlformats.org/officeDocument/2006/relationships" xmlns:mc="http://schemas.openxmlformats.org/markup-compatibility/2006" xmlns:mv="urn:schemas-microsoft-com:mac:vml" xmlns:p="http://schemas.openxmlformats.org/presentationml/2006/main" xmlns:c="http://schemas.openxmlformats.org/drawingml/2006/chart" xmlns:dgm="http://schemas.openxmlformats.org/drawingml/2006/diagram" xmlns:o="urn:schemas-microsoft-com:office:office" xmlns:v="urn:schemas-microsoft-com:vml" xmlns:pvml="urn:schemas-microsoft-com:office:powerpoint" xmlns:com="http://schemas.openxmlformats.org/drawingml/2006/compatibility" xmlns:p14="http://schemas.microsoft.com/office/powerpoint/2010/main" xmlns:p15="http://schemas.microsoft.com/office/powerpoint/2012/main" xmlns:ahyp="http://schemas.microsoft.com/office/drawing/2018/hyperlinkcolor">
+<p:sld xmlns:a="http://schemas.openxmlformats.org/drawingml/2006/main" xmlns:r="http://schemas.openxmlformats.org/officeDocument/2006/relationships" xmlns:p="http://schemas.openxmlformats.org/presentationml/2006/main">
   <p:cSld>
     <p:spTree>
       <p:nvGrpSpPr>
-        <p:cNvPr id="90" name="Shape 90"/>
+        <p:cNvPr id="1" name="Shape 90"/>
         <p:cNvGrpSpPr/>
         <p:nvPr/>
       </p:nvGrpSpPr>
@@ -8815,7 +8740,9 @@
       <p:sp>
         <p:nvSpPr>
           <p:cNvPr id="91" name="Google Shape;91;p17"/>
-          <p:cNvSpPr txBox="1"/>
+          <p:cNvSpPr txBox="1">
+            <a:spLocks noGrp="1"/>
+          </p:cNvSpPr>
           <p:nvPr>
             <p:ph type="title"/>
           </p:nvPr>
@@ -8830,12 +8757,12 @@
           </a:prstGeom>
         </p:spPr>
         <p:txBody>
-          <a:bodyPr anchorCtr="0" anchor="b" bIns="91425" lIns="91425" spcFirstLastPara="1" rIns="91425" wrap="square" tIns="91425">
+          <a:bodyPr spcFirstLastPara="1" wrap="square" lIns="91425" tIns="91425" rIns="91425" bIns="91425" anchor="b" anchorCtr="0">
             <a:normAutofit/>
           </a:bodyPr>
           <a:lstStyle/>
           <a:p>
-            <a:pPr indent="0" lvl="0" marL="0" rtl="0" algn="l">
+            <a:pPr marL="0" lvl="0" indent="0" algn="l" rtl="0">
               <a:spcBef>
                 <a:spcPts val="0"/>
               </a:spcBef>
@@ -8855,9 +8782,11 @@
       <p:sp>
         <p:nvSpPr>
           <p:cNvPr id="92" name="Google Shape;92;p17"/>
-          <p:cNvSpPr txBox="1"/>
+          <p:cNvSpPr txBox="1">
+            <a:spLocks noGrp="1"/>
+          </p:cNvSpPr>
           <p:nvPr>
-            <p:ph idx="1" type="body"/>
+            <p:ph type="body" idx="1"/>
           </p:nvPr>
         </p:nvSpPr>
         <p:spPr>
@@ -8870,12 +8799,12 @@
           </a:prstGeom>
         </p:spPr>
         <p:txBody>
-          <a:bodyPr anchorCtr="0" anchor="t" bIns="91425" lIns="91425" spcFirstLastPara="1" rIns="91425" wrap="square" tIns="91425">
-            <a:normAutofit fontScale="92500" lnSpcReduction="20000"/>
+          <a:bodyPr spcFirstLastPara="1" wrap="square" lIns="91425" tIns="91425" rIns="91425" bIns="91425" anchor="t" anchorCtr="0">
+            <a:normAutofit/>
           </a:bodyPr>
           <a:lstStyle/>
           <a:p>
-            <a:pPr indent="0" lvl="0" marL="0" rtl="0" algn="l">
+            <a:pPr marL="0" lvl="0" indent="0" algn="l" rtl="0">
               <a:spcBef>
                 <a:spcPts val="0"/>
               </a:spcBef>
@@ -8885,13 +8814,21 @@
               <a:buNone/>
             </a:pPr>
             <a:r>
-              <a:rPr b="1" lang="en"/>
+              <a:rPr lang="en" b="1" dirty="0">
+                <a:solidFill>
+                  <a:schemeClr val="bg2"/>
+                </a:solidFill>
+              </a:rPr>
               <a:t>columns = ['BlogImageURL', 'BlogTitle', 'BlogDate', 'BlogLikesCount']</a:t>
             </a:r>
-            <a:endParaRPr b="1"/>
-          </a:p>
-          <a:p>
-            <a:pPr indent="0" lvl="0" marL="0" rtl="0" algn="l">
+            <a:endParaRPr b="1" dirty="0">
+              <a:solidFill>
+                <a:schemeClr val="bg2"/>
+              </a:solidFill>
+            </a:endParaRPr>
+          </a:p>
+          <a:p>
+            <a:pPr marL="0" lvl="0" indent="0" algn="l" rtl="0">
               <a:spcBef>
                 <a:spcPts val="1200"/>
               </a:spcBef>
@@ -8901,13 +8838,21 @@
               <a:buNone/>
             </a:pPr>
             <a:r>
-              <a:rPr b="1" lang="en"/>
+              <a:rPr lang="en" b="1" dirty="0">
+                <a:solidFill>
+                  <a:schemeClr val="bg2"/>
+                </a:solidFill>
+              </a:rPr>
               <a:t>df = pd.DataFrame(columns=columns)</a:t>
             </a:r>
-            <a:endParaRPr b="1"/>
-          </a:p>
-          <a:p>
-            <a:pPr indent="0" lvl="0" marL="0" rtl="0" algn="l">
+            <a:endParaRPr b="1" dirty="0">
+              <a:solidFill>
+                <a:schemeClr val="bg2"/>
+              </a:solidFill>
+            </a:endParaRPr>
+          </a:p>
+          <a:p>
+            <a:pPr marL="0" lvl="0" indent="0" algn="l" rtl="0">
               <a:spcBef>
                 <a:spcPts val="1200"/>
               </a:spcBef>
@@ -8916,13 +8861,10 @@
               </a:spcAft>
               <a:buNone/>
             </a:pPr>
-            <a:r>
-              <a:t/>
-            </a:r>
-            <a:endParaRPr b="1"/>
-          </a:p>
-          <a:p>
-            <a:pPr indent="-334327" lvl="0" marL="457200" rtl="0" algn="l">
+            <a:endParaRPr b="1" dirty="0"/>
+          </a:p>
+          <a:p>
+            <a:pPr marL="457200" lvl="0" indent="-334327" algn="l" rtl="0">
               <a:spcBef>
                 <a:spcPts val="1200"/>
               </a:spcBef>
@@ -8933,13 +8875,13 @@
               <a:buChar char="-"/>
             </a:pPr>
             <a:r>
-              <a:rPr lang="en"/>
+              <a:rPr lang="en" dirty="0"/>
               <a:t>Creating a Pandas DataFrame to store scraped data</a:t>
             </a:r>
-            <a:endParaRPr/>
-          </a:p>
-          <a:p>
-            <a:pPr indent="-334327" lvl="0" marL="457200" rtl="0" algn="l">
+            <a:endParaRPr dirty="0"/>
+          </a:p>
+          <a:p>
+            <a:pPr marL="457200" lvl="0" indent="-334327" algn="l" rtl="0">
               <a:spcBef>
                 <a:spcPts val="0"/>
               </a:spcBef>
@@ -8950,13 +8892,13 @@
               <a:buChar char="-"/>
             </a:pPr>
             <a:r>
-              <a:rPr lang="en"/>
+              <a:rPr lang="en" dirty="0"/>
               <a:t>Columns include BlogImageURL, BlogTitle, BlogDate, and BlogLikesCount</a:t>
             </a:r>
-            <a:endParaRPr/>
-          </a:p>
-          <a:p>
-            <a:pPr indent="0" lvl="0" marL="0" rtl="0" algn="l">
+            <a:endParaRPr dirty="0"/>
+          </a:p>
+          <a:p>
+            <a:pPr marL="0" lvl="0" indent="0" algn="l" rtl="0">
               <a:spcBef>
                 <a:spcPts val="1200"/>
               </a:spcBef>
@@ -8965,13 +8907,10 @@
               </a:spcAft>
               <a:buNone/>
             </a:pPr>
-            <a:r>
-              <a:t/>
-            </a:r>
-            <a:endParaRPr/>
-          </a:p>
-          <a:p>
-            <a:pPr indent="0" lvl="0" marL="0" rtl="0" algn="l">
+            <a:endParaRPr dirty="0"/>
+          </a:p>
+          <a:p>
+            <a:pPr marL="0" lvl="0" indent="0" algn="l" rtl="0">
               <a:spcBef>
                 <a:spcPts val="1200"/>
               </a:spcBef>
@@ -8980,10 +8919,7 @@
               </a:spcAft>
               <a:buNone/>
             </a:pPr>
-            <a:r>
-              <a:t/>
-            </a:r>
-            <a:endParaRPr/>
+            <a:endParaRPr dirty="0"/>
           </a:p>
         </p:txBody>
       </p:sp>
@@ -8996,11 +8932,11 @@
 </file>
 
 <file path=ppt/slides/slide6.xml><?xml version="1.0" encoding="utf-8"?>
-<p:sld xmlns:a="http://schemas.openxmlformats.org/drawingml/2006/main" xmlns:r="http://schemas.openxmlformats.org/officeDocument/2006/relationships" xmlns:mc="http://schemas.openxmlformats.org/markup-compatibility/2006" xmlns:mv="urn:schemas-microsoft-com:mac:vml" xmlns:p="http://schemas.openxmlformats.org/presentationml/2006/main" xmlns:c="http://schemas.openxmlformats.org/drawingml/2006/chart" xmlns:dgm="http://schemas.openxmlformats.org/drawingml/2006/diagram" xmlns:o="urn:schemas-microsoft-com:office:office" xmlns:v="urn:schemas-microsoft-com:vml" xmlns:pvml="urn:schemas-microsoft-com:office:powerpoint" xmlns:com="http://schemas.openxmlformats.org/drawingml/2006/compatibility" xmlns:p14="http://schemas.microsoft.com/office/powerpoint/2010/main" xmlns:p15="http://schemas.microsoft.com/office/powerpoint/2012/main" xmlns:ahyp="http://schemas.microsoft.com/office/drawing/2018/hyperlinkcolor">
+<p:sld xmlns:a="http://schemas.openxmlformats.org/drawingml/2006/main" xmlns:r="http://schemas.openxmlformats.org/officeDocument/2006/relationships" xmlns:p="http://schemas.openxmlformats.org/presentationml/2006/main">
   <p:cSld>
     <p:spTree>
       <p:nvGrpSpPr>
-        <p:cNvPr id="96" name="Shape 96"/>
+        <p:cNvPr id="1" name="Shape 96"/>
         <p:cNvGrpSpPr/>
         <p:nvPr/>
       </p:nvGrpSpPr>
@@ -9015,7 +8951,9 @@
       <p:sp>
         <p:nvSpPr>
           <p:cNvPr id="97" name="Google Shape;97;p18"/>
-          <p:cNvSpPr txBox="1"/>
+          <p:cNvSpPr txBox="1">
+            <a:spLocks noGrp="1"/>
+          </p:cNvSpPr>
           <p:nvPr>
             <p:ph type="title"/>
           </p:nvPr>
@@ -9030,12 +8968,12 @@
           </a:prstGeom>
         </p:spPr>
         <p:txBody>
-          <a:bodyPr anchorCtr="0" anchor="b" bIns="91425" lIns="91425" spcFirstLastPara="1" rIns="91425" wrap="square" tIns="91425">
+          <a:bodyPr spcFirstLastPara="1" wrap="square" lIns="91425" tIns="91425" rIns="91425" bIns="91425" anchor="b" anchorCtr="0">
             <a:normAutofit/>
           </a:bodyPr>
           <a:lstStyle/>
           <a:p>
-            <a:pPr indent="0" lvl="0" marL="0" rtl="0" algn="l">
+            <a:pPr marL="0" lvl="0" indent="0" algn="l" rtl="0">
               <a:spcBef>
                 <a:spcPts val="0"/>
               </a:spcBef>
@@ -9045,24 +8983,26 @@
               <a:buNone/>
             </a:pPr>
             <a:r>
-              <a:rPr lang="en"/>
+              <a:rPr lang="en" dirty="0"/>
               <a:t>Functions for Data Extraction</a:t>
             </a:r>
-            <a:endParaRPr/>
+            <a:endParaRPr dirty="0"/>
           </a:p>
         </p:txBody>
       </p:sp>
       <p:sp>
         <p:nvSpPr>
           <p:cNvPr id="98" name="Google Shape;98;p18"/>
-          <p:cNvSpPr txBox="1"/>
+          <p:cNvSpPr txBox="1">
+            <a:spLocks noGrp="1"/>
+          </p:cNvSpPr>
           <p:nvPr>
-            <p:ph idx="1" type="body"/>
+            <p:ph type="body" idx="1"/>
           </p:nvPr>
         </p:nvSpPr>
         <p:spPr>
           <a:xfrm>
-            <a:off x="471900" y="1769200"/>
+            <a:off x="460950" y="1699458"/>
             <a:ext cx="8222100" cy="3301800"/>
           </a:xfrm>
           <a:prstGeom prst="rect">
@@ -9070,12 +9010,12 @@
           </a:prstGeom>
         </p:spPr>
         <p:txBody>
-          <a:bodyPr anchorCtr="0" anchor="t" bIns="91425" lIns="91425" spcFirstLastPara="1" rIns="91425" wrap="square" tIns="91425">
+          <a:bodyPr spcFirstLastPara="1" wrap="square" lIns="91425" tIns="91425" rIns="91425" bIns="91425" anchor="t" anchorCtr="0">
             <a:noAutofit/>
           </a:bodyPr>
           <a:lstStyle/>
           <a:p>
-            <a:pPr indent="0" lvl="0" marL="0" rtl="0" algn="l">
+            <a:pPr marL="0" lvl="0" indent="0" algn="l" rtl="0">
               <a:lnSpc>
                 <a:spcPct val="105000"/>
               </a:lnSpc>
@@ -9089,13 +9029,13 @@
               <a:buNone/>
             </a:pPr>
             <a:r>
-              <a:rPr lang="en" sz="820"/>
+              <a:rPr lang="en" sz="820" dirty="0"/>
               <a:t>def getImageData(child_element):</a:t>
             </a:r>
-            <a:endParaRPr sz="820"/>
-          </a:p>
-          <a:p>
-            <a:pPr indent="-280670" lvl="0" marL="457200" rtl="0" algn="l">
+            <a:endParaRPr sz="820" dirty="0"/>
+          </a:p>
+          <a:p>
+            <a:pPr marL="457200" lvl="0" indent="-280670" algn="l" rtl="0">
               <a:lnSpc>
                 <a:spcPct val="105000"/>
               </a:lnSpc>
@@ -9109,13 +9049,13 @@
               <a:buChar char="-"/>
             </a:pPr>
             <a:r>
-              <a:rPr lang="en" sz="820"/>
+              <a:rPr lang="en" sz="820" dirty="0"/>
               <a:t>Function to extract image URL from blog item</a:t>
             </a:r>
-            <a:endParaRPr sz="820"/>
-          </a:p>
-          <a:p>
-            <a:pPr indent="0" lvl="0" marL="0" rtl="0" algn="l">
+            <a:endParaRPr sz="820" dirty="0"/>
+          </a:p>
+          <a:p>
+            <a:pPr marL="0" lvl="0" indent="0" algn="l" rtl="0">
               <a:lnSpc>
                 <a:spcPct val="105000"/>
               </a:lnSpc>
@@ -9129,13 +9069,13 @@
               <a:buNone/>
             </a:pPr>
             <a:r>
-              <a:rPr lang="en" sz="820"/>
+              <a:rPr lang="en" sz="820" dirty="0"/>
               <a:t>def  getHeading(content):</a:t>
             </a:r>
-            <a:endParaRPr sz="820"/>
-          </a:p>
-          <a:p>
-            <a:pPr indent="-280670" lvl="0" marL="457200" rtl="0" algn="l">
+            <a:endParaRPr sz="820" dirty="0"/>
+          </a:p>
+          <a:p>
+            <a:pPr marL="457200" lvl="0" indent="-280670" algn="l" rtl="0">
               <a:lnSpc>
                 <a:spcPct val="105000"/>
               </a:lnSpc>
@@ -9149,13 +9089,13 @@
               <a:buChar char="-"/>
             </a:pPr>
             <a:r>
-              <a:rPr lang="en" sz="820"/>
+              <a:rPr lang="en" sz="820" dirty="0"/>
               <a:t>Function to extract blog title from a blog item</a:t>
             </a:r>
-            <a:endParaRPr sz="820"/>
-          </a:p>
-          <a:p>
-            <a:pPr indent="0" lvl="0" marL="0" rtl="0" algn="l">
+            <a:endParaRPr sz="820" dirty="0"/>
+          </a:p>
+          <a:p>
+            <a:pPr marL="0" lvl="0" indent="0" algn="l" rtl="0">
               <a:lnSpc>
                 <a:spcPct val="105000"/>
               </a:lnSpc>
@@ -9169,13 +9109,13 @@
               <a:buNone/>
             </a:pPr>
             <a:r>
-              <a:rPr lang="en" sz="820"/>
+              <a:rPr lang="en" sz="820" dirty="0"/>
               <a:t>def getDate(content):</a:t>
             </a:r>
-            <a:endParaRPr sz="820"/>
-          </a:p>
-          <a:p>
-            <a:pPr indent="-280670" lvl="0" marL="457200" rtl="0" algn="l">
+            <a:endParaRPr sz="820" dirty="0"/>
+          </a:p>
+          <a:p>
+            <a:pPr marL="457200" lvl="0" indent="-280670" algn="l" rtl="0">
               <a:lnSpc>
                 <a:spcPct val="105000"/>
               </a:lnSpc>
@@ -9189,13 +9129,13 @@
               <a:buChar char="-"/>
             </a:pPr>
             <a:r>
-              <a:rPr lang="en" sz="820"/>
+              <a:rPr lang="en" sz="820" dirty="0"/>
               <a:t>Function to extract blog date from a blog item</a:t>
             </a:r>
-            <a:endParaRPr sz="820"/>
-          </a:p>
-          <a:p>
-            <a:pPr indent="0" lvl="0" marL="0" rtl="0" algn="l">
+            <a:endParaRPr sz="820" dirty="0"/>
+          </a:p>
+          <a:p>
+            <a:pPr marL="0" lvl="0" indent="0" algn="l" rtl="0">
               <a:lnSpc>
                 <a:spcPct val="105000"/>
               </a:lnSpc>
@@ -9209,17 +9149,13 @@
               <a:buNone/>
             </a:pPr>
             <a:r>
-              <a:rPr lang="en" sz="820"/>
-              <a:t>d</a:t>
+              <a:rPr lang="en" sz="820" dirty="0"/>
+              <a:t>def getLikes(content):</a:t>
             </a:r>
-            <a:r>
-              <a:rPr lang="en" sz="820"/>
-              <a:t>ef getLikes(content):</a:t>
-            </a:r>
-            <a:endParaRPr sz="820"/>
-          </a:p>
-          <a:p>
-            <a:pPr indent="-280670" lvl="0" marL="457200" rtl="0" algn="l">
+            <a:endParaRPr sz="820" dirty="0"/>
+          </a:p>
+          <a:p>
+            <a:pPr marL="457200" lvl="0" indent="-280670" algn="l" rtl="0">
               <a:lnSpc>
                 <a:spcPct val="105000"/>
               </a:lnSpc>
@@ -9233,13 +9169,13 @@
               <a:buChar char="-"/>
             </a:pPr>
             <a:r>
-              <a:rPr lang="en" sz="820"/>
+              <a:rPr lang="en" sz="820" dirty="0"/>
               <a:t>Function to extract blog likes count from a blog item</a:t>
             </a:r>
-            <a:endParaRPr sz="820"/>
-          </a:p>
-          <a:p>
-            <a:pPr indent="0" lvl="0" marL="0" rtl="0" algn="l">
+            <a:endParaRPr sz="820" dirty="0"/>
+          </a:p>
+          <a:p>
+            <a:pPr marL="0" lvl="0" indent="0" algn="l" rtl="0">
               <a:lnSpc>
                 <a:spcPct val="105000"/>
               </a:lnSpc>
@@ -9253,17 +9189,13 @@
               <a:buNone/>
             </a:pPr>
             <a:r>
-              <a:rPr lang="en" sz="820"/>
-              <a:t>d</a:t>
+              <a:rPr lang="en" sz="820" dirty="0"/>
+              <a:t>def  getContent(child_element):</a:t>
             </a:r>
-            <a:r>
-              <a:rPr lang="en" sz="820"/>
-              <a:t>ef  getContent(child_element):</a:t>
-            </a:r>
-            <a:endParaRPr sz="820"/>
-          </a:p>
-          <a:p>
-            <a:pPr indent="-280670" lvl="0" marL="457200" rtl="0" algn="l">
+            <a:endParaRPr sz="820" dirty="0"/>
+          </a:p>
+          <a:p>
+            <a:pPr marL="457200" lvl="0" indent="-280670" algn="l" rtl="0">
               <a:lnSpc>
                 <a:spcPct val="105000"/>
               </a:lnSpc>
@@ -9277,13 +9209,13 @@
               <a:buChar char="-"/>
             </a:pPr>
             <a:r>
-              <a:rPr lang="en" sz="820"/>
+              <a:rPr lang="en" sz="820" dirty="0"/>
               <a:t>Function to extract heading, date, ad likes from abolg item</a:t>
             </a:r>
-            <a:endParaRPr sz="820"/>
-          </a:p>
-          <a:p>
-            <a:pPr indent="0" lvl="0" marL="0" rtl="0" algn="l">
+            <a:endParaRPr sz="820" dirty="0"/>
+          </a:p>
+          <a:p>
+            <a:pPr marL="0" lvl="0" indent="0" algn="l" rtl="0">
               <a:lnSpc>
                 <a:spcPct val="105000"/>
               </a:lnSpc>
@@ -9296,10 +9228,10 @@
               <a:buNone/>
             </a:pPr>
             <a:r>
-              <a:rPr lang="en" sz="1020"/>
+              <a:rPr lang="en" sz="1020" dirty="0"/>
               <a:t>=&gt; Modularizing the code with functions for extracting different pieces of information from the web page</a:t>
             </a:r>
-            <a:endParaRPr sz="1020"/>
+            <a:endParaRPr sz="1020" dirty="0"/>
           </a:p>
         </p:txBody>
       </p:sp>
@@ -9312,11 +9244,11 @@
 </file>
 
 <file path=ppt/slides/slide7.xml><?xml version="1.0" encoding="utf-8"?>
-<p:sld xmlns:a="http://schemas.openxmlformats.org/drawingml/2006/main" xmlns:r="http://schemas.openxmlformats.org/officeDocument/2006/relationships" xmlns:mc="http://schemas.openxmlformats.org/markup-compatibility/2006" xmlns:mv="urn:schemas-microsoft-com:mac:vml" xmlns:p="http://schemas.openxmlformats.org/presentationml/2006/main" xmlns:c="http://schemas.openxmlformats.org/drawingml/2006/chart" xmlns:dgm="http://schemas.openxmlformats.org/drawingml/2006/diagram" xmlns:o="urn:schemas-microsoft-com:office:office" xmlns:v="urn:schemas-microsoft-com:vml" xmlns:pvml="urn:schemas-microsoft-com:office:powerpoint" xmlns:com="http://schemas.openxmlformats.org/drawingml/2006/compatibility" xmlns:p14="http://schemas.microsoft.com/office/powerpoint/2010/main" xmlns:p15="http://schemas.microsoft.com/office/powerpoint/2012/main" xmlns:ahyp="http://schemas.microsoft.com/office/drawing/2018/hyperlinkcolor">
+<p:sld xmlns:a="http://schemas.openxmlformats.org/drawingml/2006/main" xmlns:r="http://schemas.openxmlformats.org/officeDocument/2006/relationships" xmlns:p="http://schemas.openxmlformats.org/presentationml/2006/main">
   <p:cSld>
     <p:spTree>
       <p:nvGrpSpPr>
-        <p:cNvPr id="102" name="Shape 102"/>
+        <p:cNvPr id="1" name="Shape 102"/>
         <p:cNvGrpSpPr/>
         <p:nvPr/>
       </p:nvGrpSpPr>
@@ -9331,7 +9263,9 @@
       <p:sp>
         <p:nvSpPr>
           <p:cNvPr id="103" name="Google Shape;103;p19"/>
-          <p:cNvSpPr txBox="1"/>
+          <p:cNvSpPr txBox="1">
+            <a:spLocks noGrp="1"/>
+          </p:cNvSpPr>
           <p:nvPr>
             <p:ph type="title"/>
           </p:nvPr>
@@ -9346,12 +9280,12 @@
           </a:prstGeom>
         </p:spPr>
         <p:txBody>
-          <a:bodyPr anchorCtr="0" anchor="b" bIns="91425" lIns="91425" spcFirstLastPara="1" rIns="91425" wrap="square" tIns="91425">
+          <a:bodyPr spcFirstLastPara="1" wrap="square" lIns="91425" tIns="91425" rIns="91425" bIns="91425" anchor="b" anchorCtr="0">
             <a:normAutofit fontScale="90000"/>
           </a:bodyPr>
           <a:lstStyle/>
           <a:p>
-            <a:pPr indent="0" lvl="0" marL="0" rtl="0" algn="l">
+            <a:pPr marL="0" lvl="0" indent="0" algn="l" rtl="0">
               <a:spcBef>
                 <a:spcPts val="0"/>
               </a:spcBef>
@@ -9371,9 +9305,11 @@
       <p:sp>
         <p:nvSpPr>
           <p:cNvPr id="104" name="Google Shape;104;p19"/>
-          <p:cNvSpPr txBox="1"/>
+          <p:cNvSpPr txBox="1">
+            <a:spLocks noGrp="1"/>
+          </p:cNvSpPr>
           <p:nvPr>
-            <p:ph idx="1" type="body"/>
+            <p:ph type="body" idx="1"/>
           </p:nvPr>
         </p:nvSpPr>
         <p:spPr>
@@ -9386,12 +9322,12 @@
           </a:prstGeom>
         </p:spPr>
         <p:txBody>
-          <a:bodyPr anchorCtr="0" anchor="t" bIns="91425" lIns="91425" spcFirstLastPara="1" rIns="91425" wrap="square" tIns="91425">
+          <a:bodyPr spcFirstLastPara="1" wrap="square" lIns="91425" tIns="91425" rIns="91425" bIns="91425" anchor="t" anchorCtr="0">
             <a:normAutofit fontScale="55000" lnSpcReduction="20000"/>
           </a:bodyPr>
           <a:lstStyle/>
           <a:p>
-            <a:pPr indent="457200" lvl="0" marL="0" rtl="0" algn="l">
+            <a:pPr marL="0" lvl="0" indent="457200" algn="l" rtl="0">
               <a:lnSpc>
                 <a:spcPct val="100000"/>
               </a:lnSpc>
@@ -9410,7 +9346,7 @@
             <a:endParaRPr/>
           </a:p>
           <a:p>
-            <a:pPr indent="0" lvl="0" marL="457200" rtl="0" algn="l">
+            <a:pPr marL="457200" lvl="0" indent="0" algn="l" rtl="0">
               <a:lnSpc>
                 <a:spcPct val="100000"/>
               </a:lnSpc>
@@ -9429,7 +9365,7 @@
             <a:endParaRPr/>
           </a:p>
           <a:p>
-            <a:pPr indent="0" lvl="0" marL="457200" rtl="0" algn="l">
+            <a:pPr marL="457200" lvl="0" indent="0" algn="l" rtl="0">
               <a:lnSpc>
                 <a:spcPct val="100000"/>
               </a:lnSpc>
@@ -9448,7 +9384,7 @@
             <a:endParaRPr/>
           </a:p>
           <a:p>
-            <a:pPr indent="0" lvl="0" marL="457200" rtl="0" algn="l">
+            <a:pPr marL="457200" lvl="0" indent="0" algn="l" rtl="0">
               <a:lnSpc>
                 <a:spcPct val="100000"/>
               </a:lnSpc>
@@ -9467,7 +9403,7 @@
             <a:endParaRPr/>
           </a:p>
           <a:p>
-            <a:pPr indent="0" lvl="0" marL="457200" rtl="0" algn="l">
+            <a:pPr marL="457200" lvl="0" indent="0" algn="l" rtl="0">
               <a:lnSpc>
                 <a:spcPct val="100000"/>
               </a:lnSpc>
@@ -9486,7 +9422,7 @@
             <a:endParaRPr/>
           </a:p>
           <a:p>
-            <a:pPr indent="0" lvl="0" marL="457200" rtl="0" algn="l">
+            <a:pPr marL="457200" lvl="0" indent="0" algn="l" rtl="0">
               <a:lnSpc>
                 <a:spcPct val="100000"/>
               </a:lnSpc>
@@ -9505,7 +9441,7 @@
             <a:endParaRPr/>
           </a:p>
           <a:p>
-            <a:pPr indent="0" lvl="0" marL="457200" rtl="0" algn="l">
+            <a:pPr marL="457200" lvl="0" indent="0" algn="l" rtl="0">
               <a:lnSpc>
                 <a:spcPct val="100000"/>
               </a:lnSpc>
@@ -9524,7 +9460,7 @@
             <a:endParaRPr/>
           </a:p>
           <a:p>
-            <a:pPr indent="-291465" lvl="0" marL="457200" rtl="0" algn="l">
+            <a:pPr marL="457200" lvl="0" indent="-291465" algn="l" rtl="0">
               <a:spcBef>
                 <a:spcPts val="1200"/>
               </a:spcBef>
@@ -9541,7 +9477,7 @@
             <a:endParaRPr/>
           </a:p>
           <a:p>
-            <a:pPr indent="-291465" lvl="0" marL="457200" rtl="0" algn="l">
+            <a:pPr marL="457200" lvl="0" indent="-291465" algn="l" rtl="0">
               <a:spcBef>
                 <a:spcPts val="0"/>
               </a:spcBef>
@@ -9558,7 +9494,7 @@
             <a:endParaRPr/>
           </a:p>
           <a:p>
-            <a:pPr indent="0" lvl="0" marL="457200" rtl="0" algn="l">
+            <a:pPr marL="457200" lvl="0" indent="0" algn="l" rtl="0">
               <a:spcBef>
                 <a:spcPts val="1200"/>
               </a:spcBef>
@@ -9584,11 +9520,11 @@
 </file>
 
 <file path=ppt/slides/slide8.xml><?xml version="1.0" encoding="utf-8"?>
-<p:sld xmlns:a="http://schemas.openxmlformats.org/drawingml/2006/main" xmlns:r="http://schemas.openxmlformats.org/officeDocument/2006/relationships" xmlns:mc="http://schemas.openxmlformats.org/markup-compatibility/2006" xmlns:mv="urn:schemas-microsoft-com:mac:vml" xmlns:p="http://schemas.openxmlformats.org/presentationml/2006/main" xmlns:c="http://schemas.openxmlformats.org/drawingml/2006/chart" xmlns:dgm="http://schemas.openxmlformats.org/drawingml/2006/diagram" xmlns:o="urn:schemas-microsoft-com:office:office" xmlns:v="urn:schemas-microsoft-com:vml" xmlns:pvml="urn:schemas-microsoft-com:office:powerpoint" xmlns:com="http://schemas.openxmlformats.org/drawingml/2006/compatibility" xmlns:p14="http://schemas.microsoft.com/office/powerpoint/2010/main" xmlns:p15="http://schemas.microsoft.com/office/powerpoint/2012/main" xmlns:ahyp="http://schemas.microsoft.com/office/drawing/2018/hyperlinkcolor">
+<p:sld xmlns:a="http://schemas.openxmlformats.org/drawingml/2006/main" xmlns:r="http://schemas.openxmlformats.org/officeDocument/2006/relationships" xmlns:p="http://schemas.openxmlformats.org/presentationml/2006/main">
   <p:cSld>
     <p:spTree>
       <p:nvGrpSpPr>
-        <p:cNvPr id="108" name="Shape 108"/>
+        <p:cNvPr id="1" name="Shape 108"/>
         <p:cNvGrpSpPr/>
         <p:nvPr/>
       </p:nvGrpSpPr>
@@ -9603,7 +9539,9 @@
       <p:sp>
         <p:nvSpPr>
           <p:cNvPr id="109" name="Google Shape;109;p20"/>
-          <p:cNvSpPr txBox="1"/>
+          <p:cNvSpPr txBox="1">
+            <a:spLocks noGrp="1"/>
+          </p:cNvSpPr>
           <p:nvPr>
             <p:ph type="title"/>
           </p:nvPr>
@@ -9618,12 +9556,12 @@
           </a:prstGeom>
         </p:spPr>
         <p:txBody>
-          <a:bodyPr anchorCtr="0" anchor="b" bIns="91425" lIns="91425" spcFirstLastPara="1" rIns="91425" wrap="square" tIns="91425">
+          <a:bodyPr spcFirstLastPara="1" wrap="square" lIns="91425" tIns="91425" rIns="91425" bIns="91425" anchor="b" anchorCtr="0">
             <a:normAutofit/>
           </a:bodyPr>
           <a:lstStyle/>
           <a:p>
-            <a:pPr indent="0" lvl="0" marL="0" rtl="0" algn="l">
+            <a:pPr marL="0" lvl="0" indent="0" algn="l" rtl="0">
               <a:spcBef>
                 <a:spcPts val="0"/>
               </a:spcBef>
@@ -9643,9 +9581,11 @@
       <p:sp>
         <p:nvSpPr>
           <p:cNvPr id="110" name="Google Shape;110;p20"/>
-          <p:cNvSpPr txBox="1"/>
+          <p:cNvSpPr txBox="1">
+            <a:spLocks noGrp="1"/>
+          </p:cNvSpPr>
           <p:nvPr>
-            <p:ph idx="1" type="body"/>
+            <p:ph type="body" idx="1"/>
           </p:nvPr>
         </p:nvSpPr>
         <p:spPr>
@@ -9658,12 +9598,12 @@
           </a:prstGeom>
         </p:spPr>
         <p:txBody>
-          <a:bodyPr anchorCtr="0" anchor="t" bIns="91425" lIns="91425" spcFirstLastPara="1" rIns="91425" wrap="square" tIns="91425">
+          <a:bodyPr spcFirstLastPara="1" wrap="square" lIns="91425" tIns="91425" rIns="91425" bIns="91425" anchor="t" anchorCtr="0">
             <a:normAutofit/>
           </a:bodyPr>
           <a:lstStyle/>
           <a:p>
-            <a:pPr indent="0" lvl="0" marL="0" rtl="0" algn="l">
+            <a:pPr marL="0" lvl="0" indent="0" algn="l" rtl="0">
               <a:spcBef>
                 <a:spcPts val="0"/>
               </a:spcBef>
@@ -9679,7 +9619,7 @@
             <a:endParaRPr/>
           </a:p>
           <a:p>
-            <a:pPr indent="0" lvl="0" marL="0" rtl="0" algn="l">
+            <a:pPr marL="0" lvl="0" indent="0" algn="l" rtl="0">
               <a:spcBef>
                 <a:spcPts val="1200"/>
               </a:spcBef>
@@ -9695,7 +9635,7 @@
             <a:endParaRPr/>
           </a:p>
           <a:p>
-            <a:pPr indent="0" lvl="0" marL="0" rtl="0" algn="l">
+            <a:pPr marL="0" lvl="0" indent="0" algn="l" rtl="0">
               <a:spcBef>
                 <a:spcPts val="1200"/>
               </a:spcBef>
@@ -9704,13 +9644,10 @@
               </a:spcAft>
               <a:buNone/>
             </a:pPr>
-            <a:r>
-              <a:t/>
-            </a:r>
             <a:endParaRPr/>
           </a:p>
           <a:p>
-            <a:pPr indent="-342900" lvl="0" marL="457200" rtl="0" algn="l">
+            <a:pPr marL="457200" lvl="0" indent="-342900" algn="l" rtl="0">
               <a:spcBef>
                 <a:spcPts val="1200"/>
               </a:spcBef>
@@ -9737,11 +9674,11 @@
 </file>
 
 <file path=ppt/slides/slide9.xml><?xml version="1.0" encoding="utf-8"?>
-<p:sld xmlns:a="http://schemas.openxmlformats.org/drawingml/2006/main" xmlns:r="http://schemas.openxmlformats.org/officeDocument/2006/relationships" xmlns:mc="http://schemas.openxmlformats.org/markup-compatibility/2006" xmlns:mv="urn:schemas-microsoft-com:mac:vml" xmlns:p="http://schemas.openxmlformats.org/presentationml/2006/main" xmlns:c="http://schemas.openxmlformats.org/drawingml/2006/chart" xmlns:dgm="http://schemas.openxmlformats.org/drawingml/2006/diagram" xmlns:o="urn:schemas-microsoft-com:office:office" xmlns:v="urn:schemas-microsoft-com:vml" xmlns:pvml="urn:schemas-microsoft-com:office:powerpoint" xmlns:com="http://schemas.openxmlformats.org/drawingml/2006/compatibility" xmlns:p14="http://schemas.microsoft.com/office/powerpoint/2010/main" xmlns:p15="http://schemas.microsoft.com/office/powerpoint/2012/main" xmlns:ahyp="http://schemas.microsoft.com/office/drawing/2018/hyperlinkcolor">
+<p:sld xmlns:a="http://schemas.openxmlformats.org/drawingml/2006/main" xmlns:r="http://schemas.openxmlformats.org/officeDocument/2006/relationships" xmlns:p="http://schemas.openxmlformats.org/presentationml/2006/main">
   <p:cSld>
     <p:spTree>
       <p:nvGrpSpPr>
-        <p:cNvPr id="114" name="Shape 114"/>
+        <p:cNvPr id="1" name="Shape 114"/>
         <p:cNvGrpSpPr/>
         <p:nvPr/>
       </p:nvGrpSpPr>
@@ -9756,9 +9693,11 @@
       <p:sp>
         <p:nvSpPr>
           <p:cNvPr id="115" name="Google Shape;115;p21"/>
-          <p:cNvSpPr txBox="1"/>
+          <p:cNvSpPr txBox="1">
+            <a:spLocks noGrp="1"/>
+          </p:cNvSpPr>
           <p:nvPr>
-            <p:ph idx="1" type="body"/>
+            <p:ph type="body" idx="1"/>
           </p:nvPr>
         </p:nvSpPr>
         <p:spPr>
@@ -9771,12 +9710,12 @@
           </a:prstGeom>
         </p:spPr>
         <p:txBody>
-          <a:bodyPr anchorCtr="0" anchor="t" bIns="91425" lIns="91425" spcFirstLastPara="1" rIns="91425" wrap="square" tIns="91425">
+          <a:bodyPr spcFirstLastPara="1" wrap="square" lIns="91425" tIns="91425" rIns="91425" bIns="91425" anchor="t" anchorCtr="0">
             <a:normAutofit lnSpcReduction="20000"/>
           </a:bodyPr>
           <a:lstStyle/>
           <a:p>
-            <a:pPr indent="0" lvl="0" marL="0" rtl="0" algn="ctr">
+            <a:pPr marL="0" lvl="0" indent="0" algn="ctr" rtl="0">
               <a:spcBef>
                 <a:spcPts val="0"/>
               </a:spcBef>
@@ -9800,7 +9739,7 @@
             </a:endParaRPr>
           </a:p>
           <a:p>
-            <a:pPr indent="0" lvl="0" marL="0" rtl="0" algn="ctr">
+            <a:pPr marL="0" lvl="0" indent="0" algn="ctr" rtl="0">
               <a:spcBef>
                 <a:spcPts val="1200"/>
               </a:spcBef>
@@ -9824,7 +9763,7 @@
             </a:endParaRPr>
           </a:p>
           <a:p>
-            <a:pPr indent="0" lvl="0" marL="0" rtl="0" algn="ctr">
+            <a:pPr marL="0" lvl="0" indent="0" algn="ctr" rtl="0">
               <a:spcBef>
                 <a:spcPts val="1200"/>
               </a:spcBef>
@@ -9858,7 +9797,288 @@
 </file>
 
 <file path=ppt/theme/theme1.xml><?xml version="1.0" encoding="utf-8"?>
-<a:theme xmlns:a="http://schemas.openxmlformats.org/drawingml/2006/main" xmlns:r="http://schemas.openxmlformats.org/officeDocument/2006/relationships">
+<a:theme xmlns:a="http://schemas.openxmlformats.org/drawingml/2006/main" name="Material">
+  <a:themeElements>
+    <a:clrScheme name="Material">
+      <a:dk1>
+        <a:srgbClr val="4285F4"/>
+      </a:dk1>
+      <a:lt1>
+        <a:srgbClr val="FFFFFF"/>
+      </a:lt1>
+      <a:dk2>
+        <a:srgbClr val="424242"/>
+      </a:dk2>
+      <a:lt2>
+        <a:srgbClr val="737373"/>
+      </a:lt2>
+      <a:accent1>
+        <a:srgbClr val="0277BD"/>
+      </a:accent1>
+      <a:accent2>
+        <a:srgbClr val="0F9D58"/>
+      </a:accent2>
+      <a:accent3>
+        <a:srgbClr val="DB4437"/>
+      </a:accent3>
+      <a:accent4>
+        <a:srgbClr val="FAFAFA"/>
+      </a:accent4>
+      <a:accent5>
+        <a:srgbClr val="1A237E"/>
+      </a:accent5>
+      <a:accent6>
+        <a:srgbClr val="F4B400"/>
+      </a:accent6>
+      <a:hlink>
+        <a:srgbClr val="1A237E"/>
+      </a:hlink>
+      <a:folHlink>
+        <a:srgbClr val="1A237E"/>
+      </a:folHlink>
+    </a:clrScheme>
+    <a:fontScheme name="Office">
+      <a:majorFont>
+        <a:latin typeface="Arial"/>
+        <a:ea typeface=""/>
+        <a:cs typeface=""/>
+        <a:font script="Jpan" typeface="ＭＳ Ｐゴシック"/>
+        <a:font script="Hang" typeface="맑은 고딕"/>
+        <a:font script="Hans" typeface="宋体"/>
+        <a:font script="Hant" typeface="新細明體"/>
+        <a:font script="Arab" typeface="Times New Roman"/>
+        <a:font script="Hebr" typeface="Times New Roman"/>
+        <a:font script="Thai" typeface="Angsana New"/>
+        <a:font script="Ethi" typeface="Nyala"/>
+        <a:font script="Beng" typeface="Vrinda"/>
+        <a:font script="Gujr" typeface="Shruti"/>
+        <a:font script="Khmr" typeface="MoolBoran"/>
+        <a:font script="Knda" typeface="Tunga"/>
+        <a:font script="Guru" typeface="Raavi"/>
+        <a:font script="Cans" typeface="Euphemia"/>
+        <a:font script="Cher" typeface="Plantagenet Cherokee"/>
+        <a:font script="Yiii" typeface="Microsoft Yi Baiti"/>
+        <a:font script="Tibt" typeface="Microsoft Himalaya"/>
+        <a:font script="Thaa" typeface="MV Boli"/>
+        <a:font script="Deva" typeface="Mangal"/>
+        <a:font script="Telu" typeface="Gautami"/>
+        <a:font script="Taml" typeface="Latha"/>
+        <a:font script="Syrc" typeface="Estrangelo Edessa"/>
+        <a:font script="Orya" typeface="Kalinga"/>
+        <a:font script="Mlym" typeface="Kartika"/>
+        <a:font script="Laoo" typeface="DokChampa"/>
+        <a:font script="Sinh" typeface="Iskoola Pota"/>
+        <a:font script="Mong" typeface="Mongolian Baiti"/>
+        <a:font script="Viet" typeface="Times New Roman"/>
+        <a:font script="Uigh" typeface="Microsoft Uighur"/>
+        <a:font script="Geor" typeface="Sylfaen"/>
+      </a:majorFont>
+      <a:minorFont>
+        <a:latin typeface="Arial"/>
+        <a:ea typeface=""/>
+        <a:cs typeface=""/>
+        <a:font script="Jpan" typeface="ＭＳ Ｐゴシック"/>
+        <a:font script="Hang" typeface="맑은 고딕"/>
+        <a:font script="Hans" typeface="宋体"/>
+        <a:font script="Hant" typeface="新細明體"/>
+        <a:font script="Arab" typeface="Arial"/>
+        <a:font script="Hebr" typeface="Arial"/>
+        <a:font script="Thai" typeface="Cordia New"/>
+        <a:font script="Ethi" typeface="Nyala"/>
+        <a:font script="Beng" typeface="Vrinda"/>
+        <a:font script="Gujr" typeface="Shruti"/>
+        <a:font script="Khmr" typeface="DaunPenh"/>
+        <a:font script="Knda" typeface="Tunga"/>
+        <a:font script="Guru" typeface="Raavi"/>
+        <a:font script="Cans" typeface="Euphemia"/>
+        <a:font script="Cher" typeface="Plantagenet Cherokee"/>
+        <a:font script="Yiii" typeface="Microsoft Yi Baiti"/>
+        <a:font script="Tibt" typeface="Microsoft Himalaya"/>
+        <a:font script="Thaa" typeface="MV Boli"/>
+        <a:font script="Deva" typeface="Mangal"/>
+        <a:font script="Telu" typeface="Gautami"/>
+        <a:font script="Taml" typeface="Latha"/>
+        <a:font script="Syrc" typeface="Estrangelo Edessa"/>
+        <a:font script="Orya" typeface="Kalinga"/>
+        <a:font script="Mlym" typeface="Kartika"/>
+        <a:font script="Laoo" typeface="DokChampa"/>
+        <a:font script="Sinh" typeface="Iskoola Pota"/>
+        <a:font script="Mong" typeface="Mongolian Baiti"/>
+        <a:font script="Viet" typeface="Arial"/>
+        <a:font script="Uigh" typeface="Microsoft Uighur"/>
+        <a:font script="Geor" typeface="Sylfaen"/>
+      </a:minorFont>
+    </a:fontScheme>
+    <a:fmtScheme name="Office">
+      <a:fillStyleLst>
+        <a:solidFill>
+          <a:schemeClr val="phClr"/>
+        </a:solidFill>
+        <a:gradFill rotWithShape="1">
+          <a:gsLst>
+            <a:gs pos="0">
+              <a:schemeClr val="phClr">
+                <a:tint val="50000"/>
+                <a:satMod val="300000"/>
+              </a:schemeClr>
+            </a:gs>
+            <a:gs pos="35000">
+              <a:schemeClr val="phClr">
+                <a:tint val="37000"/>
+                <a:satMod val="300000"/>
+              </a:schemeClr>
+            </a:gs>
+            <a:gs pos="100000">
+              <a:schemeClr val="phClr">
+                <a:tint val="15000"/>
+                <a:satMod val="350000"/>
+              </a:schemeClr>
+            </a:gs>
+          </a:gsLst>
+          <a:lin ang="16200000" scaled="1"/>
+        </a:gradFill>
+        <a:gradFill rotWithShape="1">
+          <a:gsLst>
+            <a:gs pos="0">
+              <a:schemeClr val="phClr">
+                <a:tint val="100000"/>
+                <a:shade val="100000"/>
+                <a:satMod val="130000"/>
+              </a:schemeClr>
+            </a:gs>
+            <a:gs pos="100000">
+              <a:schemeClr val="phClr">
+                <a:tint val="50000"/>
+                <a:shade val="100000"/>
+                <a:satMod val="350000"/>
+              </a:schemeClr>
+            </a:gs>
+          </a:gsLst>
+          <a:lin ang="16200000" scaled="0"/>
+        </a:gradFill>
+      </a:fillStyleLst>
+      <a:lnStyleLst>
+        <a:ln w="9525" cap="flat" cmpd="sng" algn="ctr">
+          <a:solidFill>
+            <a:schemeClr val="phClr">
+              <a:shade val="95000"/>
+              <a:satMod val="105000"/>
+            </a:schemeClr>
+          </a:solidFill>
+          <a:prstDash val="solid"/>
+        </a:ln>
+        <a:ln w="25400" cap="flat" cmpd="sng" algn="ctr">
+          <a:solidFill>
+            <a:schemeClr val="phClr"/>
+          </a:solidFill>
+          <a:prstDash val="solid"/>
+        </a:ln>
+        <a:ln w="38100" cap="flat" cmpd="sng" algn="ctr">
+          <a:solidFill>
+            <a:schemeClr val="phClr"/>
+          </a:solidFill>
+          <a:prstDash val="solid"/>
+        </a:ln>
+      </a:lnStyleLst>
+      <a:effectStyleLst>
+        <a:effectStyle>
+          <a:effectLst>
+            <a:outerShdw blurRad="40000" dist="20000" dir="5400000" rotWithShape="0">
+              <a:srgbClr val="000000">
+                <a:alpha val="38000"/>
+              </a:srgbClr>
+            </a:outerShdw>
+          </a:effectLst>
+        </a:effectStyle>
+        <a:effectStyle>
+          <a:effectLst>
+            <a:outerShdw blurRad="40000" dist="23000" dir="5400000" rotWithShape="0">
+              <a:srgbClr val="000000">
+                <a:alpha val="35000"/>
+              </a:srgbClr>
+            </a:outerShdw>
+          </a:effectLst>
+        </a:effectStyle>
+        <a:effectStyle>
+          <a:effectLst>
+            <a:outerShdw blurRad="40000" dist="23000" dir="5400000" rotWithShape="0">
+              <a:srgbClr val="000000">
+                <a:alpha val="35000"/>
+              </a:srgbClr>
+            </a:outerShdw>
+          </a:effectLst>
+          <a:scene3d>
+            <a:camera prst="orthographicFront">
+              <a:rot lat="0" lon="0" rev="0"/>
+            </a:camera>
+            <a:lightRig rig="threePt" dir="t">
+              <a:rot lat="0" lon="0" rev="1200000"/>
+            </a:lightRig>
+          </a:scene3d>
+          <a:sp3d>
+            <a:bevelT w="63500" h="25400"/>
+          </a:sp3d>
+        </a:effectStyle>
+      </a:effectStyleLst>
+      <a:bgFillStyleLst>
+        <a:solidFill>
+          <a:schemeClr val="phClr"/>
+        </a:solidFill>
+        <a:gradFill rotWithShape="1">
+          <a:gsLst>
+            <a:gs pos="0">
+              <a:schemeClr val="phClr">
+                <a:tint val="40000"/>
+                <a:satMod val="350000"/>
+              </a:schemeClr>
+            </a:gs>
+            <a:gs pos="40000">
+              <a:schemeClr val="phClr">
+                <a:tint val="45000"/>
+                <a:shade val="99000"/>
+                <a:satMod val="350000"/>
+              </a:schemeClr>
+            </a:gs>
+            <a:gs pos="100000">
+              <a:schemeClr val="phClr">
+                <a:shade val="20000"/>
+                <a:satMod val="255000"/>
+              </a:schemeClr>
+            </a:gs>
+          </a:gsLst>
+          <a:path path="circle">
+            <a:fillToRect l="50000" t="-80000" r="50000" b="180000"/>
+          </a:path>
+        </a:gradFill>
+        <a:gradFill rotWithShape="1">
+          <a:gsLst>
+            <a:gs pos="0">
+              <a:schemeClr val="phClr">
+                <a:tint val="80000"/>
+                <a:satMod val="300000"/>
+              </a:schemeClr>
+            </a:gs>
+            <a:gs pos="100000">
+              <a:schemeClr val="phClr">
+                <a:shade val="30000"/>
+                <a:satMod val="200000"/>
+              </a:schemeClr>
+            </a:gs>
+          </a:gsLst>
+          <a:path path="circle">
+            <a:fillToRect l="50000" t="50000" r="50000" b="50000"/>
+          </a:path>
+        </a:gradFill>
+      </a:bgFillStyleLst>
+    </a:fmtScheme>
+  </a:themeElements>
+  <a:objectDefaults/>
+  <a:extraClrSchemeLst/>
+</a:theme>
+</file>
+
+<file path=ppt/theme/theme2.xml><?xml version="1.0" encoding="utf-8"?>
+<a:theme xmlns:a="http://schemas.openxmlformats.org/drawingml/2006/main">
   <a:themeElements>
     <a:clrScheme name="Default">
       <a:dk1>
@@ -10133,284 +10353,7 @@
       </a:bgFillStyleLst>
     </a:fmtScheme>
   </a:themeElements>
-</a:theme>
-</file>
-
-<file path=ppt/theme/theme2.xml><?xml version="1.0" encoding="utf-8"?>
-<a:theme xmlns:a="http://schemas.openxmlformats.org/drawingml/2006/main" xmlns:r="http://schemas.openxmlformats.org/officeDocument/2006/relationships" name="Material">
-  <a:themeElements>
-    <a:clrScheme name="Material">
-      <a:dk1>
-        <a:srgbClr val="4285F4"/>
-      </a:dk1>
-      <a:lt1>
-        <a:srgbClr val="FFFFFF"/>
-      </a:lt1>
-      <a:dk2>
-        <a:srgbClr val="424242"/>
-      </a:dk2>
-      <a:lt2>
-        <a:srgbClr val="737373"/>
-      </a:lt2>
-      <a:accent1>
-        <a:srgbClr val="0277BD"/>
-      </a:accent1>
-      <a:accent2>
-        <a:srgbClr val="0F9D58"/>
-      </a:accent2>
-      <a:accent3>
-        <a:srgbClr val="DB4437"/>
-      </a:accent3>
-      <a:accent4>
-        <a:srgbClr val="FAFAFA"/>
-      </a:accent4>
-      <a:accent5>
-        <a:srgbClr val="1A237E"/>
-      </a:accent5>
-      <a:accent6>
-        <a:srgbClr val="F4B400"/>
-      </a:accent6>
-      <a:hlink>
-        <a:srgbClr val="1A237E"/>
-      </a:hlink>
-      <a:folHlink>
-        <a:srgbClr val="1A237E"/>
-      </a:folHlink>
-    </a:clrScheme>
-    <a:fontScheme name="Office">
-      <a:majorFont>
-        <a:latin typeface="Arial"/>
-        <a:ea typeface=""/>
-        <a:cs typeface=""/>
-        <a:font script="Jpan" typeface="ＭＳ Ｐゴシック"/>
-        <a:font script="Hang" typeface="맑은 고딕"/>
-        <a:font script="Hans" typeface="宋体"/>
-        <a:font script="Hant" typeface="新細明體"/>
-        <a:font script="Arab" typeface="Times New Roman"/>
-        <a:font script="Hebr" typeface="Times New Roman"/>
-        <a:font script="Thai" typeface="Angsana New"/>
-        <a:font script="Ethi" typeface="Nyala"/>
-        <a:font script="Beng" typeface="Vrinda"/>
-        <a:font script="Gujr" typeface="Shruti"/>
-        <a:font script="Khmr" typeface="MoolBoran"/>
-        <a:font script="Knda" typeface="Tunga"/>
-        <a:font script="Guru" typeface="Raavi"/>
-        <a:font script="Cans" typeface="Euphemia"/>
-        <a:font script="Cher" typeface="Plantagenet Cherokee"/>
-        <a:font script="Yiii" typeface="Microsoft Yi Baiti"/>
-        <a:font script="Tibt" typeface="Microsoft Himalaya"/>
-        <a:font script="Thaa" typeface="MV Boli"/>
-        <a:font script="Deva" typeface="Mangal"/>
-        <a:font script="Telu" typeface="Gautami"/>
-        <a:font script="Taml" typeface="Latha"/>
-        <a:font script="Syrc" typeface="Estrangelo Edessa"/>
-        <a:font script="Orya" typeface="Kalinga"/>
-        <a:font script="Mlym" typeface="Kartika"/>
-        <a:font script="Laoo" typeface="DokChampa"/>
-        <a:font script="Sinh" typeface="Iskoola Pota"/>
-        <a:font script="Mong" typeface="Mongolian Baiti"/>
-        <a:font script="Viet" typeface="Times New Roman"/>
-        <a:font script="Uigh" typeface="Microsoft Uighur"/>
-        <a:font script="Geor" typeface="Sylfaen"/>
-      </a:majorFont>
-      <a:minorFont>
-        <a:latin typeface="Arial"/>
-        <a:ea typeface=""/>
-        <a:cs typeface=""/>
-        <a:font script="Jpan" typeface="ＭＳ Ｐゴシック"/>
-        <a:font script="Hang" typeface="맑은 고딕"/>
-        <a:font script="Hans" typeface="宋体"/>
-        <a:font script="Hant" typeface="新細明體"/>
-        <a:font script="Arab" typeface="Arial"/>
-        <a:font script="Hebr" typeface="Arial"/>
-        <a:font script="Thai" typeface="Cordia New"/>
-        <a:font script="Ethi" typeface="Nyala"/>
-        <a:font script="Beng" typeface="Vrinda"/>
-        <a:font script="Gujr" typeface="Shruti"/>
-        <a:font script="Khmr" typeface="DaunPenh"/>
-        <a:font script="Knda" typeface="Tunga"/>
-        <a:font script="Guru" typeface="Raavi"/>
-        <a:font script="Cans" typeface="Euphemia"/>
-        <a:font script="Cher" typeface="Plantagenet Cherokee"/>
-        <a:font script="Yiii" typeface="Microsoft Yi Baiti"/>
-        <a:font script="Tibt" typeface="Microsoft Himalaya"/>
-        <a:font script="Thaa" typeface="MV Boli"/>
-        <a:font script="Deva" typeface="Mangal"/>
-        <a:font script="Telu" typeface="Gautami"/>
-        <a:font script="Taml" typeface="Latha"/>
-        <a:font script="Syrc" typeface="Estrangelo Edessa"/>
-        <a:font script="Orya" typeface="Kalinga"/>
-        <a:font script="Mlym" typeface="Kartika"/>
-        <a:font script="Laoo" typeface="DokChampa"/>
-        <a:font script="Sinh" typeface="Iskoola Pota"/>
-        <a:font script="Mong" typeface="Mongolian Baiti"/>
-        <a:font script="Viet" typeface="Arial"/>
-        <a:font script="Uigh" typeface="Microsoft Uighur"/>
-        <a:font script="Geor" typeface="Sylfaen"/>
-      </a:minorFont>
-    </a:fontScheme>
-    <a:fmtScheme name="Office">
-      <a:fillStyleLst>
-        <a:solidFill>
-          <a:schemeClr val="phClr"/>
-        </a:solidFill>
-        <a:gradFill rotWithShape="1">
-          <a:gsLst>
-            <a:gs pos="0">
-              <a:schemeClr val="phClr">
-                <a:tint val="50000"/>
-                <a:satMod val="300000"/>
-              </a:schemeClr>
-            </a:gs>
-            <a:gs pos="35000">
-              <a:schemeClr val="phClr">
-                <a:tint val="37000"/>
-                <a:satMod val="300000"/>
-              </a:schemeClr>
-            </a:gs>
-            <a:gs pos="100000">
-              <a:schemeClr val="phClr">
-                <a:tint val="15000"/>
-                <a:satMod val="350000"/>
-              </a:schemeClr>
-            </a:gs>
-          </a:gsLst>
-          <a:lin ang="16200000" scaled="1"/>
-        </a:gradFill>
-        <a:gradFill rotWithShape="1">
-          <a:gsLst>
-            <a:gs pos="0">
-              <a:schemeClr val="phClr">
-                <a:tint val="100000"/>
-                <a:shade val="100000"/>
-                <a:satMod val="130000"/>
-              </a:schemeClr>
-            </a:gs>
-            <a:gs pos="100000">
-              <a:schemeClr val="phClr">
-                <a:tint val="50000"/>
-                <a:shade val="100000"/>
-                <a:satMod val="350000"/>
-              </a:schemeClr>
-            </a:gs>
-          </a:gsLst>
-          <a:lin ang="16200000" scaled="0"/>
-        </a:gradFill>
-      </a:fillStyleLst>
-      <a:lnStyleLst>
-        <a:ln w="9525" cap="flat" cmpd="sng" algn="ctr">
-          <a:solidFill>
-            <a:schemeClr val="phClr">
-              <a:shade val="95000"/>
-              <a:satMod val="105000"/>
-            </a:schemeClr>
-          </a:solidFill>
-          <a:prstDash val="solid"/>
-        </a:ln>
-        <a:ln w="25400" cap="flat" cmpd="sng" algn="ctr">
-          <a:solidFill>
-            <a:schemeClr val="phClr"/>
-          </a:solidFill>
-          <a:prstDash val="solid"/>
-        </a:ln>
-        <a:ln w="38100" cap="flat" cmpd="sng" algn="ctr">
-          <a:solidFill>
-            <a:schemeClr val="phClr"/>
-          </a:solidFill>
-          <a:prstDash val="solid"/>
-        </a:ln>
-      </a:lnStyleLst>
-      <a:effectStyleLst>
-        <a:effectStyle>
-          <a:effectLst>
-            <a:outerShdw blurRad="40000" dist="20000" dir="5400000" rotWithShape="0">
-              <a:srgbClr val="000000">
-                <a:alpha val="38000"/>
-              </a:srgbClr>
-            </a:outerShdw>
-          </a:effectLst>
-        </a:effectStyle>
-        <a:effectStyle>
-          <a:effectLst>
-            <a:outerShdw blurRad="40000" dist="23000" dir="5400000" rotWithShape="0">
-              <a:srgbClr val="000000">
-                <a:alpha val="35000"/>
-              </a:srgbClr>
-            </a:outerShdw>
-          </a:effectLst>
-        </a:effectStyle>
-        <a:effectStyle>
-          <a:effectLst>
-            <a:outerShdw blurRad="40000" dist="23000" dir="5400000" rotWithShape="0">
-              <a:srgbClr val="000000">
-                <a:alpha val="35000"/>
-              </a:srgbClr>
-            </a:outerShdw>
-          </a:effectLst>
-          <a:scene3d>
-            <a:camera prst="orthographicFront">
-              <a:rot lat="0" lon="0" rev="0"/>
-            </a:camera>
-            <a:lightRig rig="threePt" dir="t">
-              <a:rot lat="0" lon="0" rev="1200000"/>
-            </a:lightRig>
-          </a:scene3d>
-          <a:sp3d>
-            <a:bevelT w="63500" h="25400"/>
-          </a:sp3d>
-        </a:effectStyle>
-      </a:effectStyleLst>
-      <a:bgFillStyleLst>
-        <a:solidFill>
-          <a:schemeClr val="phClr"/>
-        </a:solidFill>
-        <a:gradFill rotWithShape="1">
-          <a:gsLst>
-            <a:gs pos="0">
-              <a:schemeClr val="phClr">
-                <a:tint val="40000"/>
-                <a:satMod val="350000"/>
-              </a:schemeClr>
-            </a:gs>
-            <a:gs pos="40000">
-              <a:schemeClr val="phClr">
-                <a:tint val="45000"/>
-                <a:shade val="99000"/>
-                <a:satMod val="350000"/>
-              </a:schemeClr>
-            </a:gs>
-            <a:gs pos="100000">
-              <a:schemeClr val="phClr">
-                <a:shade val="20000"/>
-                <a:satMod val="255000"/>
-              </a:schemeClr>
-            </a:gs>
-          </a:gsLst>
-          <a:path path="circle">
-            <a:fillToRect l="50000" t="-80000" r="50000" b="180000"/>
-          </a:path>
-        </a:gradFill>
-        <a:gradFill rotWithShape="1">
-          <a:gsLst>
-            <a:gs pos="0">
-              <a:schemeClr val="phClr">
-                <a:tint val="80000"/>
-                <a:satMod val="300000"/>
-              </a:schemeClr>
-            </a:gs>
-            <a:gs pos="100000">
-              <a:schemeClr val="phClr">
-                <a:shade val="30000"/>
-                <a:satMod val="200000"/>
-              </a:schemeClr>
-            </a:gs>
-          </a:gsLst>
-          <a:path path="circle">
-            <a:fillToRect l="50000" t="50000" r="50000" b="50000"/>
-          </a:path>
-        </a:gradFill>
-      </a:bgFillStyleLst>
-    </a:fmtScheme>
-  </a:themeElements>
+  <a:objectDefaults/>
+  <a:extraClrSchemeLst/>
 </a:theme>
 </file>